--- a/示意图.pptx
+++ b/示意图.pptx
@@ -9,6 +9,8 @@
     <p:sldId id="257" r:id="rId3"/>
     <p:sldId id="258" r:id="rId4"/>
     <p:sldId id="259" r:id="rId5"/>
+    <p:sldId id="260" r:id="rId6"/>
+    <p:sldId id="261" r:id="rId7"/>
   </p:sldIdLst>
   <p:sldSz cx="12192000" cy="6858000"/>
   <p:notesSz cx="6858000" cy="9144000"/>
@@ -107,6 +109,11 @@
       </a:defRPr>
     </a:lvl9pPr>
   </p:defaultTextStyle>
+  <p:extLst>
+    <p:ext uri="{EFAFB233-063F-42B5-8137-9DF3F51BA10A}">
+      <p15:sldGuideLst xmlns:p15="http://schemas.microsoft.com/office/powerpoint/2012/main"/>
+    </p:ext>
+  </p:extLst>
 </p:presentation>
 </file>
 
@@ -241,7 +248,7 @@
           <a:p>
             <a:fld id="{99722A92-2D1C-4458-BB57-15CBEADCC150}" type="datetimeFigureOut">
               <a:rPr lang="zh-CN" altLang="en-US" smtClean="0"/>
-              <a:t>2019/1/4</a:t>
+              <a:t>2019/1/7</a:t>
             </a:fld>
             <a:endParaRPr lang="zh-CN" altLang="en-US"/>
           </a:p>
@@ -411,7 +418,7 @@
           <a:p>
             <a:fld id="{99722A92-2D1C-4458-BB57-15CBEADCC150}" type="datetimeFigureOut">
               <a:rPr lang="zh-CN" altLang="en-US" smtClean="0"/>
-              <a:t>2019/1/4</a:t>
+              <a:t>2019/1/7</a:t>
             </a:fld>
             <a:endParaRPr lang="zh-CN" altLang="en-US"/>
           </a:p>
@@ -591,7 +598,7 @@
           <a:p>
             <a:fld id="{99722A92-2D1C-4458-BB57-15CBEADCC150}" type="datetimeFigureOut">
               <a:rPr lang="zh-CN" altLang="en-US" smtClean="0"/>
-              <a:t>2019/1/4</a:t>
+              <a:t>2019/1/7</a:t>
             </a:fld>
             <a:endParaRPr lang="zh-CN" altLang="en-US"/>
           </a:p>
@@ -761,7 +768,7 @@
           <a:p>
             <a:fld id="{99722A92-2D1C-4458-BB57-15CBEADCC150}" type="datetimeFigureOut">
               <a:rPr lang="zh-CN" altLang="en-US" smtClean="0"/>
-              <a:t>2019/1/4</a:t>
+              <a:t>2019/1/7</a:t>
             </a:fld>
             <a:endParaRPr lang="zh-CN" altLang="en-US"/>
           </a:p>
@@ -1007,7 +1014,7 @@
           <a:p>
             <a:fld id="{99722A92-2D1C-4458-BB57-15CBEADCC150}" type="datetimeFigureOut">
               <a:rPr lang="zh-CN" altLang="en-US" smtClean="0"/>
-              <a:t>2019/1/4</a:t>
+              <a:t>2019/1/7</a:t>
             </a:fld>
             <a:endParaRPr lang="zh-CN" altLang="en-US"/>
           </a:p>
@@ -1239,7 +1246,7 @@
           <a:p>
             <a:fld id="{99722A92-2D1C-4458-BB57-15CBEADCC150}" type="datetimeFigureOut">
               <a:rPr lang="zh-CN" altLang="en-US" smtClean="0"/>
-              <a:t>2019/1/4</a:t>
+              <a:t>2019/1/7</a:t>
             </a:fld>
             <a:endParaRPr lang="zh-CN" altLang="en-US"/>
           </a:p>
@@ -1606,7 +1613,7 @@
           <a:p>
             <a:fld id="{99722A92-2D1C-4458-BB57-15CBEADCC150}" type="datetimeFigureOut">
               <a:rPr lang="zh-CN" altLang="en-US" smtClean="0"/>
-              <a:t>2019/1/4</a:t>
+              <a:t>2019/1/7</a:t>
             </a:fld>
             <a:endParaRPr lang="zh-CN" altLang="en-US"/>
           </a:p>
@@ -1724,7 +1731,7 @@
           <a:p>
             <a:fld id="{99722A92-2D1C-4458-BB57-15CBEADCC150}" type="datetimeFigureOut">
               <a:rPr lang="zh-CN" altLang="en-US" smtClean="0"/>
-              <a:t>2019/1/4</a:t>
+              <a:t>2019/1/7</a:t>
             </a:fld>
             <a:endParaRPr lang="zh-CN" altLang="en-US"/>
           </a:p>
@@ -1819,7 +1826,7 @@
           <a:p>
             <a:fld id="{99722A92-2D1C-4458-BB57-15CBEADCC150}" type="datetimeFigureOut">
               <a:rPr lang="zh-CN" altLang="en-US" smtClean="0"/>
-              <a:t>2019/1/4</a:t>
+              <a:t>2019/1/7</a:t>
             </a:fld>
             <a:endParaRPr lang="zh-CN" altLang="en-US"/>
           </a:p>
@@ -2096,7 +2103,7 @@
           <a:p>
             <a:fld id="{99722A92-2D1C-4458-BB57-15CBEADCC150}" type="datetimeFigureOut">
               <a:rPr lang="zh-CN" altLang="en-US" smtClean="0"/>
-              <a:t>2019/1/4</a:t>
+              <a:t>2019/1/7</a:t>
             </a:fld>
             <a:endParaRPr lang="zh-CN" altLang="en-US"/>
           </a:p>
@@ -2349,7 +2356,7 @@
           <a:p>
             <a:fld id="{99722A92-2D1C-4458-BB57-15CBEADCC150}" type="datetimeFigureOut">
               <a:rPr lang="zh-CN" altLang="en-US" smtClean="0"/>
-              <a:t>2019/1/4</a:t>
+              <a:t>2019/1/7</a:t>
             </a:fld>
             <a:endParaRPr lang="zh-CN" altLang="en-US"/>
           </a:p>
@@ -2562,7 +2569,7 @@
           <a:p>
             <a:fld id="{99722A92-2D1C-4458-BB57-15CBEADCC150}" type="datetimeFigureOut">
               <a:rPr lang="zh-CN" altLang="en-US" smtClean="0"/>
-              <a:t>2019/1/4</a:t>
+              <a:t>2019/1/7</a:t>
             </a:fld>
             <a:endParaRPr lang="zh-CN" altLang="en-US"/>
           </a:p>
@@ -3625,7 +3632,7 @@
           <a:graphicData uri="http://schemas.openxmlformats.org/presentationml/2006/ole">
             <mc:AlternateContent xmlns:mc="http://schemas.openxmlformats.org/markup-compatibility/2006">
               <mc:Choice xmlns:v="urn:schemas-microsoft-com:vml" Requires="v">
-                <p:oleObj spid="_x0000_s1041" name="Equation" r:id="rId4" imgW="152280" imgH="139680" progId="Equation.DSMT4">
+                <p:oleObj spid="_x0000_s1049" name="Equation" r:id="rId4" imgW="152280" imgH="139680" progId="Equation.DSMT4">
                   <p:embed/>
                 </p:oleObj>
               </mc:Choice>
@@ -3682,7 +3689,7 @@
           <a:graphicData uri="http://schemas.openxmlformats.org/presentationml/2006/ole">
             <mc:AlternateContent xmlns:mc="http://schemas.openxmlformats.org/markup-compatibility/2006">
               <mc:Choice xmlns:v="urn:schemas-microsoft-com:vml" Requires="v">
-                <p:oleObj spid="_x0000_s1042" name="Equation" r:id="rId6" imgW="152280" imgH="139680" progId="Equation.DSMT4">
+                <p:oleObj spid="_x0000_s1050" name="Equation" r:id="rId6" imgW="152280" imgH="139680" progId="Equation.DSMT4">
                   <p:embed/>
                 </p:oleObj>
               </mc:Choice>
@@ -4382,7 +4389,7 @@
           <a:graphicData uri="http://schemas.openxmlformats.org/presentationml/2006/ole">
             <mc:AlternateContent xmlns:mc="http://schemas.openxmlformats.org/markup-compatibility/2006">
               <mc:Choice xmlns:v="urn:schemas-microsoft-com:vml" Requires="v">
-                <p:oleObj spid="_x0000_s1043" name="Equation" r:id="rId8" imgW="152280" imgH="139680" progId="Equation.DSMT4">
+                <p:oleObj spid="_x0000_s1051" name="Equation" r:id="rId8" imgW="152280" imgH="139680" progId="Equation.DSMT4">
                   <p:embed/>
                 </p:oleObj>
               </mc:Choice>
@@ -4979,7 +4986,7 @@
           <a:graphicData uri="http://schemas.openxmlformats.org/presentationml/2006/ole">
             <mc:AlternateContent xmlns:mc="http://schemas.openxmlformats.org/markup-compatibility/2006">
               <mc:Choice xmlns:v="urn:schemas-microsoft-com:vml" Requires="v">
-                <p:oleObj spid="_x0000_s1044" name="Equation" r:id="rId9" imgW="152280" imgH="139680" progId="Equation.DSMT4">
+                <p:oleObj spid="_x0000_s1052" name="Equation" r:id="rId9" imgW="152280" imgH="139680" progId="Equation.DSMT4">
                   <p:embed/>
                 </p:oleObj>
               </mc:Choice>
@@ -5837,7 +5844,7 @@
             <a:graphicData uri="http://schemas.openxmlformats.org/presentationml/2006/ole">
               <mc:AlternateContent xmlns:mc="http://schemas.openxmlformats.org/markup-compatibility/2006">
                 <mc:Choice xmlns:v="urn:schemas-microsoft-com:vml" Requires="v">
-                  <p:oleObj spid="_x0000_s2052" name="Equation" r:id="rId3" imgW="152280" imgH="139680" progId="Equation.DSMT4">
+                  <p:oleObj spid="_x0000_s2056" name="Equation" r:id="rId3" imgW="152280" imgH="139680" progId="Equation.DSMT4">
                     <p:embed/>
                   </p:oleObj>
                 </mc:Choice>
@@ -5894,7 +5901,7 @@
             <a:graphicData uri="http://schemas.openxmlformats.org/presentationml/2006/ole">
               <mc:AlternateContent xmlns:mc="http://schemas.openxmlformats.org/markup-compatibility/2006">
                 <mc:Choice xmlns:v="urn:schemas-microsoft-com:vml" Requires="v">
-                  <p:oleObj spid="_x0000_s2053" name="Equation" r:id="rId5" imgW="152280" imgH="139680" progId="Equation.DSMT4">
+                  <p:oleObj spid="_x0000_s2057" name="Equation" r:id="rId5" imgW="152280" imgH="139680" progId="Equation.DSMT4">
                     <p:embed/>
                   </p:oleObj>
                 </mc:Choice>
@@ -6622,7 +6629,7 @@
               <a:graphicData uri="http://schemas.openxmlformats.org/presentationml/2006/ole">
                 <mc:AlternateContent xmlns:mc="http://schemas.openxmlformats.org/markup-compatibility/2006">
                   <mc:Choice xmlns:v="urn:schemas-microsoft-com:vml" Requires="v">
-                    <p:oleObj spid="_x0000_s3082" name="Equation" r:id="rId3" imgW="152280" imgH="139680" progId="Equation.DSMT4">
+                    <p:oleObj spid="_x0000_s3090" name="Equation" r:id="rId3" imgW="152280" imgH="139680" progId="Equation.DSMT4">
                       <p:embed/>
                     </p:oleObj>
                   </mc:Choice>
@@ -6679,7 +6686,7 @@
               <a:graphicData uri="http://schemas.openxmlformats.org/presentationml/2006/ole">
                 <mc:AlternateContent xmlns:mc="http://schemas.openxmlformats.org/markup-compatibility/2006">
                   <mc:Choice xmlns:v="urn:schemas-microsoft-com:vml" Requires="v">
-                    <p:oleObj spid="_x0000_s3083" name="Equation" r:id="rId5" imgW="152280" imgH="139680" progId="Equation.DSMT4">
+                    <p:oleObj spid="_x0000_s3091" name="Equation" r:id="rId5" imgW="152280" imgH="139680" progId="Equation.DSMT4">
                       <p:embed/>
                     </p:oleObj>
                   </mc:Choice>
@@ -7379,7 +7386,7 @@
               <a:graphicData uri="http://schemas.openxmlformats.org/presentationml/2006/ole">
                 <mc:AlternateContent xmlns:mc="http://schemas.openxmlformats.org/markup-compatibility/2006">
                   <mc:Choice xmlns:v="urn:schemas-microsoft-com:vml" Requires="v">
-                    <p:oleObj spid="_x0000_s3084" name="Equation" r:id="rId7" imgW="152280" imgH="139680" progId="Equation.DSMT4">
+                    <p:oleObj spid="_x0000_s3092" name="Equation" r:id="rId7" imgW="152280" imgH="139680" progId="Equation.DSMT4">
                       <p:embed/>
                     </p:oleObj>
                   </mc:Choice>
@@ -7976,7 +7983,7 @@
               <a:graphicData uri="http://schemas.openxmlformats.org/presentationml/2006/ole">
                 <mc:AlternateContent xmlns:mc="http://schemas.openxmlformats.org/markup-compatibility/2006">
                   <mc:Choice xmlns:v="urn:schemas-microsoft-com:vml" Requires="v">
-                    <p:oleObj spid="_x0000_s3085" name="Equation" r:id="rId8" imgW="152280" imgH="139680" progId="Equation.DSMT4">
+                    <p:oleObj spid="_x0000_s3093" name="Equation" r:id="rId8" imgW="152280" imgH="139680" progId="Equation.DSMT4">
                       <p:embed/>
                     </p:oleObj>
                   </mc:Choice>
@@ -8199,10 +8206,3660 @@
           <a:chExt cx="0" cy="0"/>
         </a:xfrm>
       </p:grpSpPr>
+      <p:grpSp>
+        <p:nvGrpSpPr>
+          <p:cNvPr id="19" name="组合 18"/>
+          <p:cNvGrpSpPr/>
+          <p:nvPr/>
+        </p:nvGrpSpPr>
+        <p:grpSpPr>
+          <a:xfrm rot="5400000">
+            <a:off x="4502748" y="2731171"/>
+            <a:ext cx="683100" cy="1528010"/>
+            <a:chOff x="7343998" y="4088677"/>
+            <a:chExt cx="990293" cy="2215163"/>
+          </a:xfrm>
+        </p:grpSpPr>
+        <p:grpSp>
+          <p:nvGrpSpPr>
+            <p:cNvPr id="17" name="组合 16"/>
+            <p:cNvGrpSpPr/>
+            <p:nvPr/>
+          </p:nvGrpSpPr>
+          <p:grpSpPr>
+            <a:xfrm>
+              <a:off x="7343998" y="4088677"/>
+              <a:ext cx="990293" cy="1806829"/>
+              <a:chOff x="7343998" y="4088677"/>
+              <a:chExt cx="990293" cy="1806829"/>
+            </a:xfrm>
+          </p:grpSpPr>
+          <p:sp>
+            <p:nvSpPr>
+              <p:cNvPr id="3" name="椭圆 2"/>
+              <p:cNvSpPr/>
+              <p:nvPr/>
+            </p:nvSpPr>
+            <p:spPr>
+              <a:xfrm>
+                <a:off x="7343998" y="4088677"/>
+                <a:ext cx="990293" cy="990293"/>
+              </a:xfrm>
+              <a:prstGeom prst="ellipse">
+                <a:avLst/>
+              </a:prstGeom>
+              <a:noFill/>
+              <a:ln w="19050">
+                <a:solidFill>
+                  <a:schemeClr val="tx1">
+                    <a:lumMod val="65000"/>
+                    <a:lumOff val="35000"/>
+                  </a:schemeClr>
+                </a:solidFill>
+              </a:ln>
+            </p:spPr>
+            <p:style>
+              <a:lnRef idx="2">
+                <a:schemeClr val="accent1">
+                  <a:shade val="50000"/>
+                </a:schemeClr>
+              </a:lnRef>
+              <a:fillRef idx="1">
+                <a:schemeClr val="accent1"/>
+              </a:fillRef>
+              <a:effectRef idx="0">
+                <a:schemeClr val="accent1"/>
+              </a:effectRef>
+              <a:fontRef idx="minor">
+                <a:schemeClr val="lt1"/>
+              </a:fontRef>
+            </p:style>
+            <p:txBody>
+              <a:bodyPr rtlCol="0" anchor="ctr"/>
+              <a:lstStyle/>
+              <a:p>
+                <a:pPr algn="ctr"/>
+                <a:endParaRPr lang="zh-CN" altLang="en-US"/>
+              </a:p>
+            </p:txBody>
+          </p:sp>
+          <p:sp>
+            <p:nvSpPr>
+              <p:cNvPr id="4" name="椭圆 3"/>
+              <p:cNvSpPr/>
+              <p:nvPr/>
+            </p:nvSpPr>
+            <p:spPr>
+              <a:xfrm>
+                <a:off x="7778423" y="4523102"/>
+                <a:ext cx="121444" cy="121444"/>
+              </a:xfrm>
+              <a:prstGeom prst="ellipse">
+                <a:avLst/>
+              </a:prstGeom>
+              <a:noFill/>
+              <a:ln w="19050">
+                <a:solidFill>
+                  <a:schemeClr val="tx1">
+                    <a:lumMod val="50000"/>
+                    <a:lumOff val="50000"/>
+                  </a:schemeClr>
+                </a:solidFill>
+              </a:ln>
+            </p:spPr>
+            <p:style>
+              <a:lnRef idx="2">
+                <a:schemeClr val="accent1">
+                  <a:shade val="50000"/>
+                </a:schemeClr>
+              </a:lnRef>
+              <a:fillRef idx="1">
+                <a:schemeClr val="accent1"/>
+              </a:fillRef>
+              <a:effectRef idx="0">
+                <a:schemeClr val="accent1"/>
+              </a:effectRef>
+              <a:fontRef idx="minor">
+                <a:schemeClr val="lt1"/>
+              </a:fontRef>
+            </p:style>
+            <p:txBody>
+              <a:bodyPr rtlCol="0" anchor="ctr"/>
+              <a:lstStyle/>
+              <a:p>
+                <a:pPr algn="ctr"/>
+                <a:endParaRPr lang="zh-CN" altLang="en-US"/>
+              </a:p>
+            </p:txBody>
+          </p:sp>
+          <p:sp>
+            <p:nvSpPr>
+              <p:cNvPr id="9" name="矩形 8"/>
+              <p:cNvSpPr/>
+              <p:nvPr/>
+            </p:nvSpPr>
+            <p:spPr>
+              <a:xfrm rot="5400000">
+                <a:off x="7442349" y="5453698"/>
+                <a:ext cx="816536" cy="67080"/>
+              </a:xfrm>
+              <a:prstGeom prst="rect">
+                <a:avLst/>
+              </a:prstGeom>
+              <a:noFill/>
+              <a:ln w="19050">
+                <a:solidFill>
+                  <a:schemeClr val="bg1">
+                    <a:lumMod val="50000"/>
+                  </a:schemeClr>
+                </a:solidFill>
+              </a:ln>
+            </p:spPr>
+            <p:style>
+              <a:lnRef idx="2">
+                <a:schemeClr val="accent1">
+                  <a:shade val="50000"/>
+                </a:schemeClr>
+              </a:lnRef>
+              <a:fillRef idx="1">
+                <a:schemeClr val="accent1"/>
+              </a:fillRef>
+              <a:effectRef idx="0">
+                <a:schemeClr val="accent1"/>
+              </a:effectRef>
+              <a:fontRef idx="minor">
+                <a:schemeClr val="lt1"/>
+              </a:fontRef>
+            </p:style>
+            <p:txBody>
+              <a:bodyPr rtlCol="0" anchor="ctr"/>
+              <a:lstStyle/>
+              <a:p>
+                <a:pPr algn="ctr"/>
+                <a:endParaRPr lang="zh-CN" altLang="en-US"/>
+              </a:p>
+            </p:txBody>
+          </p:sp>
+          <p:sp>
+            <p:nvSpPr>
+              <p:cNvPr id="10" name="圆角矩形 9"/>
+              <p:cNvSpPr/>
+              <p:nvPr/>
+            </p:nvSpPr>
+            <p:spPr>
+              <a:xfrm>
+                <a:off x="7778423" y="5117626"/>
+                <a:ext cx="133995" cy="57287"/>
+              </a:xfrm>
+              <a:prstGeom prst="roundRect">
+                <a:avLst/>
+              </a:prstGeom>
+              <a:solidFill>
+                <a:schemeClr val="bg1"/>
+              </a:solidFill>
+              <a:ln w="19050">
+                <a:solidFill>
+                  <a:schemeClr val="tx1">
+                    <a:lumMod val="65000"/>
+                    <a:lumOff val="35000"/>
+                  </a:schemeClr>
+                </a:solidFill>
+              </a:ln>
+            </p:spPr>
+            <p:style>
+              <a:lnRef idx="2">
+                <a:schemeClr val="accent1">
+                  <a:shade val="50000"/>
+                </a:schemeClr>
+              </a:lnRef>
+              <a:fillRef idx="1">
+                <a:schemeClr val="accent1"/>
+              </a:fillRef>
+              <a:effectRef idx="0">
+                <a:schemeClr val="accent1"/>
+              </a:effectRef>
+              <a:fontRef idx="minor">
+                <a:schemeClr val="lt1"/>
+              </a:fontRef>
+            </p:style>
+            <p:txBody>
+              <a:bodyPr rtlCol="0" anchor="ctr"/>
+              <a:lstStyle/>
+              <a:p>
+                <a:pPr algn="ctr"/>
+                <a:endParaRPr lang="zh-CN" altLang="en-US"/>
+              </a:p>
+            </p:txBody>
+          </p:sp>
+        </p:grpSp>
+        <p:sp>
+          <p:nvSpPr>
+            <p:cNvPr id="18" name="矩形 17"/>
+            <p:cNvSpPr/>
+            <p:nvPr/>
+          </p:nvSpPr>
+          <p:spPr>
+            <a:xfrm>
+              <a:off x="7471172" y="5730781"/>
+              <a:ext cx="769143" cy="573059"/>
+            </a:xfrm>
+            <a:prstGeom prst="rect">
+              <a:avLst/>
+            </a:prstGeom>
+            <a:solidFill>
+              <a:schemeClr val="bg1"/>
+            </a:solidFill>
+            <a:ln>
+              <a:solidFill>
+                <a:schemeClr val="bg1"/>
+              </a:solidFill>
+            </a:ln>
+          </p:spPr>
+          <p:style>
+            <a:lnRef idx="2">
+              <a:schemeClr val="accent1">
+                <a:shade val="50000"/>
+              </a:schemeClr>
+            </a:lnRef>
+            <a:fillRef idx="1">
+              <a:schemeClr val="accent1"/>
+            </a:fillRef>
+            <a:effectRef idx="0">
+              <a:schemeClr val="accent1"/>
+            </a:effectRef>
+            <a:fontRef idx="minor">
+              <a:schemeClr val="lt1"/>
+            </a:fontRef>
+          </p:style>
+          <p:txBody>
+            <a:bodyPr rtlCol="0" anchor="ctr"/>
+            <a:lstStyle/>
+            <a:p>
+              <a:pPr algn="ctr"/>
+              <a:endParaRPr lang="zh-CN" altLang="en-US"/>
+            </a:p>
+          </p:txBody>
+        </p:sp>
+      </p:grpSp>
+      <p:sp>
+        <p:nvSpPr>
+          <p:cNvPr id="20" name="椭圆 19"/>
+          <p:cNvSpPr/>
+          <p:nvPr/>
+        </p:nvSpPr>
+        <p:spPr>
+          <a:xfrm>
+            <a:off x="3406158" y="1634582"/>
+            <a:ext cx="3721190" cy="3721190"/>
+          </a:xfrm>
+          <a:prstGeom prst="ellipse">
+            <a:avLst/>
+          </a:prstGeom>
+          <a:noFill/>
+          <a:ln>
+            <a:solidFill>
+              <a:schemeClr val="accent5">
+                <a:lumMod val="40000"/>
+                <a:lumOff val="60000"/>
+              </a:schemeClr>
+            </a:solidFill>
+          </a:ln>
+        </p:spPr>
+        <p:style>
+          <a:lnRef idx="2">
+            <a:schemeClr val="accent1">
+              <a:shade val="50000"/>
+            </a:schemeClr>
+          </a:lnRef>
+          <a:fillRef idx="1">
+            <a:schemeClr val="accent1"/>
+          </a:fillRef>
+          <a:effectRef idx="0">
+            <a:schemeClr val="accent1"/>
+          </a:effectRef>
+          <a:fontRef idx="minor">
+            <a:schemeClr val="lt1"/>
+          </a:fontRef>
+        </p:style>
+        <p:txBody>
+          <a:bodyPr rtlCol="0" anchor="ctr"/>
+          <a:lstStyle/>
+          <a:p>
+            <a:pPr algn="ctr"/>
+            <a:endParaRPr lang="zh-CN" altLang="en-US"/>
+          </a:p>
+        </p:txBody>
+      </p:sp>
+      <p:grpSp>
+        <p:nvGrpSpPr>
+          <p:cNvPr id="29" name="组合 28"/>
+          <p:cNvGrpSpPr/>
+          <p:nvPr/>
+        </p:nvGrpSpPr>
+        <p:grpSpPr>
+          <a:xfrm rot="5400000">
+            <a:off x="5792152" y="2996184"/>
+            <a:ext cx="683100" cy="982766"/>
+            <a:chOff x="7343998" y="4088677"/>
+            <a:chExt cx="990293" cy="1424720"/>
+          </a:xfrm>
+        </p:grpSpPr>
+        <p:sp>
+          <p:nvSpPr>
+            <p:cNvPr id="31" name="椭圆 30"/>
+            <p:cNvSpPr/>
+            <p:nvPr/>
+          </p:nvSpPr>
+          <p:spPr>
+            <a:xfrm>
+              <a:off x="7343998" y="4088677"/>
+              <a:ext cx="990293" cy="990293"/>
+            </a:xfrm>
+            <a:prstGeom prst="ellipse">
+              <a:avLst/>
+            </a:prstGeom>
+            <a:noFill/>
+            <a:ln w="19050">
+              <a:solidFill>
+                <a:schemeClr val="tx1">
+                  <a:lumMod val="65000"/>
+                  <a:lumOff val="35000"/>
+                </a:schemeClr>
+              </a:solidFill>
+              <a:prstDash val="sysDash"/>
+            </a:ln>
+          </p:spPr>
+          <p:style>
+            <a:lnRef idx="2">
+              <a:schemeClr val="accent1">
+                <a:shade val="50000"/>
+              </a:schemeClr>
+            </a:lnRef>
+            <a:fillRef idx="1">
+              <a:schemeClr val="accent1"/>
+            </a:fillRef>
+            <a:effectRef idx="0">
+              <a:schemeClr val="accent1"/>
+            </a:effectRef>
+            <a:fontRef idx="minor">
+              <a:schemeClr val="lt1"/>
+            </a:fontRef>
+          </p:style>
+          <p:txBody>
+            <a:bodyPr rtlCol="0" anchor="ctr"/>
+            <a:lstStyle/>
+            <a:p>
+              <a:pPr algn="ctr"/>
+              <a:endParaRPr lang="zh-CN" altLang="en-US"/>
+            </a:p>
+          </p:txBody>
+        </p:sp>
+        <p:sp>
+          <p:nvSpPr>
+            <p:cNvPr id="32" name="椭圆 31"/>
+            <p:cNvSpPr/>
+            <p:nvPr/>
+          </p:nvSpPr>
+          <p:spPr>
+            <a:xfrm>
+              <a:off x="7778423" y="4523102"/>
+              <a:ext cx="121444" cy="121444"/>
+            </a:xfrm>
+            <a:prstGeom prst="ellipse">
+              <a:avLst/>
+            </a:prstGeom>
+            <a:noFill/>
+            <a:ln w="19050">
+              <a:solidFill>
+                <a:schemeClr val="tx1">
+                  <a:lumMod val="50000"/>
+                  <a:lumOff val="50000"/>
+                </a:schemeClr>
+              </a:solidFill>
+              <a:prstDash val="sysDash"/>
+            </a:ln>
+          </p:spPr>
+          <p:style>
+            <a:lnRef idx="2">
+              <a:schemeClr val="accent1">
+                <a:shade val="50000"/>
+              </a:schemeClr>
+            </a:lnRef>
+            <a:fillRef idx="1">
+              <a:schemeClr val="accent1"/>
+            </a:fillRef>
+            <a:effectRef idx="0">
+              <a:schemeClr val="accent1"/>
+            </a:effectRef>
+            <a:fontRef idx="minor">
+              <a:schemeClr val="lt1"/>
+            </a:fontRef>
+          </p:style>
+          <p:txBody>
+            <a:bodyPr rtlCol="0" anchor="ctr"/>
+            <a:lstStyle/>
+            <a:p>
+              <a:pPr algn="ctr"/>
+              <a:endParaRPr lang="zh-CN" altLang="en-US"/>
+            </a:p>
+          </p:txBody>
+        </p:sp>
+        <p:sp>
+          <p:nvSpPr>
+            <p:cNvPr id="33" name="矩形 32"/>
+            <p:cNvSpPr/>
+            <p:nvPr/>
+          </p:nvSpPr>
+          <p:spPr>
+            <a:xfrm rot="5400000">
+              <a:off x="7633803" y="5263044"/>
+              <a:ext cx="434426" cy="66279"/>
+            </a:xfrm>
+            <a:prstGeom prst="rect">
+              <a:avLst/>
+            </a:prstGeom>
+            <a:noFill/>
+            <a:ln w="19050">
+              <a:solidFill>
+                <a:schemeClr val="bg1">
+                  <a:lumMod val="50000"/>
+                </a:schemeClr>
+              </a:solidFill>
+              <a:prstDash val="sysDash"/>
+            </a:ln>
+          </p:spPr>
+          <p:style>
+            <a:lnRef idx="2">
+              <a:schemeClr val="accent1">
+                <a:shade val="50000"/>
+              </a:schemeClr>
+            </a:lnRef>
+            <a:fillRef idx="1">
+              <a:schemeClr val="accent1"/>
+            </a:fillRef>
+            <a:effectRef idx="0">
+              <a:schemeClr val="accent1"/>
+            </a:effectRef>
+            <a:fontRef idx="minor">
+              <a:schemeClr val="lt1"/>
+            </a:fontRef>
+          </p:style>
+          <p:txBody>
+            <a:bodyPr rtlCol="0" anchor="ctr"/>
+            <a:lstStyle/>
+            <a:p>
+              <a:pPr algn="ctr"/>
+              <a:endParaRPr lang="zh-CN" altLang="en-US"/>
+            </a:p>
+          </p:txBody>
+        </p:sp>
+        <p:sp>
+          <p:nvSpPr>
+            <p:cNvPr id="34" name="圆角矩形 33"/>
+            <p:cNvSpPr/>
+            <p:nvPr/>
+          </p:nvSpPr>
+          <p:spPr>
+            <a:xfrm>
+              <a:off x="7778423" y="5117626"/>
+              <a:ext cx="133995" cy="57287"/>
+            </a:xfrm>
+            <a:prstGeom prst="roundRect">
+              <a:avLst/>
+            </a:prstGeom>
+            <a:solidFill>
+              <a:schemeClr val="bg1"/>
+            </a:solidFill>
+            <a:ln w="19050">
+              <a:solidFill>
+                <a:schemeClr val="tx1">
+                  <a:lumMod val="65000"/>
+                  <a:lumOff val="35000"/>
+                </a:schemeClr>
+              </a:solidFill>
+              <a:prstDash val="sysDash"/>
+            </a:ln>
+          </p:spPr>
+          <p:style>
+            <a:lnRef idx="2">
+              <a:schemeClr val="accent1">
+                <a:shade val="50000"/>
+              </a:schemeClr>
+            </a:lnRef>
+            <a:fillRef idx="1">
+              <a:schemeClr val="accent1"/>
+            </a:fillRef>
+            <a:effectRef idx="0">
+              <a:schemeClr val="accent1"/>
+            </a:effectRef>
+            <a:fontRef idx="minor">
+              <a:schemeClr val="lt1"/>
+            </a:fontRef>
+          </p:style>
+          <p:txBody>
+            <a:bodyPr rtlCol="0" anchor="ctr"/>
+            <a:lstStyle/>
+            <a:p>
+              <a:pPr algn="ctr"/>
+              <a:endParaRPr lang="zh-CN" altLang="en-US"/>
+            </a:p>
+          </p:txBody>
+        </p:sp>
+      </p:grpSp>
+      <p:sp>
+        <p:nvSpPr>
+          <p:cNvPr id="30" name="矩形 29"/>
+          <p:cNvSpPr/>
+          <p:nvPr/>
+        </p:nvSpPr>
+        <p:spPr>
+          <a:xfrm rot="5400000">
+            <a:off x="5601875" y="3464786"/>
+            <a:ext cx="98997" cy="45719"/>
+          </a:xfrm>
+          <a:prstGeom prst="rect">
+            <a:avLst/>
+          </a:prstGeom>
+          <a:solidFill>
+            <a:schemeClr val="bg1"/>
+          </a:solidFill>
+          <a:ln>
+            <a:solidFill>
+              <a:schemeClr val="bg1"/>
+            </a:solidFill>
+          </a:ln>
+        </p:spPr>
+        <p:style>
+          <a:lnRef idx="2">
+            <a:schemeClr val="accent1">
+              <a:shade val="50000"/>
+            </a:schemeClr>
+          </a:lnRef>
+          <a:fillRef idx="1">
+            <a:schemeClr val="accent1"/>
+          </a:fillRef>
+          <a:effectRef idx="0">
+            <a:schemeClr val="accent1"/>
+          </a:effectRef>
+          <a:fontRef idx="minor">
+            <a:schemeClr val="lt1"/>
+          </a:fontRef>
+        </p:style>
+        <p:txBody>
+          <a:bodyPr rtlCol="0" anchor="ctr"/>
+          <a:lstStyle/>
+          <a:p>
+            <a:pPr algn="ctr"/>
+            <a:endParaRPr lang="zh-CN" altLang="en-US"/>
+          </a:p>
+        </p:txBody>
+      </p:sp>
+      <p:sp>
+        <p:nvSpPr>
+          <p:cNvPr id="36" name="椭圆 35"/>
+          <p:cNvSpPr/>
+          <p:nvPr/>
+        </p:nvSpPr>
+        <p:spPr>
+          <a:xfrm>
+            <a:off x="4422940" y="1642495"/>
+            <a:ext cx="3721190" cy="3721190"/>
+          </a:xfrm>
+          <a:prstGeom prst="ellipse">
+            <a:avLst/>
+          </a:prstGeom>
+          <a:noFill/>
+          <a:ln>
+            <a:solidFill>
+              <a:schemeClr val="accent5">
+                <a:lumMod val="40000"/>
+                <a:lumOff val="60000"/>
+              </a:schemeClr>
+            </a:solidFill>
+          </a:ln>
+        </p:spPr>
+        <p:style>
+          <a:lnRef idx="2">
+            <a:schemeClr val="accent1">
+              <a:shade val="50000"/>
+            </a:schemeClr>
+          </a:lnRef>
+          <a:fillRef idx="1">
+            <a:schemeClr val="accent1"/>
+          </a:fillRef>
+          <a:effectRef idx="0">
+            <a:schemeClr val="accent1"/>
+          </a:effectRef>
+          <a:fontRef idx="minor">
+            <a:schemeClr val="lt1"/>
+          </a:fontRef>
+        </p:style>
+        <p:txBody>
+          <a:bodyPr rtlCol="0" anchor="ctr"/>
+          <a:lstStyle/>
+          <a:p>
+            <a:pPr algn="ctr"/>
+            <a:endParaRPr lang="zh-CN" altLang="en-US"/>
+          </a:p>
+        </p:txBody>
+      </p:sp>
+      <p:cxnSp>
+        <p:nvCxnSpPr>
+          <p:cNvPr id="38" name="直接连接符 37"/>
+          <p:cNvCxnSpPr>
+            <a:stCxn id="4" idx="2"/>
+            <a:endCxn id="20" idx="0"/>
+          </p:cNvCxnSpPr>
+          <p:nvPr/>
+        </p:nvCxnSpPr>
+        <p:spPr>
+          <a:xfrm flipV="1">
+            <a:off x="5266753" y="1634582"/>
+            <a:ext cx="0" cy="1818709"/>
+          </a:xfrm>
+          <a:prstGeom prst="line">
+            <a:avLst/>
+          </a:prstGeom>
+          <a:ln w="19050">
+            <a:prstDash val="dash"/>
+          </a:ln>
+        </p:spPr>
+        <p:style>
+          <a:lnRef idx="1">
+            <a:schemeClr val="accent1"/>
+          </a:lnRef>
+          <a:fillRef idx="0">
+            <a:schemeClr val="accent1"/>
+          </a:fillRef>
+          <a:effectRef idx="0">
+            <a:schemeClr val="accent1"/>
+          </a:effectRef>
+          <a:fontRef idx="minor">
+            <a:schemeClr val="tx1"/>
+          </a:fontRef>
+        </p:style>
+      </p:cxnSp>
+      <p:cxnSp>
+        <p:nvCxnSpPr>
+          <p:cNvPr id="40" name="直接连接符 39"/>
+          <p:cNvCxnSpPr>
+            <a:endCxn id="36" idx="7"/>
+          </p:cNvCxnSpPr>
+          <p:nvPr/>
+        </p:nvCxnSpPr>
+        <p:spPr>
+          <a:xfrm flipV="1">
+            <a:off x="6283535" y="2187451"/>
+            <a:ext cx="1315639" cy="1250697"/>
+          </a:xfrm>
+          <a:prstGeom prst="line">
+            <a:avLst/>
+          </a:prstGeom>
+          <a:ln w="19050">
+            <a:prstDash val="dash"/>
+          </a:ln>
+        </p:spPr>
+        <p:style>
+          <a:lnRef idx="1">
+            <a:schemeClr val="accent1"/>
+          </a:lnRef>
+          <a:fillRef idx="0">
+            <a:schemeClr val="accent1"/>
+          </a:fillRef>
+          <a:effectRef idx="0">
+            <a:schemeClr val="accent1"/>
+          </a:effectRef>
+          <a:fontRef idx="minor">
+            <a:schemeClr val="tx1"/>
+          </a:fontRef>
+        </p:style>
+      </p:cxnSp>
     </p:spTree>
     <p:extLst>
       <p:ext uri="{BB962C8B-B14F-4D97-AF65-F5344CB8AC3E}">
         <p14:creationId xmlns:p14="http://schemas.microsoft.com/office/powerpoint/2010/main" val="2875696153"/>
+      </p:ext>
+    </p:extLst>
+  </p:cSld>
+  <p:clrMapOvr>
+    <a:masterClrMapping/>
+  </p:clrMapOvr>
+</p:sld>
+</file>
+
+<file path=ppt/slides/slide5.xml><?xml version="1.0" encoding="utf-8"?>
+<p:sld xmlns:a="http://schemas.openxmlformats.org/drawingml/2006/main" xmlns:r="http://schemas.openxmlformats.org/officeDocument/2006/relationships" xmlns:p="http://schemas.openxmlformats.org/presentationml/2006/main">
+  <p:cSld>
+    <p:spTree>
+      <p:nvGrpSpPr>
+        <p:cNvPr id="1" name=""/>
+        <p:cNvGrpSpPr/>
+        <p:nvPr/>
+      </p:nvGrpSpPr>
+      <p:grpSpPr>
+        <a:xfrm>
+          <a:off x="0" y="0"/>
+          <a:ext cx="0" cy="0"/>
+          <a:chOff x="0" y="0"/>
+          <a:chExt cx="0" cy="0"/>
+        </a:xfrm>
+      </p:grpSpPr>
+      <p:sp>
+        <p:nvSpPr>
+          <p:cNvPr id="39" name="矩形 38"/>
+          <p:cNvSpPr/>
+          <p:nvPr/>
+        </p:nvSpPr>
+        <p:spPr>
+          <a:xfrm rot="5400000">
+            <a:off x="904957" y="722801"/>
+            <a:ext cx="530552" cy="395294"/>
+          </a:xfrm>
+          <a:prstGeom prst="rect">
+            <a:avLst/>
+          </a:prstGeom>
+          <a:solidFill>
+            <a:schemeClr val="bg1"/>
+          </a:solidFill>
+          <a:ln>
+            <a:solidFill>
+              <a:schemeClr val="bg1"/>
+            </a:solidFill>
+          </a:ln>
+        </p:spPr>
+        <p:style>
+          <a:lnRef idx="2">
+            <a:schemeClr val="accent1">
+              <a:shade val="50000"/>
+            </a:schemeClr>
+          </a:lnRef>
+          <a:fillRef idx="1">
+            <a:schemeClr val="accent1"/>
+          </a:fillRef>
+          <a:effectRef idx="0">
+            <a:schemeClr val="accent1"/>
+          </a:effectRef>
+          <a:fontRef idx="minor">
+            <a:schemeClr val="lt1"/>
+          </a:fontRef>
+        </p:style>
+        <p:txBody>
+          <a:bodyPr rtlCol="0" anchor="ctr"/>
+          <a:lstStyle/>
+          <a:p>
+            <a:pPr algn="ctr"/>
+            <a:endParaRPr lang="zh-CN" altLang="en-US"/>
+          </a:p>
+        </p:txBody>
+      </p:sp>
+      <p:grpSp>
+        <p:nvGrpSpPr>
+          <p:cNvPr id="15" name="组合 14"/>
+          <p:cNvGrpSpPr/>
+          <p:nvPr/>
+        </p:nvGrpSpPr>
+        <p:grpSpPr>
+          <a:xfrm>
+            <a:off x="212170" y="1626972"/>
+            <a:ext cx="4700126" cy="3746815"/>
+            <a:chOff x="212170" y="1626972"/>
+            <a:chExt cx="4700126" cy="3746815"/>
+          </a:xfrm>
+        </p:grpSpPr>
+        <p:grpSp>
+          <p:nvGrpSpPr>
+            <p:cNvPr id="5" name="组合 4"/>
+            <p:cNvGrpSpPr/>
+            <p:nvPr/>
+          </p:nvGrpSpPr>
+          <p:grpSpPr>
+            <a:xfrm>
+              <a:off x="212170" y="1626972"/>
+              <a:ext cx="3721190" cy="3721190"/>
+              <a:chOff x="3406158" y="1634582"/>
+              <a:chExt cx="3721190" cy="3721190"/>
+            </a:xfrm>
+          </p:grpSpPr>
+          <p:grpSp>
+            <p:nvGrpSpPr>
+              <p:cNvPr id="19" name="组合 18"/>
+              <p:cNvGrpSpPr/>
+              <p:nvPr/>
+            </p:nvGrpSpPr>
+            <p:grpSpPr>
+              <a:xfrm rot="5400000">
+                <a:off x="4677512" y="2905937"/>
+                <a:ext cx="683100" cy="1178481"/>
+                <a:chOff x="7343998" y="4088677"/>
+                <a:chExt cx="990293" cy="1708449"/>
+              </a:xfrm>
+            </p:grpSpPr>
+            <p:grpSp>
+              <p:nvGrpSpPr>
+                <p:cNvPr id="17" name="组合 16"/>
+                <p:cNvGrpSpPr/>
+                <p:nvPr/>
+              </p:nvGrpSpPr>
+              <p:grpSpPr>
+                <a:xfrm>
+                  <a:off x="7343998" y="4088677"/>
+                  <a:ext cx="990293" cy="1701643"/>
+                  <a:chOff x="7343998" y="4088677"/>
+                  <a:chExt cx="990293" cy="1701643"/>
+                </a:xfrm>
+              </p:grpSpPr>
+              <p:sp>
+                <p:nvSpPr>
+                  <p:cNvPr id="3" name="椭圆 2"/>
+                  <p:cNvSpPr/>
+                  <p:nvPr/>
+                </p:nvSpPr>
+                <p:spPr>
+                  <a:xfrm>
+                    <a:off x="7343998" y="4088677"/>
+                    <a:ext cx="990293" cy="990293"/>
+                  </a:xfrm>
+                  <a:prstGeom prst="ellipse">
+                    <a:avLst/>
+                  </a:prstGeom>
+                  <a:noFill/>
+                  <a:ln w="28575">
+                    <a:solidFill>
+                      <a:schemeClr val="tx1">
+                        <a:lumMod val="65000"/>
+                        <a:lumOff val="35000"/>
+                      </a:schemeClr>
+                    </a:solidFill>
+                  </a:ln>
+                </p:spPr>
+                <p:style>
+                  <a:lnRef idx="2">
+                    <a:schemeClr val="accent1">
+                      <a:shade val="50000"/>
+                    </a:schemeClr>
+                  </a:lnRef>
+                  <a:fillRef idx="1">
+                    <a:schemeClr val="accent1"/>
+                  </a:fillRef>
+                  <a:effectRef idx="0">
+                    <a:schemeClr val="accent1"/>
+                  </a:effectRef>
+                  <a:fontRef idx="minor">
+                    <a:schemeClr val="lt1"/>
+                  </a:fontRef>
+                </p:style>
+                <p:txBody>
+                  <a:bodyPr rtlCol="0" anchor="ctr"/>
+                  <a:lstStyle/>
+                  <a:p>
+                    <a:pPr algn="ctr"/>
+                    <a:endParaRPr lang="zh-CN" altLang="en-US"/>
+                  </a:p>
+                </p:txBody>
+              </p:sp>
+              <p:sp>
+                <p:nvSpPr>
+                  <p:cNvPr id="4" name="椭圆 3"/>
+                  <p:cNvSpPr/>
+                  <p:nvPr/>
+                </p:nvSpPr>
+                <p:spPr>
+                  <a:xfrm>
+                    <a:off x="7778423" y="4523102"/>
+                    <a:ext cx="121444" cy="121444"/>
+                  </a:xfrm>
+                  <a:prstGeom prst="ellipse">
+                    <a:avLst/>
+                  </a:prstGeom>
+                  <a:noFill/>
+                  <a:ln w="28575">
+                    <a:solidFill>
+                      <a:schemeClr val="tx1">
+                        <a:lumMod val="50000"/>
+                        <a:lumOff val="50000"/>
+                      </a:schemeClr>
+                    </a:solidFill>
+                  </a:ln>
+                </p:spPr>
+                <p:style>
+                  <a:lnRef idx="2">
+                    <a:schemeClr val="accent1">
+                      <a:shade val="50000"/>
+                    </a:schemeClr>
+                  </a:lnRef>
+                  <a:fillRef idx="1">
+                    <a:schemeClr val="accent1"/>
+                  </a:fillRef>
+                  <a:effectRef idx="0">
+                    <a:schemeClr val="accent1"/>
+                  </a:effectRef>
+                  <a:fontRef idx="minor">
+                    <a:schemeClr val="lt1"/>
+                  </a:fontRef>
+                </p:style>
+                <p:txBody>
+                  <a:bodyPr rtlCol="0" anchor="ctr"/>
+                  <a:lstStyle/>
+                  <a:p>
+                    <a:pPr algn="ctr"/>
+                    <a:endParaRPr lang="zh-CN" altLang="en-US"/>
+                  </a:p>
+                </p:txBody>
+              </p:sp>
+              <p:sp>
+                <p:nvSpPr>
+                  <p:cNvPr id="9" name="矩形 8"/>
+                  <p:cNvSpPr/>
+                  <p:nvPr/>
+                </p:nvSpPr>
+                <p:spPr>
+                  <a:xfrm rot="5400000">
+                    <a:off x="7482940" y="5389103"/>
+                    <a:ext cx="711348" cy="91086"/>
+                  </a:xfrm>
+                  <a:prstGeom prst="rect">
+                    <a:avLst/>
+                  </a:prstGeom>
+                  <a:noFill/>
+                  <a:ln w="28575">
+                    <a:solidFill>
+                      <a:schemeClr val="bg1">
+                        <a:lumMod val="50000"/>
+                      </a:schemeClr>
+                    </a:solidFill>
+                  </a:ln>
+                </p:spPr>
+                <p:style>
+                  <a:lnRef idx="2">
+                    <a:schemeClr val="accent1">
+                      <a:shade val="50000"/>
+                    </a:schemeClr>
+                  </a:lnRef>
+                  <a:fillRef idx="1">
+                    <a:schemeClr val="accent1"/>
+                  </a:fillRef>
+                  <a:effectRef idx="0">
+                    <a:schemeClr val="accent1"/>
+                  </a:effectRef>
+                  <a:fontRef idx="minor">
+                    <a:schemeClr val="lt1"/>
+                  </a:fontRef>
+                </p:style>
+                <p:txBody>
+                  <a:bodyPr rtlCol="0" anchor="ctr"/>
+                  <a:lstStyle/>
+                  <a:p>
+                    <a:pPr algn="ctr"/>
+                    <a:endParaRPr lang="zh-CN" altLang="en-US"/>
+                  </a:p>
+                </p:txBody>
+              </p:sp>
+              <p:sp>
+                <p:nvSpPr>
+                  <p:cNvPr id="10" name="圆角矩形 9"/>
+                  <p:cNvSpPr/>
+                  <p:nvPr/>
+                </p:nvSpPr>
+                <p:spPr>
+                  <a:xfrm>
+                    <a:off x="7778423" y="5117626"/>
+                    <a:ext cx="133995" cy="57287"/>
+                  </a:xfrm>
+                  <a:prstGeom prst="roundRect">
+                    <a:avLst/>
+                  </a:prstGeom>
+                  <a:solidFill>
+                    <a:schemeClr val="bg1"/>
+                  </a:solidFill>
+                  <a:ln w="28575">
+                    <a:solidFill>
+                      <a:schemeClr val="tx1">
+                        <a:lumMod val="65000"/>
+                        <a:lumOff val="35000"/>
+                      </a:schemeClr>
+                    </a:solidFill>
+                  </a:ln>
+                </p:spPr>
+                <p:style>
+                  <a:lnRef idx="2">
+                    <a:schemeClr val="accent1">
+                      <a:shade val="50000"/>
+                    </a:schemeClr>
+                  </a:lnRef>
+                  <a:fillRef idx="1">
+                    <a:schemeClr val="accent1"/>
+                  </a:fillRef>
+                  <a:effectRef idx="0">
+                    <a:schemeClr val="accent1"/>
+                  </a:effectRef>
+                  <a:fontRef idx="minor">
+                    <a:schemeClr val="lt1"/>
+                  </a:fontRef>
+                </p:style>
+                <p:txBody>
+                  <a:bodyPr rtlCol="0" anchor="ctr"/>
+                  <a:lstStyle/>
+                  <a:p>
+                    <a:pPr algn="ctr"/>
+                    <a:endParaRPr lang="zh-CN" altLang="en-US"/>
+                  </a:p>
+                </p:txBody>
+              </p:sp>
+            </p:grpSp>
+            <p:sp>
+              <p:nvSpPr>
+                <p:cNvPr id="18" name="矩形 17"/>
+                <p:cNvSpPr/>
+                <p:nvPr/>
+              </p:nvSpPr>
+              <p:spPr>
+                <a:xfrm>
+                  <a:off x="7659584" y="5620306"/>
+                  <a:ext cx="358060" cy="176820"/>
+                </a:xfrm>
+                <a:prstGeom prst="rect">
+                  <a:avLst/>
+                </a:prstGeom>
+                <a:solidFill>
+                  <a:schemeClr val="bg1"/>
+                </a:solidFill>
+                <a:ln w="28575">
+                  <a:solidFill>
+                    <a:schemeClr val="bg1"/>
+                  </a:solidFill>
+                </a:ln>
+              </p:spPr>
+              <p:style>
+                <a:lnRef idx="2">
+                  <a:schemeClr val="accent1">
+                    <a:shade val="50000"/>
+                  </a:schemeClr>
+                </a:lnRef>
+                <a:fillRef idx="1">
+                  <a:schemeClr val="accent1"/>
+                </a:fillRef>
+                <a:effectRef idx="0">
+                  <a:schemeClr val="accent1"/>
+                </a:effectRef>
+                <a:fontRef idx="minor">
+                  <a:schemeClr val="lt1"/>
+                </a:fontRef>
+              </p:style>
+              <p:txBody>
+                <a:bodyPr rtlCol="0" anchor="ctr"/>
+                <a:lstStyle/>
+                <a:p>
+                  <a:pPr algn="ctr"/>
+                  <a:endParaRPr lang="zh-CN" altLang="en-US"/>
+                </a:p>
+              </p:txBody>
+            </p:sp>
+          </p:grpSp>
+          <p:grpSp>
+            <p:nvGrpSpPr>
+              <p:cNvPr id="2" name="组合 1"/>
+              <p:cNvGrpSpPr/>
+              <p:nvPr/>
+            </p:nvGrpSpPr>
+            <p:grpSpPr>
+              <a:xfrm>
+                <a:off x="3406158" y="1634582"/>
+                <a:ext cx="3721190" cy="3721190"/>
+                <a:chOff x="3406158" y="1634582"/>
+                <a:chExt cx="3721190" cy="3721190"/>
+              </a:xfrm>
+            </p:grpSpPr>
+            <p:sp>
+              <p:nvSpPr>
+                <p:cNvPr id="20" name="椭圆 19"/>
+                <p:cNvSpPr/>
+                <p:nvPr/>
+              </p:nvSpPr>
+              <p:spPr>
+                <a:xfrm>
+                  <a:off x="3406158" y="1634582"/>
+                  <a:ext cx="3721190" cy="3721190"/>
+                </a:xfrm>
+                <a:prstGeom prst="ellipse">
+                  <a:avLst/>
+                </a:prstGeom>
+                <a:noFill/>
+                <a:ln w="28575">
+                  <a:solidFill>
+                    <a:schemeClr val="accent5">
+                      <a:lumMod val="40000"/>
+                      <a:lumOff val="60000"/>
+                    </a:schemeClr>
+                  </a:solidFill>
+                </a:ln>
+              </p:spPr>
+              <p:style>
+                <a:lnRef idx="2">
+                  <a:schemeClr val="accent1">
+                    <a:shade val="50000"/>
+                  </a:schemeClr>
+                </a:lnRef>
+                <a:fillRef idx="1">
+                  <a:schemeClr val="accent1"/>
+                </a:fillRef>
+                <a:effectRef idx="0">
+                  <a:schemeClr val="accent1"/>
+                </a:effectRef>
+                <a:fontRef idx="minor">
+                  <a:schemeClr val="lt1"/>
+                </a:fontRef>
+              </p:style>
+              <p:txBody>
+                <a:bodyPr rtlCol="0" anchor="ctr"/>
+                <a:lstStyle/>
+                <a:p>
+                  <a:pPr algn="ctr"/>
+                  <a:endParaRPr lang="zh-CN" altLang="en-US"/>
+                </a:p>
+              </p:txBody>
+            </p:sp>
+            <p:cxnSp>
+              <p:nvCxnSpPr>
+                <p:cNvPr id="38" name="直接连接符 37"/>
+                <p:cNvCxnSpPr>
+                  <a:stCxn id="4" idx="2"/>
+                  <a:endCxn id="20" idx="0"/>
+                </p:cNvCxnSpPr>
+                <p:nvPr/>
+              </p:nvCxnSpPr>
+              <p:spPr>
+                <a:xfrm flipV="1">
+                  <a:off x="5266753" y="1634582"/>
+                  <a:ext cx="0" cy="1818709"/>
+                </a:xfrm>
+                <a:prstGeom prst="line">
+                  <a:avLst/>
+                </a:prstGeom>
+                <a:ln w="28575">
+                  <a:prstDash val="solid"/>
+                  <a:headEnd type="none"/>
+                  <a:tailEnd type="stealth"/>
+                </a:ln>
+              </p:spPr>
+              <p:style>
+                <a:lnRef idx="1">
+                  <a:schemeClr val="accent1"/>
+                </a:lnRef>
+                <a:fillRef idx="0">
+                  <a:schemeClr val="accent1"/>
+                </a:fillRef>
+                <a:effectRef idx="0">
+                  <a:schemeClr val="accent1"/>
+                </a:effectRef>
+                <a:fontRef idx="minor">
+                  <a:schemeClr val="tx1"/>
+                </a:fontRef>
+              </p:style>
+            </p:cxnSp>
+          </p:grpSp>
+        </p:grpSp>
+        <p:grpSp>
+          <p:nvGrpSpPr>
+            <p:cNvPr id="6" name="组合 5"/>
+            <p:cNvGrpSpPr/>
+            <p:nvPr/>
+          </p:nvGrpSpPr>
+          <p:grpSpPr>
+            <a:xfrm>
+              <a:off x="702856" y="1645260"/>
+              <a:ext cx="3721190" cy="3721190"/>
+              <a:chOff x="4422940" y="1642495"/>
+              <a:chExt cx="3721190" cy="3721190"/>
+            </a:xfrm>
+          </p:grpSpPr>
+          <p:sp>
+            <p:nvSpPr>
+              <p:cNvPr id="36" name="椭圆 35"/>
+              <p:cNvSpPr/>
+              <p:nvPr/>
+            </p:nvSpPr>
+            <p:spPr>
+              <a:xfrm>
+                <a:off x="4422940" y="1642495"/>
+                <a:ext cx="3721190" cy="3721190"/>
+              </a:xfrm>
+              <a:prstGeom prst="ellipse">
+                <a:avLst/>
+              </a:prstGeom>
+              <a:noFill/>
+              <a:ln w="28575">
+                <a:solidFill>
+                  <a:schemeClr val="accent2">
+                    <a:lumMod val="40000"/>
+                    <a:lumOff val="60000"/>
+                  </a:schemeClr>
+                </a:solidFill>
+                <a:prstDash val="sysDash"/>
+              </a:ln>
+            </p:spPr>
+            <p:style>
+              <a:lnRef idx="2">
+                <a:schemeClr val="accent1">
+                  <a:shade val="50000"/>
+                </a:schemeClr>
+              </a:lnRef>
+              <a:fillRef idx="1">
+                <a:schemeClr val="accent1"/>
+              </a:fillRef>
+              <a:effectRef idx="0">
+                <a:schemeClr val="accent1"/>
+              </a:effectRef>
+              <a:fontRef idx="minor">
+                <a:schemeClr val="lt1"/>
+              </a:fontRef>
+            </p:style>
+            <p:txBody>
+              <a:bodyPr rtlCol="0" anchor="ctr"/>
+              <a:lstStyle/>
+              <a:p>
+                <a:pPr algn="ctr"/>
+                <a:endParaRPr lang="zh-CN" altLang="en-US"/>
+              </a:p>
+            </p:txBody>
+          </p:sp>
+          <p:grpSp>
+            <p:nvGrpSpPr>
+              <p:cNvPr id="29" name="组合 28"/>
+              <p:cNvGrpSpPr/>
+              <p:nvPr/>
+            </p:nvGrpSpPr>
+            <p:grpSpPr>
+              <a:xfrm rot="5400000">
+                <a:off x="5941985" y="3146018"/>
+                <a:ext cx="683100" cy="683100"/>
+                <a:chOff x="7343998" y="4088677"/>
+                <a:chExt cx="990293" cy="990293"/>
+              </a:xfrm>
+            </p:grpSpPr>
+            <p:sp>
+              <p:nvSpPr>
+                <p:cNvPr id="31" name="椭圆 30"/>
+                <p:cNvSpPr/>
+                <p:nvPr/>
+              </p:nvSpPr>
+              <p:spPr>
+                <a:xfrm>
+                  <a:off x="7343998" y="4088677"/>
+                  <a:ext cx="990293" cy="990293"/>
+                </a:xfrm>
+                <a:prstGeom prst="ellipse">
+                  <a:avLst/>
+                </a:prstGeom>
+                <a:solidFill>
+                  <a:schemeClr val="bg1"/>
+                </a:solidFill>
+                <a:ln w="28575">
+                  <a:solidFill>
+                    <a:schemeClr val="tx1">
+                      <a:lumMod val="65000"/>
+                      <a:lumOff val="35000"/>
+                    </a:schemeClr>
+                  </a:solidFill>
+                  <a:prstDash val="sysDash"/>
+                </a:ln>
+              </p:spPr>
+              <p:style>
+                <a:lnRef idx="2">
+                  <a:schemeClr val="accent1">
+                    <a:shade val="50000"/>
+                  </a:schemeClr>
+                </a:lnRef>
+                <a:fillRef idx="1">
+                  <a:schemeClr val="accent1"/>
+                </a:fillRef>
+                <a:effectRef idx="0">
+                  <a:schemeClr val="accent1"/>
+                </a:effectRef>
+                <a:fontRef idx="minor">
+                  <a:schemeClr val="lt1"/>
+                </a:fontRef>
+              </p:style>
+              <p:txBody>
+                <a:bodyPr rtlCol="0" anchor="ctr"/>
+                <a:lstStyle/>
+                <a:p>
+                  <a:pPr algn="ctr"/>
+                  <a:endParaRPr lang="zh-CN" altLang="en-US"/>
+                </a:p>
+              </p:txBody>
+            </p:sp>
+            <p:sp>
+              <p:nvSpPr>
+                <p:cNvPr id="32" name="椭圆 31"/>
+                <p:cNvSpPr/>
+                <p:nvPr/>
+              </p:nvSpPr>
+              <p:spPr>
+                <a:xfrm>
+                  <a:off x="7778423" y="4523102"/>
+                  <a:ext cx="121444" cy="121444"/>
+                </a:xfrm>
+                <a:prstGeom prst="ellipse">
+                  <a:avLst/>
+                </a:prstGeom>
+                <a:noFill/>
+                <a:ln w="28575">
+                  <a:solidFill>
+                    <a:schemeClr val="tx1">
+                      <a:lumMod val="50000"/>
+                      <a:lumOff val="50000"/>
+                    </a:schemeClr>
+                  </a:solidFill>
+                  <a:prstDash val="sysDash"/>
+                </a:ln>
+              </p:spPr>
+              <p:style>
+                <a:lnRef idx="2">
+                  <a:schemeClr val="accent1">
+                    <a:shade val="50000"/>
+                  </a:schemeClr>
+                </a:lnRef>
+                <a:fillRef idx="1">
+                  <a:schemeClr val="accent1"/>
+                </a:fillRef>
+                <a:effectRef idx="0">
+                  <a:schemeClr val="accent1"/>
+                </a:effectRef>
+                <a:fontRef idx="minor">
+                  <a:schemeClr val="lt1"/>
+                </a:fontRef>
+              </p:style>
+              <p:txBody>
+                <a:bodyPr rtlCol="0" anchor="ctr"/>
+                <a:lstStyle/>
+                <a:p>
+                  <a:pPr algn="ctr"/>
+                  <a:endParaRPr lang="zh-CN" altLang="en-US"/>
+                </a:p>
+              </p:txBody>
+            </p:sp>
+          </p:grpSp>
+          <p:sp>
+            <p:nvSpPr>
+              <p:cNvPr id="30" name="矩形 29"/>
+              <p:cNvSpPr/>
+              <p:nvPr/>
+            </p:nvSpPr>
+            <p:spPr>
+              <a:xfrm rot="5400000">
+                <a:off x="5601875" y="3464786"/>
+                <a:ext cx="98997" cy="45719"/>
+              </a:xfrm>
+              <a:prstGeom prst="rect">
+                <a:avLst/>
+              </a:prstGeom>
+              <a:solidFill>
+                <a:schemeClr val="bg1"/>
+              </a:solidFill>
+              <a:ln w="28575">
+                <a:solidFill>
+                  <a:schemeClr val="bg1"/>
+                </a:solidFill>
+              </a:ln>
+            </p:spPr>
+            <p:style>
+              <a:lnRef idx="2">
+                <a:schemeClr val="accent1">
+                  <a:shade val="50000"/>
+                </a:schemeClr>
+              </a:lnRef>
+              <a:fillRef idx="1">
+                <a:schemeClr val="accent1"/>
+              </a:fillRef>
+              <a:effectRef idx="0">
+                <a:schemeClr val="accent1"/>
+              </a:effectRef>
+              <a:fontRef idx="minor">
+                <a:schemeClr val="lt1"/>
+              </a:fontRef>
+            </p:style>
+            <p:txBody>
+              <a:bodyPr rtlCol="0" anchor="ctr"/>
+              <a:lstStyle/>
+              <a:p>
+                <a:pPr algn="ctr"/>
+                <a:endParaRPr lang="zh-CN" altLang="en-US"/>
+              </a:p>
+            </p:txBody>
+          </p:sp>
+          <p:cxnSp>
+            <p:nvCxnSpPr>
+              <p:cNvPr id="40" name="直接连接符 39"/>
+              <p:cNvCxnSpPr>
+                <a:stCxn id="32" idx="1"/>
+              </p:cNvCxnSpPr>
+              <p:nvPr/>
+            </p:nvCxnSpPr>
+            <p:spPr>
+              <a:xfrm flipV="1">
+                <a:off x="6313153" y="1944079"/>
+                <a:ext cx="972076" cy="1513872"/>
+              </a:xfrm>
+              <a:prstGeom prst="line">
+                <a:avLst/>
+              </a:prstGeom>
+              <a:ln w="28575">
+                <a:solidFill>
+                  <a:schemeClr val="accent2">
+                    <a:lumMod val="40000"/>
+                    <a:lumOff val="60000"/>
+                  </a:schemeClr>
+                </a:solidFill>
+                <a:prstDash val="dash"/>
+                <a:tailEnd type="stealth"/>
+              </a:ln>
+            </p:spPr>
+            <p:style>
+              <a:lnRef idx="1">
+                <a:schemeClr val="accent1"/>
+              </a:lnRef>
+              <a:fillRef idx="0">
+                <a:schemeClr val="accent1"/>
+              </a:fillRef>
+              <a:effectRef idx="0">
+                <a:schemeClr val="accent1"/>
+              </a:effectRef>
+              <a:fontRef idx="minor">
+                <a:schemeClr val="tx1"/>
+              </a:fontRef>
+            </p:style>
+          </p:cxnSp>
+        </p:grpSp>
+        <p:grpSp>
+          <p:nvGrpSpPr>
+            <p:cNvPr id="22" name="组合 21"/>
+            <p:cNvGrpSpPr/>
+            <p:nvPr/>
+          </p:nvGrpSpPr>
+          <p:grpSpPr>
+            <a:xfrm>
+              <a:off x="1191106" y="1652597"/>
+              <a:ext cx="3721190" cy="3721190"/>
+              <a:chOff x="4422940" y="1642495"/>
+              <a:chExt cx="3721190" cy="3721190"/>
+            </a:xfrm>
+          </p:grpSpPr>
+          <p:grpSp>
+            <p:nvGrpSpPr>
+              <p:cNvPr id="23" name="组合 22"/>
+              <p:cNvGrpSpPr/>
+              <p:nvPr/>
+            </p:nvGrpSpPr>
+            <p:grpSpPr>
+              <a:xfrm rot="5400000">
+                <a:off x="5941985" y="3146018"/>
+                <a:ext cx="683100" cy="683100"/>
+                <a:chOff x="7343998" y="4088677"/>
+                <a:chExt cx="990293" cy="990293"/>
+              </a:xfrm>
+            </p:grpSpPr>
+            <p:sp>
+              <p:nvSpPr>
+                <p:cNvPr id="27" name="椭圆 26"/>
+                <p:cNvSpPr/>
+                <p:nvPr/>
+              </p:nvSpPr>
+              <p:spPr>
+                <a:xfrm>
+                  <a:off x="7343998" y="4088677"/>
+                  <a:ext cx="990293" cy="990293"/>
+                </a:xfrm>
+                <a:prstGeom prst="ellipse">
+                  <a:avLst/>
+                </a:prstGeom>
+                <a:noFill/>
+                <a:ln w="28575">
+                  <a:solidFill>
+                    <a:schemeClr val="tx1">
+                      <a:lumMod val="65000"/>
+                      <a:lumOff val="35000"/>
+                    </a:schemeClr>
+                  </a:solidFill>
+                  <a:prstDash val="sysDash"/>
+                </a:ln>
+              </p:spPr>
+              <p:style>
+                <a:lnRef idx="2">
+                  <a:schemeClr val="accent1">
+                    <a:shade val="50000"/>
+                  </a:schemeClr>
+                </a:lnRef>
+                <a:fillRef idx="1">
+                  <a:schemeClr val="accent1"/>
+                </a:fillRef>
+                <a:effectRef idx="0">
+                  <a:schemeClr val="accent1"/>
+                </a:effectRef>
+                <a:fontRef idx="minor">
+                  <a:schemeClr val="lt1"/>
+                </a:fontRef>
+              </p:style>
+              <p:txBody>
+                <a:bodyPr rtlCol="0" anchor="ctr"/>
+                <a:lstStyle/>
+                <a:p>
+                  <a:pPr algn="ctr"/>
+                  <a:endParaRPr lang="zh-CN" altLang="en-US"/>
+                </a:p>
+              </p:txBody>
+            </p:sp>
+            <p:sp>
+              <p:nvSpPr>
+                <p:cNvPr id="28" name="椭圆 27"/>
+                <p:cNvSpPr/>
+                <p:nvPr/>
+              </p:nvSpPr>
+              <p:spPr>
+                <a:xfrm>
+                  <a:off x="7778423" y="4523102"/>
+                  <a:ext cx="121444" cy="121444"/>
+                </a:xfrm>
+                <a:prstGeom prst="ellipse">
+                  <a:avLst/>
+                </a:prstGeom>
+                <a:noFill/>
+                <a:ln w="28575">
+                  <a:solidFill>
+                    <a:schemeClr val="tx1">
+                      <a:lumMod val="50000"/>
+                      <a:lumOff val="50000"/>
+                    </a:schemeClr>
+                  </a:solidFill>
+                  <a:prstDash val="sysDash"/>
+                </a:ln>
+              </p:spPr>
+              <p:style>
+                <a:lnRef idx="2">
+                  <a:schemeClr val="accent1">
+                    <a:shade val="50000"/>
+                  </a:schemeClr>
+                </a:lnRef>
+                <a:fillRef idx="1">
+                  <a:schemeClr val="accent1"/>
+                </a:fillRef>
+                <a:effectRef idx="0">
+                  <a:schemeClr val="accent1"/>
+                </a:effectRef>
+                <a:fontRef idx="minor">
+                  <a:schemeClr val="lt1"/>
+                </a:fontRef>
+              </p:style>
+              <p:txBody>
+                <a:bodyPr rtlCol="0" anchor="ctr"/>
+                <a:lstStyle/>
+                <a:p>
+                  <a:pPr algn="ctr"/>
+                  <a:endParaRPr lang="zh-CN" altLang="en-US"/>
+                </a:p>
+              </p:txBody>
+            </p:sp>
+          </p:grpSp>
+          <p:sp>
+            <p:nvSpPr>
+              <p:cNvPr id="24" name="矩形 23"/>
+              <p:cNvSpPr/>
+              <p:nvPr/>
+            </p:nvSpPr>
+            <p:spPr>
+              <a:xfrm rot="5400000">
+                <a:off x="5601875" y="3464786"/>
+                <a:ext cx="98997" cy="45719"/>
+              </a:xfrm>
+              <a:prstGeom prst="rect">
+                <a:avLst/>
+              </a:prstGeom>
+              <a:solidFill>
+                <a:schemeClr val="bg1"/>
+              </a:solidFill>
+              <a:ln w="28575">
+                <a:solidFill>
+                  <a:schemeClr val="bg1"/>
+                </a:solidFill>
+              </a:ln>
+            </p:spPr>
+            <p:style>
+              <a:lnRef idx="2">
+                <a:schemeClr val="accent1">
+                  <a:shade val="50000"/>
+                </a:schemeClr>
+              </a:lnRef>
+              <a:fillRef idx="1">
+                <a:schemeClr val="accent1"/>
+              </a:fillRef>
+              <a:effectRef idx="0">
+                <a:schemeClr val="accent1"/>
+              </a:effectRef>
+              <a:fontRef idx="minor">
+                <a:schemeClr val="lt1"/>
+              </a:fontRef>
+            </p:style>
+            <p:txBody>
+              <a:bodyPr rtlCol="0" anchor="ctr"/>
+              <a:lstStyle/>
+              <a:p>
+                <a:pPr algn="ctr"/>
+                <a:endParaRPr lang="zh-CN" altLang="en-US"/>
+              </a:p>
+            </p:txBody>
+          </p:sp>
+          <p:sp>
+            <p:nvSpPr>
+              <p:cNvPr id="25" name="椭圆 24"/>
+              <p:cNvSpPr/>
+              <p:nvPr/>
+            </p:nvSpPr>
+            <p:spPr>
+              <a:xfrm>
+                <a:off x="4422940" y="1642495"/>
+                <a:ext cx="3721190" cy="3721190"/>
+              </a:xfrm>
+              <a:prstGeom prst="ellipse">
+                <a:avLst/>
+              </a:prstGeom>
+              <a:noFill/>
+              <a:ln w="28575">
+                <a:solidFill>
+                  <a:schemeClr val="accent6">
+                    <a:lumMod val="40000"/>
+                    <a:lumOff val="60000"/>
+                  </a:schemeClr>
+                </a:solidFill>
+                <a:prstDash val="sysDash"/>
+              </a:ln>
+            </p:spPr>
+            <p:style>
+              <a:lnRef idx="2">
+                <a:schemeClr val="accent1">
+                  <a:shade val="50000"/>
+                </a:schemeClr>
+              </a:lnRef>
+              <a:fillRef idx="1">
+                <a:schemeClr val="accent1"/>
+              </a:fillRef>
+              <a:effectRef idx="0">
+                <a:schemeClr val="accent1"/>
+              </a:effectRef>
+              <a:fontRef idx="minor">
+                <a:schemeClr val="lt1"/>
+              </a:fontRef>
+            </p:style>
+            <p:txBody>
+              <a:bodyPr rtlCol="0" anchor="ctr"/>
+              <a:lstStyle/>
+              <a:p>
+                <a:pPr algn="ctr"/>
+                <a:endParaRPr lang="zh-CN" altLang="en-US"/>
+              </a:p>
+            </p:txBody>
+          </p:sp>
+          <p:cxnSp>
+            <p:nvCxnSpPr>
+              <p:cNvPr id="26" name="直接连接符 25"/>
+              <p:cNvCxnSpPr>
+                <a:stCxn id="28" idx="0"/>
+              </p:cNvCxnSpPr>
+              <p:nvPr/>
+            </p:nvCxnSpPr>
+            <p:spPr>
+              <a:xfrm flipV="1">
+                <a:off x="6325421" y="3053940"/>
+                <a:ext cx="1746637" cy="433628"/>
+              </a:xfrm>
+              <a:prstGeom prst="line">
+                <a:avLst/>
+              </a:prstGeom>
+              <a:ln w="28575">
+                <a:solidFill>
+                  <a:schemeClr val="accent6">
+                    <a:lumMod val="40000"/>
+                    <a:lumOff val="60000"/>
+                  </a:schemeClr>
+                </a:solidFill>
+                <a:prstDash val="dash"/>
+                <a:tailEnd type="stealth"/>
+              </a:ln>
+            </p:spPr>
+            <p:style>
+              <a:lnRef idx="1">
+                <a:schemeClr val="accent1"/>
+              </a:lnRef>
+              <a:fillRef idx="0">
+                <a:schemeClr val="accent1"/>
+              </a:fillRef>
+              <a:effectRef idx="0">
+                <a:schemeClr val="accent1"/>
+              </a:effectRef>
+              <a:fontRef idx="minor">
+                <a:schemeClr val="tx1"/>
+              </a:fontRef>
+            </p:style>
+          </p:cxnSp>
+        </p:grpSp>
+      </p:grpSp>
+      <p:grpSp>
+        <p:nvGrpSpPr>
+          <p:cNvPr id="66" name="组合 65"/>
+          <p:cNvGrpSpPr/>
+          <p:nvPr/>
+        </p:nvGrpSpPr>
+        <p:grpSpPr>
+          <a:xfrm>
+            <a:off x="5876987" y="1601347"/>
+            <a:ext cx="3721190" cy="3721190"/>
+            <a:chOff x="3406158" y="1634582"/>
+            <a:chExt cx="3721190" cy="3721190"/>
+          </a:xfrm>
+        </p:grpSpPr>
+        <p:grpSp>
+          <p:nvGrpSpPr>
+            <p:cNvPr id="67" name="组合 66"/>
+            <p:cNvGrpSpPr/>
+            <p:nvPr/>
+          </p:nvGrpSpPr>
+          <p:grpSpPr>
+            <a:xfrm rot="5400000">
+              <a:off x="4677512" y="2905937"/>
+              <a:ext cx="683100" cy="1178481"/>
+              <a:chOff x="7343998" y="4088677"/>
+              <a:chExt cx="990293" cy="1708449"/>
+            </a:xfrm>
+          </p:grpSpPr>
+          <p:grpSp>
+            <p:nvGrpSpPr>
+              <p:cNvPr id="71" name="组合 70"/>
+              <p:cNvGrpSpPr/>
+              <p:nvPr/>
+            </p:nvGrpSpPr>
+            <p:grpSpPr>
+              <a:xfrm>
+                <a:off x="7343998" y="4088677"/>
+                <a:ext cx="990293" cy="1701643"/>
+                <a:chOff x="7343998" y="4088677"/>
+                <a:chExt cx="990293" cy="1701643"/>
+              </a:xfrm>
+            </p:grpSpPr>
+            <p:sp>
+              <p:nvSpPr>
+                <p:cNvPr id="73" name="椭圆 72"/>
+                <p:cNvSpPr/>
+                <p:nvPr/>
+              </p:nvSpPr>
+              <p:spPr>
+                <a:xfrm>
+                  <a:off x="7343998" y="4088677"/>
+                  <a:ext cx="990293" cy="990293"/>
+                </a:xfrm>
+                <a:prstGeom prst="ellipse">
+                  <a:avLst/>
+                </a:prstGeom>
+                <a:noFill/>
+                <a:ln w="28575">
+                  <a:solidFill>
+                    <a:schemeClr val="tx1">
+                      <a:lumMod val="65000"/>
+                      <a:lumOff val="35000"/>
+                    </a:schemeClr>
+                  </a:solidFill>
+                </a:ln>
+              </p:spPr>
+              <p:style>
+                <a:lnRef idx="2">
+                  <a:schemeClr val="accent1">
+                    <a:shade val="50000"/>
+                  </a:schemeClr>
+                </a:lnRef>
+                <a:fillRef idx="1">
+                  <a:schemeClr val="accent1"/>
+                </a:fillRef>
+                <a:effectRef idx="0">
+                  <a:schemeClr val="accent1"/>
+                </a:effectRef>
+                <a:fontRef idx="minor">
+                  <a:schemeClr val="lt1"/>
+                </a:fontRef>
+              </p:style>
+              <p:txBody>
+                <a:bodyPr rtlCol="0" anchor="ctr"/>
+                <a:lstStyle/>
+                <a:p>
+                  <a:pPr algn="ctr"/>
+                  <a:endParaRPr lang="zh-CN" altLang="en-US"/>
+                </a:p>
+              </p:txBody>
+            </p:sp>
+            <p:sp>
+              <p:nvSpPr>
+                <p:cNvPr id="74" name="椭圆 73"/>
+                <p:cNvSpPr/>
+                <p:nvPr/>
+              </p:nvSpPr>
+              <p:spPr>
+                <a:xfrm>
+                  <a:off x="7778423" y="4523102"/>
+                  <a:ext cx="121444" cy="121444"/>
+                </a:xfrm>
+                <a:prstGeom prst="ellipse">
+                  <a:avLst/>
+                </a:prstGeom>
+                <a:noFill/>
+                <a:ln w="28575">
+                  <a:solidFill>
+                    <a:schemeClr val="tx1">
+                      <a:lumMod val="50000"/>
+                      <a:lumOff val="50000"/>
+                    </a:schemeClr>
+                  </a:solidFill>
+                </a:ln>
+              </p:spPr>
+              <p:style>
+                <a:lnRef idx="2">
+                  <a:schemeClr val="accent1">
+                    <a:shade val="50000"/>
+                  </a:schemeClr>
+                </a:lnRef>
+                <a:fillRef idx="1">
+                  <a:schemeClr val="accent1"/>
+                </a:fillRef>
+                <a:effectRef idx="0">
+                  <a:schemeClr val="accent1"/>
+                </a:effectRef>
+                <a:fontRef idx="minor">
+                  <a:schemeClr val="lt1"/>
+                </a:fontRef>
+              </p:style>
+              <p:txBody>
+                <a:bodyPr rtlCol="0" anchor="ctr"/>
+                <a:lstStyle/>
+                <a:p>
+                  <a:pPr algn="ctr"/>
+                  <a:endParaRPr lang="zh-CN" altLang="en-US"/>
+                </a:p>
+              </p:txBody>
+            </p:sp>
+            <p:sp>
+              <p:nvSpPr>
+                <p:cNvPr id="75" name="矩形 74"/>
+                <p:cNvSpPr/>
+                <p:nvPr/>
+              </p:nvSpPr>
+              <p:spPr>
+                <a:xfrm rot="5400000">
+                  <a:off x="7482940" y="5389103"/>
+                  <a:ext cx="711348" cy="91086"/>
+                </a:xfrm>
+                <a:prstGeom prst="rect">
+                  <a:avLst/>
+                </a:prstGeom>
+                <a:noFill/>
+                <a:ln w="28575">
+                  <a:solidFill>
+                    <a:schemeClr val="bg1">
+                      <a:lumMod val="50000"/>
+                    </a:schemeClr>
+                  </a:solidFill>
+                </a:ln>
+              </p:spPr>
+              <p:style>
+                <a:lnRef idx="2">
+                  <a:schemeClr val="accent1">
+                    <a:shade val="50000"/>
+                  </a:schemeClr>
+                </a:lnRef>
+                <a:fillRef idx="1">
+                  <a:schemeClr val="accent1"/>
+                </a:fillRef>
+                <a:effectRef idx="0">
+                  <a:schemeClr val="accent1"/>
+                </a:effectRef>
+                <a:fontRef idx="minor">
+                  <a:schemeClr val="lt1"/>
+                </a:fontRef>
+              </p:style>
+              <p:txBody>
+                <a:bodyPr rtlCol="0" anchor="ctr"/>
+                <a:lstStyle/>
+                <a:p>
+                  <a:pPr algn="ctr"/>
+                  <a:endParaRPr lang="zh-CN" altLang="en-US"/>
+                </a:p>
+              </p:txBody>
+            </p:sp>
+            <p:sp>
+              <p:nvSpPr>
+                <p:cNvPr id="76" name="圆角矩形 75"/>
+                <p:cNvSpPr/>
+                <p:nvPr/>
+              </p:nvSpPr>
+              <p:spPr>
+                <a:xfrm>
+                  <a:off x="7778423" y="5117626"/>
+                  <a:ext cx="133995" cy="57287"/>
+                </a:xfrm>
+                <a:prstGeom prst="roundRect">
+                  <a:avLst/>
+                </a:prstGeom>
+                <a:solidFill>
+                  <a:schemeClr val="bg1"/>
+                </a:solidFill>
+                <a:ln w="28575">
+                  <a:solidFill>
+                    <a:schemeClr val="tx1">
+                      <a:lumMod val="65000"/>
+                      <a:lumOff val="35000"/>
+                    </a:schemeClr>
+                  </a:solidFill>
+                </a:ln>
+              </p:spPr>
+              <p:style>
+                <a:lnRef idx="2">
+                  <a:schemeClr val="accent1">
+                    <a:shade val="50000"/>
+                  </a:schemeClr>
+                </a:lnRef>
+                <a:fillRef idx="1">
+                  <a:schemeClr val="accent1"/>
+                </a:fillRef>
+                <a:effectRef idx="0">
+                  <a:schemeClr val="accent1"/>
+                </a:effectRef>
+                <a:fontRef idx="minor">
+                  <a:schemeClr val="lt1"/>
+                </a:fontRef>
+              </p:style>
+              <p:txBody>
+                <a:bodyPr rtlCol="0" anchor="ctr"/>
+                <a:lstStyle/>
+                <a:p>
+                  <a:pPr algn="ctr"/>
+                  <a:endParaRPr lang="zh-CN" altLang="en-US"/>
+                </a:p>
+              </p:txBody>
+            </p:sp>
+          </p:grpSp>
+          <p:sp>
+            <p:nvSpPr>
+              <p:cNvPr id="72" name="矩形 71"/>
+              <p:cNvSpPr/>
+              <p:nvPr/>
+            </p:nvSpPr>
+            <p:spPr>
+              <a:xfrm>
+                <a:off x="7659584" y="5620306"/>
+                <a:ext cx="358060" cy="176820"/>
+              </a:xfrm>
+              <a:prstGeom prst="rect">
+                <a:avLst/>
+              </a:prstGeom>
+              <a:solidFill>
+                <a:schemeClr val="bg1"/>
+              </a:solidFill>
+              <a:ln w="28575">
+                <a:solidFill>
+                  <a:schemeClr val="bg1"/>
+                </a:solidFill>
+              </a:ln>
+            </p:spPr>
+            <p:style>
+              <a:lnRef idx="2">
+                <a:schemeClr val="accent1">
+                  <a:shade val="50000"/>
+                </a:schemeClr>
+              </a:lnRef>
+              <a:fillRef idx="1">
+                <a:schemeClr val="accent1"/>
+              </a:fillRef>
+              <a:effectRef idx="0">
+                <a:schemeClr val="accent1"/>
+              </a:effectRef>
+              <a:fontRef idx="minor">
+                <a:schemeClr val="lt1"/>
+              </a:fontRef>
+            </p:style>
+            <p:txBody>
+              <a:bodyPr rtlCol="0" anchor="ctr"/>
+              <a:lstStyle/>
+              <a:p>
+                <a:pPr algn="ctr"/>
+                <a:endParaRPr lang="zh-CN" altLang="en-US"/>
+              </a:p>
+            </p:txBody>
+          </p:sp>
+        </p:grpSp>
+        <p:grpSp>
+          <p:nvGrpSpPr>
+            <p:cNvPr id="68" name="组合 67"/>
+            <p:cNvGrpSpPr/>
+            <p:nvPr/>
+          </p:nvGrpSpPr>
+          <p:grpSpPr>
+            <a:xfrm>
+              <a:off x="3406158" y="1634582"/>
+              <a:ext cx="3721190" cy="3721190"/>
+              <a:chOff x="3406158" y="1634582"/>
+              <a:chExt cx="3721190" cy="3721190"/>
+            </a:xfrm>
+          </p:grpSpPr>
+          <p:sp>
+            <p:nvSpPr>
+              <p:cNvPr id="69" name="椭圆 68"/>
+              <p:cNvSpPr/>
+              <p:nvPr/>
+            </p:nvSpPr>
+            <p:spPr>
+              <a:xfrm>
+                <a:off x="3406158" y="1634582"/>
+                <a:ext cx="3721190" cy="3721190"/>
+              </a:xfrm>
+              <a:prstGeom prst="ellipse">
+                <a:avLst/>
+              </a:prstGeom>
+              <a:noFill/>
+              <a:ln w="28575">
+                <a:solidFill>
+                  <a:schemeClr val="accent5">
+                    <a:lumMod val="40000"/>
+                    <a:lumOff val="60000"/>
+                  </a:schemeClr>
+                </a:solidFill>
+              </a:ln>
+            </p:spPr>
+            <p:style>
+              <a:lnRef idx="2">
+                <a:schemeClr val="accent1">
+                  <a:shade val="50000"/>
+                </a:schemeClr>
+              </a:lnRef>
+              <a:fillRef idx="1">
+                <a:schemeClr val="accent1"/>
+              </a:fillRef>
+              <a:effectRef idx="0">
+                <a:schemeClr val="accent1"/>
+              </a:effectRef>
+              <a:fontRef idx="minor">
+                <a:schemeClr val="lt1"/>
+              </a:fontRef>
+            </p:style>
+            <p:txBody>
+              <a:bodyPr rtlCol="0" anchor="ctr"/>
+              <a:lstStyle/>
+              <a:p>
+                <a:pPr algn="ctr"/>
+                <a:endParaRPr lang="zh-CN" altLang="en-US"/>
+              </a:p>
+            </p:txBody>
+          </p:sp>
+          <p:cxnSp>
+            <p:nvCxnSpPr>
+              <p:cNvPr id="70" name="直接连接符 69"/>
+              <p:cNvCxnSpPr>
+                <a:stCxn id="74" idx="2"/>
+                <a:endCxn id="69" idx="0"/>
+              </p:cNvCxnSpPr>
+              <p:nvPr/>
+            </p:nvCxnSpPr>
+            <p:spPr>
+              <a:xfrm flipV="1">
+                <a:off x="5266753" y="1634582"/>
+                <a:ext cx="0" cy="1818709"/>
+              </a:xfrm>
+              <a:prstGeom prst="line">
+                <a:avLst/>
+              </a:prstGeom>
+              <a:ln w="28575">
+                <a:prstDash val="solid"/>
+                <a:headEnd type="none"/>
+                <a:tailEnd type="stealth"/>
+              </a:ln>
+            </p:spPr>
+            <p:style>
+              <a:lnRef idx="1">
+                <a:schemeClr val="accent1"/>
+              </a:lnRef>
+              <a:fillRef idx="0">
+                <a:schemeClr val="accent1"/>
+              </a:fillRef>
+              <a:effectRef idx="0">
+                <a:schemeClr val="accent1"/>
+              </a:effectRef>
+              <a:fontRef idx="minor">
+                <a:schemeClr val="tx1"/>
+              </a:fontRef>
+            </p:style>
+          </p:cxnSp>
+        </p:grpSp>
+      </p:grpSp>
+      <p:grpSp>
+        <p:nvGrpSpPr>
+          <p:cNvPr id="77" name="组合 76"/>
+          <p:cNvGrpSpPr/>
+          <p:nvPr/>
+        </p:nvGrpSpPr>
+        <p:grpSpPr>
+          <a:xfrm>
+            <a:off x="6294521" y="1619635"/>
+            <a:ext cx="3721190" cy="3721190"/>
+            <a:chOff x="4422940" y="1642495"/>
+            <a:chExt cx="3721190" cy="3721190"/>
+          </a:xfrm>
+        </p:grpSpPr>
+        <p:sp>
+          <p:nvSpPr>
+            <p:cNvPr id="78" name="椭圆 77"/>
+            <p:cNvSpPr/>
+            <p:nvPr/>
+          </p:nvSpPr>
+          <p:spPr>
+            <a:xfrm>
+              <a:off x="4422940" y="1642495"/>
+              <a:ext cx="3721190" cy="3721190"/>
+            </a:xfrm>
+            <a:prstGeom prst="ellipse">
+              <a:avLst/>
+            </a:prstGeom>
+            <a:noFill/>
+            <a:ln w="28575">
+              <a:solidFill>
+                <a:schemeClr val="accent2">
+                  <a:lumMod val="40000"/>
+                  <a:lumOff val="60000"/>
+                </a:schemeClr>
+              </a:solidFill>
+              <a:prstDash val="sysDash"/>
+            </a:ln>
+          </p:spPr>
+          <p:style>
+            <a:lnRef idx="2">
+              <a:schemeClr val="accent1">
+                <a:shade val="50000"/>
+              </a:schemeClr>
+            </a:lnRef>
+            <a:fillRef idx="1">
+              <a:schemeClr val="accent1"/>
+            </a:fillRef>
+            <a:effectRef idx="0">
+              <a:schemeClr val="accent1"/>
+            </a:effectRef>
+            <a:fontRef idx="minor">
+              <a:schemeClr val="lt1"/>
+            </a:fontRef>
+          </p:style>
+          <p:txBody>
+            <a:bodyPr rtlCol="0" anchor="ctr"/>
+            <a:lstStyle/>
+            <a:p>
+              <a:pPr algn="ctr"/>
+              <a:endParaRPr lang="zh-CN" altLang="en-US"/>
+            </a:p>
+          </p:txBody>
+        </p:sp>
+        <p:grpSp>
+          <p:nvGrpSpPr>
+            <p:cNvPr id="79" name="组合 78"/>
+            <p:cNvGrpSpPr/>
+            <p:nvPr/>
+          </p:nvGrpSpPr>
+          <p:grpSpPr>
+            <a:xfrm rot="5400000">
+              <a:off x="5941985" y="3146018"/>
+              <a:ext cx="683100" cy="683100"/>
+              <a:chOff x="7343998" y="4088677"/>
+              <a:chExt cx="990293" cy="990293"/>
+            </a:xfrm>
+          </p:grpSpPr>
+          <p:sp>
+            <p:nvSpPr>
+              <p:cNvPr id="82" name="椭圆 81"/>
+              <p:cNvSpPr/>
+              <p:nvPr/>
+            </p:nvSpPr>
+            <p:spPr>
+              <a:xfrm>
+                <a:off x="7343998" y="4088677"/>
+                <a:ext cx="990293" cy="990293"/>
+              </a:xfrm>
+              <a:prstGeom prst="ellipse">
+                <a:avLst/>
+              </a:prstGeom>
+              <a:solidFill>
+                <a:schemeClr val="bg1"/>
+              </a:solidFill>
+              <a:ln w="28575">
+                <a:solidFill>
+                  <a:schemeClr val="tx1">
+                    <a:lumMod val="65000"/>
+                    <a:lumOff val="35000"/>
+                  </a:schemeClr>
+                </a:solidFill>
+                <a:prstDash val="sysDash"/>
+              </a:ln>
+            </p:spPr>
+            <p:style>
+              <a:lnRef idx="2">
+                <a:schemeClr val="accent1">
+                  <a:shade val="50000"/>
+                </a:schemeClr>
+              </a:lnRef>
+              <a:fillRef idx="1">
+                <a:schemeClr val="accent1"/>
+              </a:fillRef>
+              <a:effectRef idx="0">
+                <a:schemeClr val="accent1"/>
+              </a:effectRef>
+              <a:fontRef idx="minor">
+                <a:schemeClr val="lt1"/>
+              </a:fontRef>
+            </p:style>
+            <p:txBody>
+              <a:bodyPr rtlCol="0" anchor="ctr"/>
+              <a:lstStyle/>
+              <a:p>
+                <a:pPr algn="ctr"/>
+                <a:endParaRPr lang="zh-CN" altLang="en-US"/>
+              </a:p>
+            </p:txBody>
+          </p:sp>
+          <p:sp>
+            <p:nvSpPr>
+              <p:cNvPr id="83" name="椭圆 82"/>
+              <p:cNvSpPr/>
+              <p:nvPr/>
+            </p:nvSpPr>
+            <p:spPr>
+              <a:xfrm>
+                <a:off x="7778423" y="4523102"/>
+                <a:ext cx="121444" cy="121444"/>
+              </a:xfrm>
+              <a:prstGeom prst="ellipse">
+                <a:avLst/>
+              </a:prstGeom>
+              <a:noFill/>
+              <a:ln w="28575">
+                <a:solidFill>
+                  <a:schemeClr val="tx1">
+                    <a:lumMod val="50000"/>
+                    <a:lumOff val="50000"/>
+                  </a:schemeClr>
+                </a:solidFill>
+                <a:prstDash val="sysDash"/>
+              </a:ln>
+            </p:spPr>
+            <p:style>
+              <a:lnRef idx="2">
+                <a:schemeClr val="accent1">
+                  <a:shade val="50000"/>
+                </a:schemeClr>
+              </a:lnRef>
+              <a:fillRef idx="1">
+                <a:schemeClr val="accent1"/>
+              </a:fillRef>
+              <a:effectRef idx="0">
+                <a:schemeClr val="accent1"/>
+              </a:effectRef>
+              <a:fontRef idx="minor">
+                <a:schemeClr val="lt1"/>
+              </a:fontRef>
+            </p:style>
+            <p:txBody>
+              <a:bodyPr rtlCol="0" anchor="ctr"/>
+              <a:lstStyle/>
+              <a:p>
+                <a:pPr algn="ctr"/>
+                <a:endParaRPr lang="zh-CN" altLang="en-US"/>
+              </a:p>
+            </p:txBody>
+          </p:sp>
+        </p:grpSp>
+        <p:sp>
+          <p:nvSpPr>
+            <p:cNvPr id="80" name="矩形 79"/>
+            <p:cNvSpPr/>
+            <p:nvPr/>
+          </p:nvSpPr>
+          <p:spPr>
+            <a:xfrm rot="5400000">
+              <a:off x="5601875" y="3464786"/>
+              <a:ext cx="98997" cy="45719"/>
+            </a:xfrm>
+            <a:prstGeom prst="rect">
+              <a:avLst/>
+            </a:prstGeom>
+            <a:solidFill>
+              <a:schemeClr val="bg1"/>
+            </a:solidFill>
+            <a:ln w="28575">
+              <a:solidFill>
+                <a:schemeClr val="bg1"/>
+              </a:solidFill>
+            </a:ln>
+          </p:spPr>
+          <p:style>
+            <a:lnRef idx="2">
+              <a:schemeClr val="accent1">
+                <a:shade val="50000"/>
+              </a:schemeClr>
+            </a:lnRef>
+            <a:fillRef idx="1">
+              <a:schemeClr val="accent1"/>
+            </a:fillRef>
+            <a:effectRef idx="0">
+              <a:schemeClr val="accent1"/>
+            </a:effectRef>
+            <a:fontRef idx="minor">
+              <a:schemeClr val="lt1"/>
+            </a:fontRef>
+          </p:style>
+          <p:txBody>
+            <a:bodyPr rtlCol="0" anchor="ctr"/>
+            <a:lstStyle/>
+            <a:p>
+              <a:pPr algn="ctr"/>
+              <a:endParaRPr lang="zh-CN" altLang="en-US"/>
+            </a:p>
+          </p:txBody>
+        </p:sp>
+        <p:cxnSp>
+          <p:nvCxnSpPr>
+            <p:cNvPr id="81" name="直接连接符 80"/>
+            <p:cNvCxnSpPr>
+              <a:stCxn id="83" idx="1"/>
+            </p:cNvCxnSpPr>
+            <p:nvPr/>
+          </p:nvCxnSpPr>
+          <p:spPr>
+            <a:xfrm flipV="1">
+              <a:off x="6313153" y="1944079"/>
+              <a:ext cx="972076" cy="1513872"/>
+            </a:xfrm>
+            <a:prstGeom prst="line">
+              <a:avLst/>
+            </a:prstGeom>
+            <a:ln w="28575">
+              <a:solidFill>
+                <a:schemeClr val="accent2">
+                  <a:lumMod val="40000"/>
+                  <a:lumOff val="60000"/>
+                </a:schemeClr>
+              </a:solidFill>
+              <a:prstDash val="dash"/>
+              <a:tailEnd type="stealth"/>
+            </a:ln>
+          </p:spPr>
+          <p:style>
+            <a:lnRef idx="1">
+              <a:schemeClr val="accent1"/>
+            </a:lnRef>
+            <a:fillRef idx="0">
+              <a:schemeClr val="accent1"/>
+            </a:fillRef>
+            <a:effectRef idx="0">
+              <a:schemeClr val="accent1"/>
+            </a:effectRef>
+            <a:fontRef idx="minor">
+              <a:schemeClr val="tx1"/>
+            </a:fontRef>
+          </p:style>
+        </p:cxnSp>
+      </p:grpSp>
+      <p:grpSp>
+        <p:nvGrpSpPr>
+          <p:cNvPr id="84" name="组合 83"/>
+          <p:cNvGrpSpPr/>
+          <p:nvPr/>
+        </p:nvGrpSpPr>
+        <p:grpSpPr>
+          <a:xfrm>
+            <a:off x="6499307" y="1626972"/>
+            <a:ext cx="3721190" cy="3721190"/>
+            <a:chOff x="4422940" y="1642495"/>
+            <a:chExt cx="3721190" cy="3721190"/>
+          </a:xfrm>
+        </p:grpSpPr>
+        <p:grpSp>
+          <p:nvGrpSpPr>
+            <p:cNvPr id="85" name="组合 84"/>
+            <p:cNvGrpSpPr/>
+            <p:nvPr/>
+          </p:nvGrpSpPr>
+          <p:grpSpPr>
+            <a:xfrm rot="5400000">
+              <a:off x="5941985" y="3146018"/>
+              <a:ext cx="683100" cy="683100"/>
+              <a:chOff x="7343998" y="4088677"/>
+              <a:chExt cx="990293" cy="990293"/>
+            </a:xfrm>
+          </p:grpSpPr>
+          <p:sp>
+            <p:nvSpPr>
+              <p:cNvPr id="89" name="椭圆 88"/>
+              <p:cNvSpPr/>
+              <p:nvPr/>
+            </p:nvSpPr>
+            <p:spPr>
+              <a:xfrm>
+                <a:off x="7343998" y="4088677"/>
+                <a:ext cx="990293" cy="990293"/>
+              </a:xfrm>
+              <a:prstGeom prst="ellipse">
+                <a:avLst/>
+              </a:prstGeom>
+              <a:solidFill>
+                <a:schemeClr val="bg1"/>
+              </a:solidFill>
+              <a:ln w="28575">
+                <a:solidFill>
+                  <a:schemeClr val="tx1">
+                    <a:lumMod val="65000"/>
+                    <a:lumOff val="35000"/>
+                  </a:schemeClr>
+                </a:solidFill>
+                <a:prstDash val="sysDash"/>
+              </a:ln>
+            </p:spPr>
+            <p:style>
+              <a:lnRef idx="2">
+                <a:schemeClr val="accent1">
+                  <a:shade val="50000"/>
+                </a:schemeClr>
+              </a:lnRef>
+              <a:fillRef idx="1">
+                <a:schemeClr val="accent1"/>
+              </a:fillRef>
+              <a:effectRef idx="0">
+                <a:schemeClr val="accent1"/>
+              </a:effectRef>
+              <a:fontRef idx="minor">
+                <a:schemeClr val="lt1"/>
+              </a:fontRef>
+            </p:style>
+            <p:txBody>
+              <a:bodyPr rtlCol="0" anchor="ctr"/>
+              <a:lstStyle/>
+              <a:p>
+                <a:pPr algn="ctr"/>
+                <a:endParaRPr lang="zh-CN" altLang="en-US"/>
+              </a:p>
+            </p:txBody>
+          </p:sp>
+          <p:sp>
+            <p:nvSpPr>
+              <p:cNvPr id="90" name="椭圆 89"/>
+              <p:cNvSpPr/>
+              <p:nvPr/>
+            </p:nvSpPr>
+            <p:spPr>
+              <a:xfrm>
+                <a:off x="7778423" y="4523102"/>
+                <a:ext cx="121444" cy="121444"/>
+              </a:xfrm>
+              <a:prstGeom prst="ellipse">
+                <a:avLst/>
+              </a:prstGeom>
+              <a:noFill/>
+              <a:ln w="28575">
+                <a:solidFill>
+                  <a:schemeClr val="tx1">
+                    <a:lumMod val="50000"/>
+                    <a:lumOff val="50000"/>
+                  </a:schemeClr>
+                </a:solidFill>
+                <a:prstDash val="sysDash"/>
+              </a:ln>
+            </p:spPr>
+            <p:style>
+              <a:lnRef idx="2">
+                <a:schemeClr val="accent1">
+                  <a:shade val="50000"/>
+                </a:schemeClr>
+              </a:lnRef>
+              <a:fillRef idx="1">
+                <a:schemeClr val="accent1"/>
+              </a:fillRef>
+              <a:effectRef idx="0">
+                <a:schemeClr val="accent1"/>
+              </a:effectRef>
+              <a:fontRef idx="minor">
+                <a:schemeClr val="lt1"/>
+              </a:fontRef>
+            </p:style>
+            <p:txBody>
+              <a:bodyPr rtlCol="0" anchor="ctr"/>
+              <a:lstStyle/>
+              <a:p>
+                <a:pPr algn="ctr"/>
+                <a:endParaRPr lang="zh-CN" altLang="en-US"/>
+              </a:p>
+            </p:txBody>
+          </p:sp>
+        </p:grpSp>
+        <p:sp>
+          <p:nvSpPr>
+            <p:cNvPr id="87" name="椭圆 86"/>
+            <p:cNvSpPr/>
+            <p:nvPr/>
+          </p:nvSpPr>
+          <p:spPr>
+            <a:xfrm>
+              <a:off x="4422940" y="1642495"/>
+              <a:ext cx="3721190" cy="3721190"/>
+            </a:xfrm>
+            <a:prstGeom prst="ellipse">
+              <a:avLst/>
+            </a:prstGeom>
+            <a:noFill/>
+            <a:ln w="28575">
+              <a:solidFill>
+                <a:schemeClr val="accent6">
+                  <a:lumMod val="40000"/>
+                  <a:lumOff val="60000"/>
+                </a:schemeClr>
+              </a:solidFill>
+              <a:prstDash val="sysDash"/>
+            </a:ln>
+          </p:spPr>
+          <p:style>
+            <a:lnRef idx="2">
+              <a:schemeClr val="accent1">
+                <a:shade val="50000"/>
+              </a:schemeClr>
+            </a:lnRef>
+            <a:fillRef idx="1">
+              <a:schemeClr val="accent1"/>
+            </a:fillRef>
+            <a:effectRef idx="0">
+              <a:schemeClr val="accent1"/>
+            </a:effectRef>
+            <a:fontRef idx="minor">
+              <a:schemeClr val="lt1"/>
+            </a:fontRef>
+          </p:style>
+          <p:txBody>
+            <a:bodyPr rtlCol="0" anchor="ctr"/>
+            <a:lstStyle/>
+            <a:p>
+              <a:pPr algn="ctr"/>
+              <a:endParaRPr lang="zh-CN" altLang="en-US"/>
+            </a:p>
+          </p:txBody>
+        </p:sp>
+        <p:cxnSp>
+          <p:nvCxnSpPr>
+            <p:cNvPr id="88" name="直接连接符 87"/>
+            <p:cNvCxnSpPr>
+              <a:stCxn id="90" idx="0"/>
+            </p:cNvCxnSpPr>
+            <p:nvPr/>
+          </p:nvCxnSpPr>
+          <p:spPr>
+            <a:xfrm flipV="1">
+              <a:off x="6325421" y="3053940"/>
+              <a:ext cx="1746637" cy="433628"/>
+            </a:xfrm>
+            <a:prstGeom prst="line">
+              <a:avLst/>
+            </a:prstGeom>
+            <a:ln w="28575">
+              <a:solidFill>
+                <a:schemeClr val="accent6">
+                  <a:lumMod val="40000"/>
+                  <a:lumOff val="60000"/>
+                </a:schemeClr>
+              </a:solidFill>
+              <a:prstDash val="dash"/>
+              <a:tailEnd type="stealth"/>
+            </a:ln>
+          </p:spPr>
+          <p:style>
+            <a:lnRef idx="1">
+              <a:schemeClr val="accent1"/>
+            </a:lnRef>
+            <a:fillRef idx="0">
+              <a:schemeClr val="accent1"/>
+            </a:fillRef>
+            <a:effectRef idx="0">
+              <a:schemeClr val="accent1"/>
+            </a:effectRef>
+            <a:fontRef idx="minor">
+              <a:schemeClr val="tx1"/>
+            </a:fontRef>
+          </p:style>
+        </p:cxnSp>
+      </p:grpSp>
+    </p:spTree>
+    <p:extLst>
+      <p:ext uri="{BB962C8B-B14F-4D97-AF65-F5344CB8AC3E}">
+        <p14:creationId xmlns:p14="http://schemas.microsoft.com/office/powerpoint/2010/main" val="3565863854"/>
+      </p:ext>
+    </p:extLst>
+  </p:cSld>
+  <p:clrMapOvr>
+    <a:masterClrMapping/>
+  </p:clrMapOvr>
+</p:sld>
+</file>
+
+<file path=ppt/slides/slide6.xml><?xml version="1.0" encoding="utf-8"?>
+<p:sld xmlns:a="http://schemas.openxmlformats.org/drawingml/2006/main" xmlns:r="http://schemas.openxmlformats.org/officeDocument/2006/relationships" xmlns:p="http://schemas.openxmlformats.org/presentationml/2006/main">
+  <p:cSld>
+    <p:spTree>
+      <p:nvGrpSpPr>
+        <p:cNvPr id="1" name=""/>
+        <p:cNvGrpSpPr/>
+        <p:nvPr/>
+      </p:nvGrpSpPr>
+      <p:grpSpPr>
+        <a:xfrm>
+          <a:off x="0" y="0"/>
+          <a:ext cx="0" cy="0"/>
+          <a:chOff x="0" y="0"/>
+          <a:chExt cx="0" cy="0"/>
+        </a:xfrm>
+      </p:grpSpPr>
+      <p:sp>
+        <p:nvSpPr>
+          <p:cNvPr id="39" name="矩形 38"/>
+          <p:cNvSpPr/>
+          <p:nvPr/>
+        </p:nvSpPr>
+        <p:spPr>
+          <a:xfrm rot="5400000">
+            <a:off x="904957" y="722801"/>
+            <a:ext cx="530552" cy="395294"/>
+          </a:xfrm>
+          <a:prstGeom prst="rect">
+            <a:avLst/>
+          </a:prstGeom>
+          <a:solidFill>
+            <a:schemeClr val="bg1"/>
+          </a:solidFill>
+          <a:ln>
+            <a:solidFill>
+              <a:schemeClr val="bg1"/>
+            </a:solidFill>
+          </a:ln>
+        </p:spPr>
+        <p:style>
+          <a:lnRef idx="2">
+            <a:schemeClr val="accent1">
+              <a:shade val="50000"/>
+            </a:schemeClr>
+          </a:lnRef>
+          <a:fillRef idx="1">
+            <a:schemeClr val="accent1"/>
+          </a:fillRef>
+          <a:effectRef idx="0">
+            <a:schemeClr val="accent1"/>
+          </a:effectRef>
+          <a:fontRef idx="minor">
+            <a:schemeClr val="lt1"/>
+          </a:fontRef>
+        </p:style>
+        <p:txBody>
+          <a:bodyPr rtlCol="0" anchor="ctr"/>
+          <a:lstStyle/>
+          <a:p>
+            <a:pPr algn="ctr"/>
+            <a:endParaRPr lang="zh-CN" altLang="en-US"/>
+          </a:p>
+        </p:txBody>
+      </p:sp>
+      <p:grpSp>
+        <p:nvGrpSpPr>
+          <p:cNvPr id="15" name="组合 14"/>
+          <p:cNvGrpSpPr/>
+          <p:nvPr/>
+        </p:nvGrpSpPr>
+        <p:grpSpPr>
+          <a:xfrm>
+            <a:off x="212170" y="1626972"/>
+            <a:ext cx="4700126" cy="3746815"/>
+            <a:chOff x="212170" y="1626972"/>
+            <a:chExt cx="4700126" cy="3746815"/>
+          </a:xfrm>
+        </p:grpSpPr>
+        <p:grpSp>
+          <p:nvGrpSpPr>
+            <p:cNvPr id="5" name="组合 4"/>
+            <p:cNvGrpSpPr/>
+            <p:nvPr/>
+          </p:nvGrpSpPr>
+          <p:grpSpPr>
+            <a:xfrm>
+              <a:off x="212170" y="1626972"/>
+              <a:ext cx="3721190" cy="3721190"/>
+              <a:chOff x="3406158" y="1634582"/>
+              <a:chExt cx="3721190" cy="3721190"/>
+            </a:xfrm>
+          </p:grpSpPr>
+          <p:grpSp>
+            <p:nvGrpSpPr>
+              <p:cNvPr id="19" name="组合 18"/>
+              <p:cNvGrpSpPr/>
+              <p:nvPr/>
+            </p:nvGrpSpPr>
+            <p:grpSpPr>
+              <a:xfrm rot="5400000">
+                <a:off x="4677512" y="2905937"/>
+                <a:ext cx="683100" cy="1178481"/>
+                <a:chOff x="7343998" y="4088677"/>
+                <a:chExt cx="990293" cy="1708449"/>
+              </a:xfrm>
+            </p:grpSpPr>
+            <p:grpSp>
+              <p:nvGrpSpPr>
+                <p:cNvPr id="17" name="组合 16"/>
+                <p:cNvGrpSpPr/>
+                <p:nvPr/>
+              </p:nvGrpSpPr>
+              <p:grpSpPr>
+                <a:xfrm>
+                  <a:off x="7343998" y="4088677"/>
+                  <a:ext cx="990293" cy="1701643"/>
+                  <a:chOff x="7343998" y="4088677"/>
+                  <a:chExt cx="990293" cy="1701643"/>
+                </a:xfrm>
+              </p:grpSpPr>
+              <p:sp>
+                <p:nvSpPr>
+                  <p:cNvPr id="3" name="椭圆 2"/>
+                  <p:cNvSpPr/>
+                  <p:nvPr/>
+                </p:nvSpPr>
+                <p:spPr>
+                  <a:xfrm>
+                    <a:off x="7343998" y="4088677"/>
+                    <a:ext cx="990293" cy="990293"/>
+                  </a:xfrm>
+                  <a:prstGeom prst="ellipse">
+                    <a:avLst/>
+                  </a:prstGeom>
+                  <a:noFill/>
+                  <a:ln w="28575">
+                    <a:solidFill>
+                      <a:schemeClr val="tx1">
+                        <a:lumMod val="65000"/>
+                        <a:lumOff val="35000"/>
+                      </a:schemeClr>
+                    </a:solidFill>
+                  </a:ln>
+                </p:spPr>
+                <p:style>
+                  <a:lnRef idx="2">
+                    <a:schemeClr val="accent1">
+                      <a:shade val="50000"/>
+                    </a:schemeClr>
+                  </a:lnRef>
+                  <a:fillRef idx="1">
+                    <a:schemeClr val="accent1"/>
+                  </a:fillRef>
+                  <a:effectRef idx="0">
+                    <a:schemeClr val="accent1"/>
+                  </a:effectRef>
+                  <a:fontRef idx="minor">
+                    <a:schemeClr val="lt1"/>
+                  </a:fontRef>
+                </p:style>
+                <p:txBody>
+                  <a:bodyPr rtlCol="0" anchor="ctr"/>
+                  <a:lstStyle/>
+                  <a:p>
+                    <a:pPr algn="ctr"/>
+                    <a:endParaRPr lang="zh-CN" altLang="en-US"/>
+                  </a:p>
+                </p:txBody>
+              </p:sp>
+              <p:sp>
+                <p:nvSpPr>
+                  <p:cNvPr id="4" name="椭圆 3"/>
+                  <p:cNvSpPr/>
+                  <p:nvPr/>
+                </p:nvSpPr>
+                <p:spPr>
+                  <a:xfrm>
+                    <a:off x="7778423" y="4523102"/>
+                    <a:ext cx="121444" cy="121444"/>
+                  </a:xfrm>
+                  <a:prstGeom prst="ellipse">
+                    <a:avLst/>
+                  </a:prstGeom>
+                  <a:noFill/>
+                  <a:ln w="28575">
+                    <a:solidFill>
+                      <a:schemeClr val="tx1">
+                        <a:lumMod val="50000"/>
+                        <a:lumOff val="50000"/>
+                      </a:schemeClr>
+                    </a:solidFill>
+                  </a:ln>
+                </p:spPr>
+                <p:style>
+                  <a:lnRef idx="2">
+                    <a:schemeClr val="accent1">
+                      <a:shade val="50000"/>
+                    </a:schemeClr>
+                  </a:lnRef>
+                  <a:fillRef idx="1">
+                    <a:schemeClr val="accent1"/>
+                  </a:fillRef>
+                  <a:effectRef idx="0">
+                    <a:schemeClr val="accent1"/>
+                  </a:effectRef>
+                  <a:fontRef idx="minor">
+                    <a:schemeClr val="lt1"/>
+                  </a:fontRef>
+                </p:style>
+                <p:txBody>
+                  <a:bodyPr rtlCol="0" anchor="ctr"/>
+                  <a:lstStyle/>
+                  <a:p>
+                    <a:pPr algn="ctr"/>
+                    <a:endParaRPr lang="zh-CN" altLang="en-US"/>
+                  </a:p>
+                </p:txBody>
+              </p:sp>
+              <p:sp>
+                <p:nvSpPr>
+                  <p:cNvPr id="9" name="矩形 8"/>
+                  <p:cNvSpPr/>
+                  <p:nvPr/>
+                </p:nvSpPr>
+                <p:spPr>
+                  <a:xfrm rot="5400000">
+                    <a:off x="7482940" y="5389103"/>
+                    <a:ext cx="711348" cy="91086"/>
+                  </a:xfrm>
+                  <a:prstGeom prst="rect">
+                    <a:avLst/>
+                  </a:prstGeom>
+                  <a:noFill/>
+                  <a:ln w="28575">
+                    <a:solidFill>
+                      <a:schemeClr val="bg1">
+                        <a:lumMod val="50000"/>
+                      </a:schemeClr>
+                    </a:solidFill>
+                  </a:ln>
+                </p:spPr>
+                <p:style>
+                  <a:lnRef idx="2">
+                    <a:schemeClr val="accent1">
+                      <a:shade val="50000"/>
+                    </a:schemeClr>
+                  </a:lnRef>
+                  <a:fillRef idx="1">
+                    <a:schemeClr val="accent1"/>
+                  </a:fillRef>
+                  <a:effectRef idx="0">
+                    <a:schemeClr val="accent1"/>
+                  </a:effectRef>
+                  <a:fontRef idx="minor">
+                    <a:schemeClr val="lt1"/>
+                  </a:fontRef>
+                </p:style>
+                <p:txBody>
+                  <a:bodyPr rtlCol="0" anchor="ctr"/>
+                  <a:lstStyle/>
+                  <a:p>
+                    <a:pPr algn="ctr"/>
+                    <a:endParaRPr lang="zh-CN" altLang="en-US"/>
+                  </a:p>
+                </p:txBody>
+              </p:sp>
+              <p:sp>
+                <p:nvSpPr>
+                  <p:cNvPr id="10" name="圆角矩形 9"/>
+                  <p:cNvSpPr/>
+                  <p:nvPr/>
+                </p:nvSpPr>
+                <p:spPr>
+                  <a:xfrm>
+                    <a:off x="7778423" y="5117626"/>
+                    <a:ext cx="133995" cy="57287"/>
+                  </a:xfrm>
+                  <a:prstGeom prst="roundRect">
+                    <a:avLst/>
+                  </a:prstGeom>
+                  <a:solidFill>
+                    <a:schemeClr val="bg1"/>
+                  </a:solidFill>
+                  <a:ln w="28575">
+                    <a:solidFill>
+                      <a:schemeClr val="tx1">
+                        <a:lumMod val="65000"/>
+                        <a:lumOff val="35000"/>
+                      </a:schemeClr>
+                    </a:solidFill>
+                  </a:ln>
+                </p:spPr>
+                <p:style>
+                  <a:lnRef idx="2">
+                    <a:schemeClr val="accent1">
+                      <a:shade val="50000"/>
+                    </a:schemeClr>
+                  </a:lnRef>
+                  <a:fillRef idx="1">
+                    <a:schemeClr val="accent1"/>
+                  </a:fillRef>
+                  <a:effectRef idx="0">
+                    <a:schemeClr val="accent1"/>
+                  </a:effectRef>
+                  <a:fontRef idx="minor">
+                    <a:schemeClr val="lt1"/>
+                  </a:fontRef>
+                </p:style>
+                <p:txBody>
+                  <a:bodyPr rtlCol="0" anchor="ctr"/>
+                  <a:lstStyle/>
+                  <a:p>
+                    <a:pPr algn="ctr"/>
+                    <a:endParaRPr lang="zh-CN" altLang="en-US"/>
+                  </a:p>
+                </p:txBody>
+              </p:sp>
+            </p:grpSp>
+            <p:sp>
+              <p:nvSpPr>
+                <p:cNvPr id="18" name="矩形 17"/>
+                <p:cNvSpPr/>
+                <p:nvPr/>
+              </p:nvSpPr>
+              <p:spPr>
+                <a:xfrm>
+                  <a:off x="7659584" y="5620306"/>
+                  <a:ext cx="358060" cy="176820"/>
+                </a:xfrm>
+                <a:prstGeom prst="rect">
+                  <a:avLst/>
+                </a:prstGeom>
+                <a:solidFill>
+                  <a:schemeClr val="bg1"/>
+                </a:solidFill>
+                <a:ln w="28575">
+                  <a:solidFill>
+                    <a:schemeClr val="bg1"/>
+                  </a:solidFill>
+                </a:ln>
+              </p:spPr>
+              <p:style>
+                <a:lnRef idx="2">
+                  <a:schemeClr val="accent1">
+                    <a:shade val="50000"/>
+                  </a:schemeClr>
+                </a:lnRef>
+                <a:fillRef idx="1">
+                  <a:schemeClr val="accent1"/>
+                </a:fillRef>
+                <a:effectRef idx="0">
+                  <a:schemeClr val="accent1"/>
+                </a:effectRef>
+                <a:fontRef idx="minor">
+                  <a:schemeClr val="lt1"/>
+                </a:fontRef>
+              </p:style>
+              <p:txBody>
+                <a:bodyPr rtlCol="0" anchor="ctr"/>
+                <a:lstStyle/>
+                <a:p>
+                  <a:pPr algn="ctr"/>
+                  <a:endParaRPr lang="zh-CN" altLang="en-US"/>
+                </a:p>
+              </p:txBody>
+            </p:sp>
+          </p:grpSp>
+          <p:grpSp>
+            <p:nvGrpSpPr>
+              <p:cNvPr id="2" name="组合 1"/>
+              <p:cNvGrpSpPr/>
+              <p:nvPr/>
+            </p:nvGrpSpPr>
+            <p:grpSpPr>
+              <a:xfrm>
+                <a:off x="3406158" y="1634582"/>
+                <a:ext cx="3721190" cy="3721190"/>
+                <a:chOff x="3406158" y="1634582"/>
+                <a:chExt cx="3721190" cy="3721190"/>
+              </a:xfrm>
+            </p:grpSpPr>
+            <p:sp>
+              <p:nvSpPr>
+                <p:cNvPr id="20" name="椭圆 19"/>
+                <p:cNvSpPr/>
+                <p:nvPr/>
+              </p:nvSpPr>
+              <p:spPr>
+                <a:xfrm>
+                  <a:off x="3406158" y="1634582"/>
+                  <a:ext cx="3721190" cy="3721190"/>
+                </a:xfrm>
+                <a:prstGeom prst="ellipse">
+                  <a:avLst/>
+                </a:prstGeom>
+                <a:noFill/>
+                <a:ln w="28575">
+                  <a:solidFill>
+                    <a:schemeClr val="accent5">
+                      <a:lumMod val="40000"/>
+                      <a:lumOff val="60000"/>
+                    </a:schemeClr>
+                  </a:solidFill>
+                </a:ln>
+              </p:spPr>
+              <p:style>
+                <a:lnRef idx="2">
+                  <a:schemeClr val="accent1">
+                    <a:shade val="50000"/>
+                  </a:schemeClr>
+                </a:lnRef>
+                <a:fillRef idx="1">
+                  <a:schemeClr val="accent1"/>
+                </a:fillRef>
+                <a:effectRef idx="0">
+                  <a:schemeClr val="accent1"/>
+                </a:effectRef>
+                <a:fontRef idx="minor">
+                  <a:schemeClr val="lt1"/>
+                </a:fontRef>
+              </p:style>
+              <p:txBody>
+                <a:bodyPr rtlCol="0" anchor="ctr"/>
+                <a:lstStyle/>
+                <a:p>
+                  <a:pPr algn="ctr"/>
+                  <a:endParaRPr lang="zh-CN" altLang="en-US"/>
+                </a:p>
+              </p:txBody>
+            </p:sp>
+            <p:cxnSp>
+              <p:nvCxnSpPr>
+                <p:cNvPr id="38" name="直接连接符 37"/>
+                <p:cNvCxnSpPr>
+                  <a:stCxn id="4" idx="2"/>
+                  <a:endCxn id="20" idx="0"/>
+                </p:cNvCxnSpPr>
+                <p:nvPr/>
+              </p:nvCxnSpPr>
+              <p:spPr>
+                <a:xfrm flipV="1">
+                  <a:off x="5266753" y="1634582"/>
+                  <a:ext cx="0" cy="1818709"/>
+                </a:xfrm>
+                <a:prstGeom prst="line">
+                  <a:avLst/>
+                </a:prstGeom>
+                <a:ln w="28575">
+                  <a:prstDash val="solid"/>
+                  <a:headEnd type="none"/>
+                  <a:tailEnd type="stealth"/>
+                </a:ln>
+              </p:spPr>
+              <p:style>
+                <a:lnRef idx="1">
+                  <a:schemeClr val="accent1"/>
+                </a:lnRef>
+                <a:fillRef idx="0">
+                  <a:schemeClr val="accent1"/>
+                </a:fillRef>
+                <a:effectRef idx="0">
+                  <a:schemeClr val="accent1"/>
+                </a:effectRef>
+                <a:fontRef idx="minor">
+                  <a:schemeClr val="tx1"/>
+                </a:fontRef>
+              </p:style>
+            </p:cxnSp>
+          </p:grpSp>
+        </p:grpSp>
+        <p:grpSp>
+          <p:nvGrpSpPr>
+            <p:cNvPr id="6" name="组合 5"/>
+            <p:cNvGrpSpPr/>
+            <p:nvPr/>
+          </p:nvGrpSpPr>
+          <p:grpSpPr>
+            <a:xfrm>
+              <a:off x="702856" y="1645260"/>
+              <a:ext cx="3721190" cy="3721190"/>
+              <a:chOff x="4422940" y="1642495"/>
+              <a:chExt cx="3721190" cy="3721190"/>
+            </a:xfrm>
+          </p:grpSpPr>
+          <p:sp>
+            <p:nvSpPr>
+              <p:cNvPr id="36" name="椭圆 35"/>
+              <p:cNvSpPr/>
+              <p:nvPr/>
+            </p:nvSpPr>
+            <p:spPr>
+              <a:xfrm>
+                <a:off x="4422940" y="1642495"/>
+                <a:ext cx="3721190" cy="3721190"/>
+              </a:xfrm>
+              <a:prstGeom prst="ellipse">
+                <a:avLst/>
+              </a:prstGeom>
+              <a:noFill/>
+              <a:ln w="28575">
+                <a:solidFill>
+                  <a:schemeClr val="accent2">
+                    <a:lumMod val="40000"/>
+                    <a:lumOff val="60000"/>
+                  </a:schemeClr>
+                </a:solidFill>
+                <a:prstDash val="sysDash"/>
+              </a:ln>
+            </p:spPr>
+            <p:style>
+              <a:lnRef idx="2">
+                <a:schemeClr val="accent1">
+                  <a:shade val="50000"/>
+                </a:schemeClr>
+              </a:lnRef>
+              <a:fillRef idx="1">
+                <a:schemeClr val="accent1"/>
+              </a:fillRef>
+              <a:effectRef idx="0">
+                <a:schemeClr val="accent1"/>
+              </a:effectRef>
+              <a:fontRef idx="minor">
+                <a:schemeClr val="lt1"/>
+              </a:fontRef>
+            </p:style>
+            <p:txBody>
+              <a:bodyPr rtlCol="0" anchor="ctr"/>
+              <a:lstStyle/>
+              <a:p>
+                <a:pPr algn="ctr"/>
+                <a:endParaRPr lang="zh-CN" altLang="en-US"/>
+              </a:p>
+            </p:txBody>
+          </p:sp>
+          <p:grpSp>
+            <p:nvGrpSpPr>
+              <p:cNvPr id="29" name="组合 28"/>
+              <p:cNvGrpSpPr/>
+              <p:nvPr/>
+            </p:nvGrpSpPr>
+            <p:grpSpPr>
+              <a:xfrm rot="5400000">
+                <a:off x="5941985" y="3146018"/>
+                <a:ext cx="683100" cy="683100"/>
+                <a:chOff x="7343998" y="4088677"/>
+                <a:chExt cx="990293" cy="990293"/>
+              </a:xfrm>
+            </p:grpSpPr>
+            <p:sp>
+              <p:nvSpPr>
+                <p:cNvPr id="31" name="椭圆 30"/>
+                <p:cNvSpPr/>
+                <p:nvPr/>
+              </p:nvSpPr>
+              <p:spPr>
+                <a:xfrm>
+                  <a:off x="7343998" y="4088677"/>
+                  <a:ext cx="990293" cy="990293"/>
+                </a:xfrm>
+                <a:prstGeom prst="ellipse">
+                  <a:avLst/>
+                </a:prstGeom>
+                <a:solidFill>
+                  <a:schemeClr val="bg1"/>
+                </a:solidFill>
+                <a:ln w="28575">
+                  <a:solidFill>
+                    <a:schemeClr val="tx1">
+                      <a:lumMod val="65000"/>
+                      <a:lumOff val="35000"/>
+                    </a:schemeClr>
+                  </a:solidFill>
+                  <a:prstDash val="sysDash"/>
+                </a:ln>
+              </p:spPr>
+              <p:style>
+                <a:lnRef idx="2">
+                  <a:schemeClr val="accent1">
+                    <a:shade val="50000"/>
+                  </a:schemeClr>
+                </a:lnRef>
+                <a:fillRef idx="1">
+                  <a:schemeClr val="accent1"/>
+                </a:fillRef>
+                <a:effectRef idx="0">
+                  <a:schemeClr val="accent1"/>
+                </a:effectRef>
+                <a:fontRef idx="minor">
+                  <a:schemeClr val="lt1"/>
+                </a:fontRef>
+              </p:style>
+              <p:txBody>
+                <a:bodyPr rtlCol="0" anchor="ctr"/>
+                <a:lstStyle/>
+                <a:p>
+                  <a:pPr algn="ctr"/>
+                  <a:endParaRPr lang="zh-CN" altLang="en-US"/>
+                </a:p>
+              </p:txBody>
+            </p:sp>
+            <p:sp>
+              <p:nvSpPr>
+                <p:cNvPr id="32" name="椭圆 31"/>
+                <p:cNvSpPr/>
+                <p:nvPr/>
+              </p:nvSpPr>
+              <p:spPr>
+                <a:xfrm>
+                  <a:off x="7778423" y="4523102"/>
+                  <a:ext cx="121444" cy="121444"/>
+                </a:xfrm>
+                <a:prstGeom prst="ellipse">
+                  <a:avLst/>
+                </a:prstGeom>
+                <a:noFill/>
+                <a:ln w="28575">
+                  <a:solidFill>
+                    <a:schemeClr val="tx1">
+                      <a:lumMod val="50000"/>
+                      <a:lumOff val="50000"/>
+                    </a:schemeClr>
+                  </a:solidFill>
+                  <a:prstDash val="sysDash"/>
+                </a:ln>
+              </p:spPr>
+              <p:style>
+                <a:lnRef idx="2">
+                  <a:schemeClr val="accent1">
+                    <a:shade val="50000"/>
+                  </a:schemeClr>
+                </a:lnRef>
+                <a:fillRef idx="1">
+                  <a:schemeClr val="accent1"/>
+                </a:fillRef>
+                <a:effectRef idx="0">
+                  <a:schemeClr val="accent1"/>
+                </a:effectRef>
+                <a:fontRef idx="minor">
+                  <a:schemeClr val="lt1"/>
+                </a:fontRef>
+              </p:style>
+              <p:txBody>
+                <a:bodyPr rtlCol="0" anchor="ctr"/>
+                <a:lstStyle/>
+                <a:p>
+                  <a:pPr algn="ctr"/>
+                  <a:endParaRPr lang="zh-CN" altLang="en-US"/>
+                </a:p>
+              </p:txBody>
+            </p:sp>
+          </p:grpSp>
+          <p:sp>
+            <p:nvSpPr>
+              <p:cNvPr id="30" name="矩形 29"/>
+              <p:cNvSpPr/>
+              <p:nvPr/>
+            </p:nvSpPr>
+            <p:spPr>
+              <a:xfrm rot="5400000">
+                <a:off x="5601875" y="3464786"/>
+                <a:ext cx="98997" cy="45719"/>
+              </a:xfrm>
+              <a:prstGeom prst="rect">
+                <a:avLst/>
+              </a:prstGeom>
+              <a:solidFill>
+                <a:schemeClr val="bg1"/>
+              </a:solidFill>
+              <a:ln w="28575">
+                <a:solidFill>
+                  <a:schemeClr val="bg1"/>
+                </a:solidFill>
+              </a:ln>
+            </p:spPr>
+            <p:style>
+              <a:lnRef idx="2">
+                <a:schemeClr val="accent1">
+                  <a:shade val="50000"/>
+                </a:schemeClr>
+              </a:lnRef>
+              <a:fillRef idx="1">
+                <a:schemeClr val="accent1"/>
+              </a:fillRef>
+              <a:effectRef idx="0">
+                <a:schemeClr val="accent1"/>
+              </a:effectRef>
+              <a:fontRef idx="minor">
+                <a:schemeClr val="lt1"/>
+              </a:fontRef>
+            </p:style>
+            <p:txBody>
+              <a:bodyPr rtlCol="0" anchor="ctr"/>
+              <a:lstStyle/>
+              <a:p>
+                <a:pPr algn="ctr"/>
+                <a:endParaRPr lang="zh-CN" altLang="en-US"/>
+              </a:p>
+            </p:txBody>
+          </p:sp>
+          <p:cxnSp>
+            <p:nvCxnSpPr>
+              <p:cNvPr id="40" name="直接连接符 39"/>
+              <p:cNvCxnSpPr>
+                <a:stCxn id="32" idx="1"/>
+              </p:cNvCxnSpPr>
+              <p:nvPr/>
+            </p:nvCxnSpPr>
+            <p:spPr>
+              <a:xfrm flipV="1">
+                <a:off x="6313153" y="1944079"/>
+                <a:ext cx="972076" cy="1513872"/>
+              </a:xfrm>
+              <a:prstGeom prst="line">
+                <a:avLst/>
+              </a:prstGeom>
+              <a:ln w="28575">
+                <a:solidFill>
+                  <a:schemeClr val="accent2">
+                    <a:lumMod val="40000"/>
+                    <a:lumOff val="60000"/>
+                  </a:schemeClr>
+                </a:solidFill>
+                <a:prstDash val="dash"/>
+                <a:tailEnd type="stealth"/>
+              </a:ln>
+            </p:spPr>
+            <p:style>
+              <a:lnRef idx="1">
+                <a:schemeClr val="accent1"/>
+              </a:lnRef>
+              <a:fillRef idx="0">
+                <a:schemeClr val="accent1"/>
+              </a:fillRef>
+              <a:effectRef idx="0">
+                <a:schemeClr val="accent1"/>
+              </a:effectRef>
+              <a:fontRef idx="minor">
+                <a:schemeClr val="tx1"/>
+              </a:fontRef>
+            </p:style>
+          </p:cxnSp>
+        </p:grpSp>
+        <p:grpSp>
+          <p:nvGrpSpPr>
+            <p:cNvPr id="22" name="组合 21"/>
+            <p:cNvGrpSpPr/>
+            <p:nvPr/>
+          </p:nvGrpSpPr>
+          <p:grpSpPr>
+            <a:xfrm>
+              <a:off x="1191106" y="1652597"/>
+              <a:ext cx="3721190" cy="3721190"/>
+              <a:chOff x="4422940" y="1642495"/>
+              <a:chExt cx="3721190" cy="3721190"/>
+            </a:xfrm>
+          </p:grpSpPr>
+          <p:grpSp>
+            <p:nvGrpSpPr>
+              <p:cNvPr id="23" name="组合 22"/>
+              <p:cNvGrpSpPr/>
+              <p:nvPr/>
+            </p:nvGrpSpPr>
+            <p:grpSpPr>
+              <a:xfrm rot="5400000">
+                <a:off x="5941985" y="3146018"/>
+                <a:ext cx="683100" cy="683100"/>
+                <a:chOff x="7343998" y="4088677"/>
+                <a:chExt cx="990293" cy="990293"/>
+              </a:xfrm>
+            </p:grpSpPr>
+            <p:sp>
+              <p:nvSpPr>
+                <p:cNvPr id="27" name="椭圆 26"/>
+                <p:cNvSpPr/>
+                <p:nvPr/>
+              </p:nvSpPr>
+              <p:spPr>
+                <a:xfrm>
+                  <a:off x="7343998" y="4088677"/>
+                  <a:ext cx="990293" cy="990293"/>
+                </a:xfrm>
+                <a:prstGeom prst="ellipse">
+                  <a:avLst/>
+                </a:prstGeom>
+                <a:noFill/>
+                <a:ln w="28575">
+                  <a:solidFill>
+                    <a:schemeClr val="tx1">
+                      <a:lumMod val="65000"/>
+                      <a:lumOff val="35000"/>
+                    </a:schemeClr>
+                  </a:solidFill>
+                  <a:prstDash val="sysDash"/>
+                </a:ln>
+              </p:spPr>
+              <p:style>
+                <a:lnRef idx="2">
+                  <a:schemeClr val="accent1">
+                    <a:shade val="50000"/>
+                  </a:schemeClr>
+                </a:lnRef>
+                <a:fillRef idx="1">
+                  <a:schemeClr val="accent1"/>
+                </a:fillRef>
+                <a:effectRef idx="0">
+                  <a:schemeClr val="accent1"/>
+                </a:effectRef>
+                <a:fontRef idx="minor">
+                  <a:schemeClr val="lt1"/>
+                </a:fontRef>
+              </p:style>
+              <p:txBody>
+                <a:bodyPr rtlCol="0" anchor="ctr"/>
+                <a:lstStyle/>
+                <a:p>
+                  <a:pPr algn="ctr"/>
+                  <a:endParaRPr lang="zh-CN" altLang="en-US"/>
+                </a:p>
+              </p:txBody>
+            </p:sp>
+            <p:sp>
+              <p:nvSpPr>
+                <p:cNvPr id="28" name="椭圆 27"/>
+                <p:cNvSpPr/>
+                <p:nvPr/>
+              </p:nvSpPr>
+              <p:spPr>
+                <a:xfrm>
+                  <a:off x="7778423" y="4523102"/>
+                  <a:ext cx="121444" cy="121444"/>
+                </a:xfrm>
+                <a:prstGeom prst="ellipse">
+                  <a:avLst/>
+                </a:prstGeom>
+                <a:noFill/>
+                <a:ln w="28575">
+                  <a:solidFill>
+                    <a:schemeClr val="tx1">
+                      <a:lumMod val="50000"/>
+                      <a:lumOff val="50000"/>
+                    </a:schemeClr>
+                  </a:solidFill>
+                  <a:prstDash val="sysDash"/>
+                </a:ln>
+              </p:spPr>
+              <p:style>
+                <a:lnRef idx="2">
+                  <a:schemeClr val="accent1">
+                    <a:shade val="50000"/>
+                  </a:schemeClr>
+                </a:lnRef>
+                <a:fillRef idx="1">
+                  <a:schemeClr val="accent1"/>
+                </a:fillRef>
+                <a:effectRef idx="0">
+                  <a:schemeClr val="accent1"/>
+                </a:effectRef>
+                <a:fontRef idx="minor">
+                  <a:schemeClr val="lt1"/>
+                </a:fontRef>
+              </p:style>
+              <p:txBody>
+                <a:bodyPr rtlCol="0" anchor="ctr"/>
+                <a:lstStyle/>
+                <a:p>
+                  <a:pPr algn="ctr"/>
+                  <a:endParaRPr lang="zh-CN" altLang="en-US"/>
+                </a:p>
+              </p:txBody>
+            </p:sp>
+          </p:grpSp>
+          <p:sp>
+            <p:nvSpPr>
+              <p:cNvPr id="24" name="矩形 23"/>
+              <p:cNvSpPr/>
+              <p:nvPr/>
+            </p:nvSpPr>
+            <p:spPr>
+              <a:xfrm rot="5400000">
+                <a:off x="5601875" y="3464786"/>
+                <a:ext cx="98997" cy="45719"/>
+              </a:xfrm>
+              <a:prstGeom prst="rect">
+                <a:avLst/>
+              </a:prstGeom>
+              <a:solidFill>
+                <a:schemeClr val="bg1"/>
+              </a:solidFill>
+              <a:ln w="28575">
+                <a:solidFill>
+                  <a:schemeClr val="bg1"/>
+                </a:solidFill>
+              </a:ln>
+            </p:spPr>
+            <p:style>
+              <a:lnRef idx="2">
+                <a:schemeClr val="accent1">
+                  <a:shade val="50000"/>
+                </a:schemeClr>
+              </a:lnRef>
+              <a:fillRef idx="1">
+                <a:schemeClr val="accent1"/>
+              </a:fillRef>
+              <a:effectRef idx="0">
+                <a:schemeClr val="accent1"/>
+              </a:effectRef>
+              <a:fontRef idx="minor">
+                <a:schemeClr val="lt1"/>
+              </a:fontRef>
+            </p:style>
+            <p:txBody>
+              <a:bodyPr rtlCol="0" anchor="ctr"/>
+              <a:lstStyle/>
+              <a:p>
+                <a:pPr algn="ctr"/>
+                <a:endParaRPr lang="zh-CN" altLang="en-US"/>
+              </a:p>
+            </p:txBody>
+          </p:sp>
+          <p:sp>
+            <p:nvSpPr>
+              <p:cNvPr id="25" name="椭圆 24"/>
+              <p:cNvSpPr/>
+              <p:nvPr/>
+            </p:nvSpPr>
+            <p:spPr>
+              <a:xfrm>
+                <a:off x="4422940" y="1642495"/>
+                <a:ext cx="3721190" cy="3721190"/>
+              </a:xfrm>
+              <a:prstGeom prst="ellipse">
+                <a:avLst/>
+              </a:prstGeom>
+              <a:noFill/>
+              <a:ln w="28575">
+                <a:solidFill>
+                  <a:schemeClr val="accent6">
+                    <a:lumMod val="40000"/>
+                    <a:lumOff val="60000"/>
+                  </a:schemeClr>
+                </a:solidFill>
+                <a:prstDash val="sysDash"/>
+              </a:ln>
+            </p:spPr>
+            <p:style>
+              <a:lnRef idx="2">
+                <a:schemeClr val="accent1">
+                  <a:shade val="50000"/>
+                </a:schemeClr>
+              </a:lnRef>
+              <a:fillRef idx="1">
+                <a:schemeClr val="accent1"/>
+              </a:fillRef>
+              <a:effectRef idx="0">
+                <a:schemeClr val="accent1"/>
+              </a:effectRef>
+              <a:fontRef idx="minor">
+                <a:schemeClr val="lt1"/>
+              </a:fontRef>
+            </p:style>
+            <p:txBody>
+              <a:bodyPr rtlCol="0" anchor="ctr"/>
+              <a:lstStyle/>
+              <a:p>
+                <a:pPr algn="ctr"/>
+                <a:endParaRPr lang="zh-CN" altLang="en-US"/>
+              </a:p>
+            </p:txBody>
+          </p:sp>
+          <p:cxnSp>
+            <p:nvCxnSpPr>
+              <p:cNvPr id="26" name="直接连接符 25"/>
+              <p:cNvCxnSpPr>
+                <a:stCxn id="28" idx="0"/>
+              </p:cNvCxnSpPr>
+              <p:nvPr/>
+            </p:nvCxnSpPr>
+            <p:spPr>
+              <a:xfrm flipV="1">
+                <a:off x="6325421" y="3053940"/>
+                <a:ext cx="1746637" cy="433628"/>
+              </a:xfrm>
+              <a:prstGeom prst="line">
+                <a:avLst/>
+              </a:prstGeom>
+              <a:ln w="28575">
+                <a:solidFill>
+                  <a:schemeClr val="accent6">
+                    <a:lumMod val="40000"/>
+                    <a:lumOff val="60000"/>
+                  </a:schemeClr>
+                </a:solidFill>
+                <a:prstDash val="dash"/>
+                <a:tailEnd type="stealth"/>
+              </a:ln>
+            </p:spPr>
+            <p:style>
+              <a:lnRef idx="1">
+                <a:schemeClr val="accent1"/>
+              </a:lnRef>
+              <a:fillRef idx="0">
+                <a:schemeClr val="accent1"/>
+              </a:fillRef>
+              <a:effectRef idx="0">
+                <a:schemeClr val="accent1"/>
+              </a:effectRef>
+              <a:fontRef idx="minor">
+                <a:schemeClr val="tx1"/>
+              </a:fontRef>
+            </p:style>
+          </p:cxnSp>
+        </p:grpSp>
+      </p:grpSp>
+    </p:spTree>
+    <p:extLst>
+      <p:ext uri="{BB962C8B-B14F-4D97-AF65-F5344CB8AC3E}">
+        <p14:creationId xmlns:p14="http://schemas.microsoft.com/office/powerpoint/2010/main" val="2857857669"/>
       </p:ext>
     </p:extLst>
   </p:cSld>

--- a/示意图.pptx
+++ b/示意图.pptx
@@ -11,6 +11,7 @@
     <p:sldId id="259" r:id="rId5"/>
     <p:sldId id="260" r:id="rId6"/>
     <p:sldId id="261" r:id="rId7"/>
+    <p:sldId id="262" r:id="rId8"/>
   </p:sldIdLst>
   <p:sldSz cx="12192000" cy="6858000"/>
   <p:notesSz cx="6858000" cy="9144000"/>
@@ -3632,7 +3633,7 @@
           <a:graphicData uri="http://schemas.openxmlformats.org/presentationml/2006/ole">
             <mc:AlternateContent xmlns:mc="http://schemas.openxmlformats.org/markup-compatibility/2006">
               <mc:Choice xmlns:v="urn:schemas-microsoft-com:vml" Requires="v">
-                <p:oleObj spid="_x0000_s1049" name="Equation" r:id="rId4" imgW="152280" imgH="139680" progId="Equation.DSMT4">
+                <p:oleObj spid="_x0000_s1057" name="Equation" r:id="rId4" imgW="152280" imgH="139680" progId="Equation.DSMT4">
                   <p:embed/>
                 </p:oleObj>
               </mc:Choice>
@@ -3689,7 +3690,7 @@
           <a:graphicData uri="http://schemas.openxmlformats.org/presentationml/2006/ole">
             <mc:AlternateContent xmlns:mc="http://schemas.openxmlformats.org/markup-compatibility/2006">
               <mc:Choice xmlns:v="urn:schemas-microsoft-com:vml" Requires="v">
-                <p:oleObj spid="_x0000_s1050" name="Equation" r:id="rId6" imgW="152280" imgH="139680" progId="Equation.DSMT4">
+                <p:oleObj spid="_x0000_s1058" name="Equation" r:id="rId6" imgW="152280" imgH="139680" progId="Equation.DSMT4">
                   <p:embed/>
                 </p:oleObj>
               </mc:Choice>
@@ -4389,7 +4390,7 @@
           <a:graphicData uri="http://schemas.openxmlformats.org/presentationml/2006/ole">
             <mc:AlternateContent xmlns:mc="http://schemas.openxmlformats.org/markup-compatibility/2006">
               <mc:Choice xmlns:v="urn:schemas-microsoft-com:vml" Requires="v">
-                <p:oleObj spid="_x0000_s1051" name="Equation" r:id="rId8" imgW="152280" imgH="139680" progId="Equation.DSMT4">
+                <p:oleObj spid="_x0000_s1059" name="Equation" r:id="rId8" imgW="152280" imgH="139680" progId="Equation.DSMT4">
                   <p:embed/>
                 </p:oleObj>
               </mc:Choice>
@@ -4986,7 +4987,7 @@
           <a:graphicData uri="http://schemas.openxmlformats.org/presentationml/2006/ole">
             <mc:AlternateContent xmlns:mc="http://schemas.openxmlformats.org/markup-compatibility/2006">
               <mc:Choice xmlns:v="urn:schemas-microsoft-com:vml" Requires="v">
-                <p:oleObj spid="_x0000_s1052" name="Equation" r:id="rId9" imgW="152280" imgH="139680" progId="Equation.DSMT4">
+                <p:oleObj spid="_x0000_s1060" name="Equation" r:id="rId9" imgW="152280" imgH="139680" progId="Equation.DSMT4">
                   <p:embed/>
                 </p:oleObj>
               </mc:Choice>
@@ -5844,7 +5845,7 @@
             <a:graphicData uri="http://schemas.openxmlformats.org/presentationml/2006/ole">
               <mc:AlternateContent xmlns:mc="http://schemas.openxmlformats.org/markup-compatibility/2006">
                 <mc:Choice xmlns:v="urn:schemas-microsoft-com:vml" Requires="v">
-                  <p:oleObj spid="_x0000_s2056" name="Equation" r:id="rId3" imgW="152280" imgH="139680" progId="Equation.DSMT4">
+                  <p:oleObj spid="_x0000_s2060" name="Equation" r:id="rId3" imgW="152280" imgH="139680" progId="Equation.DSMT4">
                     <p:embed/>
                   </p:oleObj>
                 </mc:Choice>
@@ -5901,7 +5902,7 @@
             <a:graphicData uri="http://schemas.openxmlformats.org/presentationml/2006/ole">
               <mc:AlternateContent xmlns:mc="http://schemas.openxmlformats.org/markup-compatibility/2006">
                 <mc:Choice xmlns:v="urn:schemas-microsoft-com:vml" Requires="v">
-                  <p:oleObj spid="_x0000_s2057" name="Equation" r:id="rId5" imgW="152280" imgH="139680" progId="Equation.DSMT4">
+                  <p:oleObj spid="_x0000_s2061" name="Equation" r:id="rId5" imgW="152280" imgH="139680" progId="Equation.DSMT4">
                     <p:embed/>
                   </p:oleObj>
                 </mc:Choice>
@@ -6629,7 +6630,7 @@
               <a:graphicData uri="http://schemas.openxmlformats.org/presentationml/2006/ole">
                 <mc:AlternateContent xmlns:mc="http://schemas.openxmlformats.org/markup-compatibility/2006">
                   <mc:Choice xmlns:v="urn:schemas-microsoft-com:vml" Requires="v">
-                    <p:oleObj spid="_x0000_s3090" name="Equation" r:id="rId3" imgW="152280" imgH="139680" progId="Equation.DSMT4">
+                    <p:oleObj spid="_x0000_s3098" name="Equation" r:id="rId3" imgW="152280" imgH="139680" progId="Equation.DSMT4">
                       <p:embed/>
                     </p:oleObj>
                   </mc:Choice>
@@ -6686,7 +6687,7 @@
               <a:graphicData uri="http://schemas.openxmlformats.org/presentationml/2006/ole">
                 <mc:AlternateContent xmlns:mc="http://schemas.openxmlformats.org/markup-compatibility/2006">
                   <mc:Choice xmlns:v="urn:schemas-microsoft-com:vml" Requires="v">
-                    <p:oleObj spid="_x0000_s3091" name="Equation" r:id="rId5" imgW="152280" imgH="139680" progId="Equation.DSMT4">
+                    <p:oleObj spid="_x0000_s3099" name="Equation" r:id="rId5" imgW="152280" imgH="139680" progId="Equation.DSMT4">
                       <p:embed/>
                     </p:oleObj>
                   </mc:Choice>
@@ -7386,7 +7387,7 @@
               <a:graphicData uri="http://schemas.openxmlformats.org/presentationml/2006/ole">
                 <mc:AlternateContent xmlns:mc="http://schemas.openxmlformats.org/markup-compatibility/2006">
                   <mc:Choice xmlns:v="urn:schemas-microsoft-com:vml" Requires="v">
-                    <p:oleObj spid="_x0000_s3092" name="Equation" r:id="rId7" imgW="152280" imgH="139680" progId="Equation.DSMT4">
+                    <p:oleObj spid="_x0000_s3100" name="Equation" r:id="rId7" imgW="152280" imgH="139680" progId="Equation.DSMT4">
                       <p:embed/>
                     </p:oleObj>
                   </mc:Choice>
@@ -7983,7 +7984,7 @@
               <a:graphicData uri="http://schemas.openxmlformats.org/presentationml/2006/ole">
                 <mc:AlternateContent xmlns:mc="http://schemas.openxmlformats.org/markup-compatibility/2006">
                   <mc:Choice xmlns:v="urn:schemas-microsoft-com:vml" Requires="v">
-                    <p:oleObj spid="_x0000_s3093" name="Equation" r:id="rId8" imgW="152280" imgH="139680" progId="Equation.DSMT4">
+                    <p:oleObj spid="_x0000_s3101" name="Equation" r:id="rId8" imgW="152280" imgH="139680" progId="Equation.DSMT4">
                       <p:embed/>
                     </p:oleObj>
                   </mc:Choice>
@@ -10859,120 +10860,347 @@
           <a:chExt cx="0" cy="0"/>
         </a:xfrm>
       </p:grpSpPr>
-      <p:sp>
-        <p:nvSpPr>
-          <p:cNvPr id="39" name="矩形 38"/>
-          <p:cNvSpPr/>
-          <p:nvPr/>
-        </p:nvSpPr>
-        <p:spPr>
-          <a:xfrm rot="5400000">
-            <a:off x="904957" y="722801"/>
-            <a:ext cx="530552" cy="395294"/>
-          </a:xfrm>
-          <a:prstGeom prst="rect">
-            <a:avLst/>
-          </a:prstGeom>
-          <a:solidFill>
-            <a:schemeClr val="bg1"/>
-          </a:solidFill>
-          <a:ln>
-            <a:solidFill>
-              <a:schemeClr val="bg1"/>
-            </a:solidFill>
-          </a:ln>
-        </p:spPr>
-        <p:style>
-          <a:lnRef idx="2">
-            <a:schemeClr val="accent1">
-              <a:shade val="50000"/>
-            </a:schemeClr>
-          </a:lnRef>
-          <a:fillRef idx="1">
-            <a:schemeClr val="accent1"/>
-          </a:fillRef>
-          <a:effectRef idx="0">
-            <a:schemeClr val="accent1"/>
-          </a:effectRef>
-          <a:fontRef idx="minor">
-            <a:schemeClr val="lt1"/>
-          </a:fontRef>
-        </p:style>
-        <p:txBody>
-          <a:bodyPr rtlCol="0" anchor="ctr"/>
-          <a:lstStyle/>
-          <a:p>
-            <a:pPr algn="ctr"/>
-            <a:endParaRPr lang="zh-CN" altLang="en-US"/>
-          </a:p>
-        </p:txBody>
-      </p:sp>
       <p:grpSp>
         <p:nvGrpSpPr>
-          <p:cNvPr id="15" name="组合 14"/>
+          <p:cNvPr id="21" name="组合 20"/>
           <p:cNvGrpSpPr/>
           <p:nvPr/>
         </p:nvGrpSpPr>
         <p:grpSpPr>
           <a:xfrm>
-            <a:off x="212170" y="1626972"/>
-            <a:ext cx="4700126" cy="3746815"/>
-            <a:chOff x="212170" y="1626972"/>
-            <a:chExt cx="4700126" cy="3746815"/>
+            <a:off x="212170" y="1624262"/>
+            <a:ext cx="10753351" cy="3749525"/>
+            <a:chOff x="212170" y="1624262"/>
+            <a:chExt cx="10753351" cy="3749525"/>
           </a:xfrm>
         </p:grpSpPr>
         <p:grpSp>
           <p:nvGrpSpPr>
-            <p:cNvPr id="5" name="组合 4"/>
+            <p:cNvPr id="15" name="组合 14"/>
             <p:cNvGrpSpPr/>
             <p:nvPr/>
           </p:nvGrpSpPr>
           <p:grpSpPr>
             <a:xfrm>
               <a:off x="212170" y="1626972"/>
-              <a:ext cx="3721190" cy="3721190"/>
-              <a:chOff x="3406158" y="1634582"/>
-              <a:chExt cx="3721190" cy="3721190"/>
+              <a:ext cx="4700126" cy="3746815"/>
+              <a:chOff x="212170" y="1626972"/>
+              <a:chExt cx="4700126" cy="3746815"/>
             </a:xfrm>
           </p:grpSpPr>
           <p:grpSp>
             <p:nvGrpSpPr>
-              <p:cNvPr id="19" name="组合 18"/>
+              <p:cNvPr id="5" name="组合 4"/>
               <p:cNvGrpSpPr/>
               <p:nvPr/>
             </p:nvGrpSpPr>
             <p:grpSpPr>
-              <a:xfrm rot="5400000">
-                <a:off x="4677512" y="2905937"/>
-                <a:ext cx="683100" cy="1178481"/>
-                <a:chOff x="7343998" y="4088677"/>
-                <a:chExt cx="990293" cy="1708449"/>
+              <a:xfrm>
+                <a:off x="212170" y="1626972"/>
+                <a:ext cx="3721190" cy="3721190"/>
+                <a:chOff x="3406158" y="1634582"/>
+                <a:chExt cx="3721190" cy="3721190"/>
               </a:xfrm>
             </p:grpSpPr>
             <p:grpSp>
               <p:nvGrpSpPr>
-                <p:cNvPr id="17" name="组合 16"/>
+                <p:cNvPr id="19" name="组合 18"/>
+                <p:cNvGrpSpPr/>
+                <p:nvPr/>
+              </p:nvGrpSpPr>
+              <p:grpSpPr>
+                <a:xfrm rot="5400000">
+                  <a:off x="4677512" y="2905937"/>
+                  <a:ext cx="683100" cy="1178481"/>
+                  <a:chOff x="7343998" y="4088677"/>
+                  <a:chExt cx="990293" cy="1708449"/>
+                </a:xfrm>
+              </p:grpSpPr>
+              <p:grpSp>
+                <p:nvGrpSpPr>
+                  <p:cNvPr id="17" name="组合 16"/>
+                  <p:cNvGrpSpPr/>
+                  <p:nvPr/>
+                </p:nvGrpSpPr>
+                <p:grpSpPr>
+                  <a:xfrm>
+                    <a:off x="7343998" y="4088677"/>
+                    <a:ext cx="990293" cy="1701643"/>
+                    <a:chOff x="7343998" y="4088677"/>
+                    <a:chExt cx="990293" cy="1701643"/>
+                  </a:xfrm>
+                </p:grpSpPr>
+                <p:sp>
+                  <p:nvSpPr>
+                    <p:cNvPr id="3" name="椭圆 2"/>
+                    <p:cNvSpPr/>
+                    <p:nvPr/>
+                  </p:nvSpPr>
+                  <p:spPr>
+                    <a:xfrm>
+                      <a:off x="7343998" y="4088677"/>
+                      <a:ext cx="990293" cy="990293"/>
+                    </a:xfrm>
+                    <a:prstGeom prst="ellipse">
+                      <a:avLst/>
+                    </a:prstGeom>
+                    <a:noFill/>
+                    <a:ln w="28575">
+                      <a:solidFill>
+                        <a:schemeClr val="tx1">
+                          <a:lumMod val="65000"/>
+                          <a:lumOff val="35000"/>
+                        </a:schemeClr>
+                      </a:solidFill>
+                    </a:ln>
+                  </p:spPr>
+                  <p:style>
+                    <a:lnRef idx="2">
+                      <a:schemeClr val="accent1">
+                        <a:shade val="50000"/>
+                      </a:schemeClr>
+                    </a:lnRef>
+                    <a:fillRef idx="1">
+                      <a:schemeClr val="accent1"/>
+                    </a:fillRef>
+                    <a:effectRef idx="0">
+                      <a:schemeClr val="accent1"/>
+                    </a:effectRef>
+                    <a:fontRef idx="minor">
+                      <a:schemeClr val="lt1"/>
+                    </a:fontRef>
+                  </p:style>
+                  <p:txBody>
+                    <a:bodyPr rtlCol="0" anchor="ctr"/>
+                    <a:lstStyle/>
+                    <a:p>
+                      <a:pPr algn="ctr"/>
+                      <a:endParaRPr lang="zh-CN" altLang="en-US"/>
+                    </a:p>
+                  </p:txBody>
+                </p:sp>
+                <p:sp>
+                  <p:nvSpPr>
+                    <p:cNvPr id="4" name="椭圆 3"/>
+                    <p:cNvSpPr/>
+                    <p:nvPr/>
+                  </p:nvSpPr>
+                  <p:spPr>
+                    <a:xfrm>
+                      <a:off x="7778423" y="4523102"/>
+                      <a:ext cx="121444" cy="121444"/>
+                    </a:xfrm>
+                    <a:prstGeom prst="ellipse">
+                      <a:avLst/>
+                    </a:prstGeom>
+                    <a:noFill/>
+                    <a:ln w="28575">
+                      <a:solidFill>
+                        <a:schemeClr val="tx1">
+                          <a:lumMod val="50000"/>
+                          <a:lumOff val="50000"/>
+                        </a:schemeClr>
+                      </a:solidFill>
+                    </a:ln>
+                  </p:spPr>
+                  <p:style>
+                    <a:lnRef idx="2">
+                      <a:schemeClr val="accent1">
+                        <a:shade val="50000"/>
+                      </a:schemeClr>
+                    </a:lnRef>
+                    <a:fillRef idx="1">
+                      <a:schemeClr val="accent1"/>
+                    </a:fillRef>
+                    <a:effectRef idx="0">
+                      <a:schemeClr val="accent1"/>
+                    </a:effectRef>
+                    <a:fontRef idx="minor">
+                      <a:schemeClr val="lt1"/>
+                    </a:fontRef>
+                  </p:style>
+                  <p:txBody>
+                    <a:bodyPr rtlCol="0" anchor="ctr"/>
+                    <a:lstStyle/>
+                    <a:p>
+                      <a:pPr algn="ctr"/>
+                      <a:endParaRPr lang="zh-CN" altLang="en-US"/>
+                    </a:p>
+                  </p:txBody>
+                </p:sp>
+                <p:sp>
+                  <p:nvSpPr>
+                    <p:cNvPr id="9" name="矩形 8"/>
+                    <p:cNvSpPr/>
+                    <p:nvPr/>
+                  </p:nvSpPr>
+                  <p:spPr>
+                    <a:xfrm rot="5400000">
+                      <a:off x="7482940" y="5389103"/>
+                      <a:ext cx="711348" cy="91086"/>
+                    </a:xfrm>
+                    <a:prstGeom prst="rect">
+                      <a:avLst/>
+                    </a:prstGeom>
+                    <a:noFill/>
+                    <a:ln w="28575">
+                      <a:solidFill>
+                        <a:schemeClr val="bg1">
+                          <a:lumMod val="50000"/>
+                        </a:schemeClr>
+                      </a:solidFill>
+                    </a:ln>
+                  </p:spPr>
+                  <p:style>
+                    <a:lnRef idx="2">
+                      <a:schemeClr val="accent1">
+                        <a:shade val="50000"/>
+                      </a:schemeClr>
+                    </a:lnRef>
+                    <a:fillRef idx="1">
+                      <a:schemeClr val="accent1"/>
+                    </a:fillRef>
+                    <a:effectRef idx="0">
+                      <a:schemeClr val="accent1"/>
+                    </a:effectRef>
+                    <a:fontRef idx="minor">
+                      <a:schemeClr val="lt1"/>
+                    </a:fontRef>
+                  </p:style>
+                  <p:txBody>
+                    <a:bodyPr rtlCol="0" anchor="ctr"/>
+                    <a:lstStyle/>
+                    <a:p>
+                      <a:pPr algn="ctr"/>
+                      <a:endParaRPr lang="zh-CN" altLang="en-US"/>
+                    </a:p>
+                  </p:txBody>
+                </p:sp>
+                <p:sp>
+                  <p:nvSpPr>
+                    <p:cNvPr id="10" name="圆角矩形 9"/>
+                    <p:cNvSpPr/>
+                    <p:nvPr/>
+                  </p:nvSpPr>
+                  <p:spPr>
+                    <a:xfrm>
+                      <a:off x="7778423" y="5117626"/>
+                      <a:ext cx="133995" cy="57287"/>
+                    </a:xfrm>
+                    <a:prstGeom prst="roundRect">
+                      <a:avLst/>
+                    </a:prstGeom>
+                    <a:solidFill>
+                      <a:schemeClr val="bg1"/>
+                    </a:solidFill>
+                    <a:ln w="28575">
+                      <a:solidFill>
+                        <a:schemeClr val="tx1">
+                          <a:lumMod val="65000"/>
+                          <a:lumOff val="35000"/>
+                        </a:schemeClr>
+                      </a:solidFill>
+                    </a:ln>
+                  </p:spPr>
+                  <p:style>
+                    <a:lnRef idx="2">
+                      <a:schemeClr val="accent1">
+                        <a:shade val="50000"/>
+                      </a:schemeClr>
+                    </a:lnRef>
+                    <a:fillRef idx="1">
+                      <a:schemeClr val="accent1"/>
+                    </a:fillRef>
+                    <a:effectRef idx="0">
+                      <a:schemeClr val="accent1"/>
+                    </a:effectRef>
+                    <a:fontRef idx="minor">
+                      <a:schemeClr val="lt1"/>
+                    </a:fontRef>
+                  </p:style>
+                  <p:txBody>
+                    <a:bodyPr rtlCol="0" anchor="ctr"/>
+                    <a:lstStyle/>
+                    <a:p>
+                      <a:pPr algn="ctr"/>
+                      <a:endParaRPr lang="zh-CN" altLang="en-US"/>
+                    </a:p>
+                  </p:txBody>
+                </p:sp>
+              </p:grpSp>
+              <p:sp>
+                <p:nvSpPr>
+                  <p:cNvPr id="18" name="矩形 17"/>
+                  <p:cNvSpPr/>
+                  <p:nvPr/>
+                </p:nvSpPr>
+                <p:spPr>
+                  <a:xfrm>
+                    <a:off x="7659584" y="5620306"/>
+                    <a:ext cx="358060" cy="176820"/>
+                  </a:xfrm>
+                  <a:prstGeom prst="rect">
+                    <a:avLst/>
+                  </a:prstGeom>
+                  <a:solidFill>
+                    <a:schemeClr val="bg1"/>
+                  </a:solidFill>
+                  <a:ln w="28575">
+                    <a:solidFill>
+                      <a:schemeClr val="bg1"/>
+                    </a:solidFill>
+                  </a:ln>
+                </p:spPr>
+                <p:style>
+                  <a:lnRef idx="2">
+                    <a:schemeClr val="accent1">
+                      <a:shade val="50000"/>
+                    </a:schemeClr>
+                  </a:lnRef>
+                  <a:fillRef idx="1">
+                    <a:schemeClr val="accent1"/>
+                  </a:fillRef>
+                  <a:effectRef idx="0">
+                    <a:schemeClr val="accent1"/>
+                  </a:effectRef>
+                  <a:fontRef idx="minor">
+                    <a:schemeClr val="lt1"/>
+                  </a:fontRef>
+                </p:style>
+                <p:txBody>
+                  <a:bodyPr rtlCol="0" anchor="ctr"/>
+                  <a:lstStyle/>
+                  <a:p>
+                    <a:pPr algn="ctr"/>
+                    <a:endParaRPr lang="zh-CN" altLang="en-US"/>
+                  </a:p>
+                </p:txBody>
+              </p:sp>
+            </p:grpSp>
+            <p:grpSp>
+              <p:nvGrpSpPr>
+                <p:cNvPr id="2" name="组合 1"/>
                 <p:cNvGrpSpPr/>
                 <p:nvPr/>
               </p:nvGrpSpPr>
               <p:grpSpPr>
                 <a:xfrm>
-                  <a:off x="7343998" y="4088677"/>
-                  <a:ext cx="990293" cy="1701643"/>
-                  <a:chOff x="7343998" y="4088677"/>
-                  <a:chExt cx="990293" cy="1701643"/>
+                  <a:off x="3406158" y="1634582"/>
+                  <a:ext cx="3721190" cy="3721190"/>
+                  <a:chOff x="3406158" y="1634582"/>
+                  <a:chExt cx="3721190" cy="3721190"/>
                 </a:xfrm>
               </p:grpSpPr>
               <p:sp>
                 <p:nvSpPr>
-                  <p:cNvPr id="3" name="椭圆 2"/>
+                  <p:cNvPr id="20" name="椭圆 19"/>
                   <p:cNvSpPr/>
                   <p:nvPr/>
                 </p:nvSpPr>
                 <p:spPr>
                   <a:xfrm>
-                    <a:off x="7343998" y="4088677"/>
-                    <a:ext cx="990293" cy="990293"/>
+                    <a:off x="3406158" y="1634582"/>
+                    <a:ext cx="3721190" cy="3721190"/>
                   </a:xfrm>
                   <a:prstGeom prst="ellipse">
                     <a:avLst/>
@@ -10980,9 +11208,9 @@
                   <a:noFill/>
                   <a:ln w="28575">
                     <a:solidFill>
-                      <a:schemeClr val="tx1">
-                        <a:lumMod val="65000"/>
-                        <a:lumOff val="35000"/>
+                      <a:schemeClr val="accent5">
+                        <a:lumMod val="40000"/>
+                        <a:lumOff val="60000"/>
                       </a:schemeClr>
                     </a:solidFill>
                   </a:ln>
@@ -11012,28 +11240,149 @@
                   </a:p>
                 </p:txBody>
               </p:sp>
+              <p:cxnSp>
+                <p:nvCxnSpPr>
+                  <p:cNvPr id="38" name="直接连接符 37"/>
+                  <p:cNvCxnSpPr>
+                    <a:stCxn id="4" idx="2"/>
+                    <a:endCxn id="20" idx="0"/>
+                  </p:cNvCxnSpPr>
+                  <p:nvPr/>
+                </p:nvCxnSpPr>
+                <p:spPr>
+                  <a:xfrm flipV="1">
+                    <a:off x="5266753" y="1634582"/>
+                    <a:ext cx="0" cy="1818709"/>
+                  </a:xfrm>
+                  <a:prstGeom prst="line">
+                    <a:avLst/>
+                  </a:prstGeom>
+                  <a:ln w="28575">
+                    <a:prstDash val="solid"/>
+                    <a:headEnd type="none"/>
+                    <a:tailEnd type="stealth"/>
+                  </a:ln>
+                </p:spPr>
+                <p:style>
+                  <a:lnRef idx="1">
+                    <a:schemeClr val="accent1"/>
+                  </a:lnRef>
+                  <a:fillRef idx="0">
+                    <a:schemeClr val="accent1"/>
+                  </a:fillRef>
+                  <a:effectRef idx="0">
+                    <a:schemeClr val="accent1"/>
+                  </a:effectRef>
+                  <a:fontRef idx="minor">
+                    <a:schemeClr val="tx1"/>
+                  </a:fontRef>
+                </p:style>
+              </p:cxnSp>
+            </p:grpSp>
+          </p:grpSp>
+          <p:grpSp>
+            <p:nvGrpSpPr>
+              <p:cNvPr id="6" name="组合 5"/>
+              <p:cNvGrpSpPr/>
+              <p:nvPr/>
+            </p:nvGrpSpPr>
+            <p:grpSpPr>
+              <a:xfrm>
+                <a:off x="702856" y="1645260"/>
+                <a:ext cx="3721190" cy="3721190"/>
+                <a:chOff x="4422940" y="1642495"/>
+                <a:chExt cx="3721190" cy="3721190"/>
+              </a:xfrm>
+            </p:grpSpPr>
+            <p:sp>
+              <p:nvSpPr>
+                <p:cNvPr id="36" name="椭圆 35"/>
+                <p:cNvSpPr/>
+                <p:nvPr/>
+              </p:nvSpPr>
+              <p:spPr>
+                <a:xfrm>
+                  <a:off x="4422940" y="1642495"/>
+                  <a:ext cx="3721190" cy="3721190"/>
+                </a:xfrm>
+                <a:prstGeom prst="ellipse">
+                  <a:avLst/>
+                </a:prstGeom>
+                <a:noFill/>
+                <a:ln w="28575">
+                  <a:solidFill>
+                    <a:schemeClr val="accent2">
+                      <a:lumMod val="40000"/>
+                      <a:lumOff val="60000"/>
+                    </a:schemeClr>
+                  </a:solidFill>
+                  <a:prstDash val="sysDash"/>
+                </a:ln>
+              </p:spPr>
+              <p:style>
+                <a:lnRef idx="2">
+                  <a:schemeClr val="accent1">
+                    <a:shade val="50000"/>
+                  </a:schemeClr>
+                </a:lnRef>
+                <a:fillRef idx="1">
+                  <a:schemeClr val="accent1"/>
+                </a:fillRef>
+                <a:effectRef idx="0">
+                  <a:schemeClr val="accent1"/>
+                </a:effectRef>
+                <a:fontRef idx="minor">
+                  <a:schemeClr val="lt1"/>
+                </a:fontRef>
+              </p:style>
+              <p:txBody>
+                <a:bodyPr rtlCol="0" anchor="ctr"/>
+                <a:lstStyle/>
+                <a:p>
+                  <a:pPr algn="ctr"/>
+                  <a:endParaRPr lang="zh-CN" altLang="en-US"/>
+                </a:p>
+              </p:txBody>
+            </p:sp>
+            <p:grpSp>
+              <p:nvGrpSpPr>
+                <p:cNvPr id="29" name="组合 28"/>
+                <p:cNvGrpSpPr/>
+                <p:nvPr/>
+              </p:nvGrpSpPr>
+              <p:grpSpPr>
+                <a:xfrm rot="5400000">
+                  <a:off x="5941985" y="3146018"/>
+                  <a:ext cx="683100" cy="683100"/>
+                  <a:chOff x="7343998" y="4088677"/>
+                  <a:chExt cx="990293" cy="990293"/>
+                </a:xfrm>
+              </p:grpSpPr>
               <p:sp>
                 <p:nvSpPr>
-                  <p:cNvPr id="4" name="椭圆 3"/>
+                  <p:cNvPr id="31" name="椭圆 30"/>
                   <p:cNvSpPr/>
                   <p:nvPr/>
                 </p:nvSpPr>
                 <p:spPr>
                   <a:xfrm>
-                    <a:off x="7778423" y="4523102"/>
-                    <a:ext cx="121444" cy="121444"/>
+                    <a:off x="7343998" y="4088677"/>
+                    <a:ext cx="990293" cy="990293"/>
                   </a:xfrm>
                   <a:prstGeom prst="ellipse">
                     <a:avLst/>
                   </a:prstGeom>
-                  <a:noFill/>
+                  <a:solidFill>
+                    <a:schemeClr val="bg1"/>
+                  </a:solidFill>
                   <a:ln w="28575">
                     <a:solidFill>
                       <a:schemeClr val="tx1">
-                        <a:lumMod val="50000"/>
-                        <a:lumOff val="50000"/>
+                        <a:lumMod val="65000"/>
+                        <a:lumOff val="35000"/>
                       </a:schemeClr>
                     </a:solidFill>
+                    <a:prstDash val="sysDash"/>
                   </a:ln>
                 </p:spPr>
                 <p:style>
@@ -11063,76 +11412,27 @@
               </p:sp>
               <p:sp>
                 <p:nvSpPr>
-                  <p:cNvPr id="9" name="矩形 8"/>
+                  <p:cNvPr id="32" name="椭圆 31"/>
                   <p:cNvSpPr/>
                   <p:nvPr/>
                 </p:nvSpPr>
                 <p:spPr>
-                  <a:xfrm rot="5400000">
-                    <a:off x="7482940" y="5389103"/>
-                    <a:ext cx="711348" cy="91086"/>
+                  <a:xfrm>
+                    <a:off x="7778423" y="4523102"/>
+                    <a:ext cx="121444" cy="121444"/>
                   </a:xfrm>
-                  <a:prstGeom prst="rect">
+                  <a:prstGeom prst="ellipse">
                     <a:avLst/>
                   </a:prstGeom>
                   <a:noFill/>
                   <a:ln w="28575">
                     <a:solidFill>
-                      <a:schemeClr val="bg1">
+                      <a:schemeClr val="tx1">
                         <a:lumMod val="50000"/>
+                        <a:lumOff val="50000"/>
                       </a:schemeClr>
                     </a:solidFill>
-                  </a:ln>
-                </p:spPr>
-                <p:style>
-                  <a:lnRef idx="2">
-                    <a:schemeClr val="accent1">
-                      <a:shade val="50000"/>
-                    </a:schemeClr>
-                  </a:lnRef>
-                  <a:fillRef idx="1">
-                    <a:schemeClr val="accent1"/>
-                  </a:fillRef>
-                  <a:effectRef idx="0">
-                    <a:schemeClr val="accent1"/>
-                  </a:effectRef>
-                  <a:fontRef idx="minor">
-                    <a:schemeClr val="lt1"/>
-                  </a:fontRef>
-                </p:style>
-                <p:txBody>
-                  <a:bodyPr rtlCol="0" anchor="ctr"/>
-                  <a:lstStyle/>
-                  <a:p>
-                    <a:pPr algn="ctr"/>
-                    <a:endParaRPr lang="zh-CN" altLang="en-US"/>
-                  </a:p>
-                </p:txBody>
-              </p:sp>
-              <p:sp>
-                <p:nvSpPr>
-                  <p:cNvPr id="10" name="圆角矩形 9"/>
-                  <p:cNvSpPr/>
-                  <p:nvPr/>
-                </p:nvSpPr>
-                <p:spPr>
-                  <a:xfrm>
-                    <a:off x="7778423" y="5117626"/>
-                    <a:ext cx="133995" cy="57287"/>
-                  </a:xfrm>
-                  <a:prstGeom prst="roundRect">
-                    <a:avLst/>
-                  </a:prstGeom>
-                  <a:solidFill>
-                    <a:schemeClr val="bg1"/>
-                  </a:solidFill>
-                  <a:ln w="28575">
-                    <a:solidFill>
-                      <a:schemeClr val="tx1">
-                        <a:lumMod val="65000"/>
-                        <a:lumOff val="35000"/>
-                      </a:schemeClr>
-                    </a:solidFill>
+                    <a:prstDash val="sysDash"/>
                   </a:ln>
                 </p:spPr>
                 <p:style>
@@ -11163,14 +11463,14 @@
             </p:grpSp>
             <p:sp>
               <p:nvSpPr>
-                <p:cNvPr id="18" name="矩形 17"/>
+                <p:cNvPr id="30" name="矩形 29"/>
                 <p:cNvSpPr/>
                 <p:nvPr/>
               </p:nvSpPr>
               <p:spPr>
-                <a:xfrm>
-                  <a:off x="7659584" y="5620306"/>
-                  <a:ext cx="358060" cy="176820"/>
+                <a:xfrm rot="5400000">
+                  <a:off x="5601875" y="3464786"/>
+                  <a:ext cx="98997" cy="45719"/>
                 </a:xfrm>
                 <a:prstGeom prst="rect">
                   <a:avLst/>
@@ -11209,30 +11509,235 @@
                 </a:p>
               </p:txBody>
             </p:sp>
+            <p:cxnSp>
+              <p:nvCxnSpPr>
+                <p:cNvPr id="40" name="直接连接符 39"/>
+                <p:cNvCxnSpPr>
+                  <a:stCxn id="32" idx="1"/>
+                </p:cNvCxnSpPr>
+                <p:nvPr/>
+              </p:nvCxnSpPr>
+              <p:spPr>
+                <a:xfrm flipV="1">
+                  <a:off x="6313153" y="1944079"/>
+                  <a:ext cx="972076" cy="1513872"/>
+                </a:xfrm>
+                <a:prstGeom prst="line">
+                  <a:avLst/>
+                </a:prstGeom>
+                <a:ln w="28575">
+                  <a:solidFill>
+                    <a:schemeClr val="accent2">
+                      <a:lumMod val="40000"/>
+                      <a:lumOff val="60000"/>
+                    </a:schemeClr>
+                  </a:solidFill>
+                  <a:prstDash val="dash"/>
+                  <a:tailEnd type="stealth"/>
+                </a:ln>
+              </p:spPr>
+              <p:style>
+                <a:lnRef idx="1">
+                  <a:schemeClr val="accent1"/>
+                </a:lnRef>
+                <a:fillRef idx="0">
+                  <a:schemeClr val="accent1"/>
+                </a:fillRef>
+                <a:effectRef idx="0">
+                  <a:schemeClr val="accent1"/>
+                </a:effectRef>
+                <a:fontRef idx="minor">
+                  <a:schemeClr val="tx1"/>
+                </a:fontRef>
+              </p:style>
+            </p:cxnSp>
           </p:grpSp>
           <p:grpSp>
             <p:nvGrpSpPr>
-              <p:cNvPr id="2" name="组合 1"/>
+              <p:cNvPr id="22" name="组合 21"/>
               <p:cNvGrpSpPr/>
               <p:nvPr/>
             </p:nvGrpSpPr>
             <p:grpSpPr>
               <a:xfrm>
-                <a:off x="3406158" y="1634582"/>
+                <a:off x="1191106" y="1652597"/>
                 <a:ext cx="3721190" cy="3721190"/>
-                <a:chOff x="3406158" y="1634582"/>
+                <a:chOff x="4422940" y="1642495"/>
                 <a:chExt cx="3721190" cy="3721190"/>
               </a:xfrm>
             </p:grpSpPr>
+            <p:grpSp>
+              <p:nvGrpSpPr>
+                <p:cNvPr id="23" name="组合 22"/>
+                <p:cNvGrpSpPr/>
+                <p:nvPr/>
+              </p:nvGrpSpPr>
+              <p:grpSpPr>
+                <a:xfrm rot="5400000">
+                  <a:off x="5941985" y="3146018"/>
+                  <a:ext cx="683100" cy="683100"/>
+                  <a:chOff x="7343998" y="4088677"/>
+                  <a:chExt cx="990293" cy="990293"/>
+                </a:xfrm>
+              </p:grpSpPr>
+              <p:sp>
+                <p:nvSpPr>
+                  <p:cNvPr id="27" name="椭圆 26"/>
+                  <p:cNvSpPr/>
+                  <p:nvPr/>
+                </p:nvSpPr>
+                <p:spPr>
+                  <a:xfrm>
+                    <a:off x="7343998" y="4088677"/>
+                    <a:ext cx="990293" cy="990293"/>
+                  </a:xfrm>
+                  <a:prstGeom prst="ellipse">
+                    <a:avLst/>
+                  </a:prstGeom>
+                  <a:noFill/>
+                  <a:ln w="28575">
+                    <a:solidFill>
+                      <a:schemeClr val="tx1">
+                        <a:lumMod val="65000"/>
+                        <a:lumOff val="35000"/>
+                      </a:schemeClr>
+                    </a:solidFill>
+                    <a:prstDash val="sysDash"/>
+                  </a:ln>
+                </p:spPr>
+                <p:style>
+                  <a:lnRef idx="2">
+                    <a:schemeClr val="accent1">
+                      <a:shade val="50000"/>
+                    </a:schemeClr>
+                  </a:lnRef>
+                  <a:fillRef idx="1">
+                    <a:schemeClr val="accent1"/>
+                  </a:fillRef>
+                  <a:effectRef idx="0">
+                    <a:schemeClr val="accent1"/>
+                  </a:effectRef>
+                  <a:fontRef idx="minor">
+                    <a:schemeClr val="lt1"/>
+                  </a:fontRef>
+                </p:style>
+                <p:txBody>
+                  <a:bodyPr rtlCol="0" anchor="ctr"/>
+                  <a:lstStyle/>
+                  <a:p>
+                    <a:pPr algn="ctr"/>
+                    <a:endParaRPr lang="zh-CN" altLang="en-US"/>
+                  </a:p>
+                </p:txBody>
+              </p:sp>
+              <p:sp>
+                <p:nvSpPr>
+                  <p:cNvPr id="28" name="椭圆 27"/>
+                  <p:cNvSpPr/>
+                  <p:nvPr/>
+                </p:nvSpPr>
+                <p:spPr>
+                  <a:xfrm>
+                    <a:off x="7778423" y="4523102"/>
+                    <a:ext cx="121444" cy="121444"/>
+                  </a:xfrm>
+                  <a:prstGeom prst="ellipse">
+                    <a:avLst/>
+                  </a:prstGeom>
+                  <a:noFill/>
+                  <a:ln w="28575">
+                    <a:solidFill>
+                      <a:schemeClr val="tx1">
+                        <a:lumMod val="50000"/>
+                        <a:lumOff val="50000"/>
+                      </a:schemeClr>
+                    </a:solidFill>
+                    <a:prstDash val="sysDash"/>
+                  </a:ln>
+                </p:spPr>
+                <p:style>
+                  <a:lnRef idx="2">
+                    <a:schemeClr val="accent1">
+                      <a:shade val="50000"/>
+                    </a:schemeClr>
+                  </a:lnRef>
+                  <a:fillRef idx="1">
+                    <a:schemeClr val="accent1"/>
+                  </a:fillRef>
+                  <a:effectRef idx="0">
+                    <a:schemeClr val="accent1"/>
+                  </a:effectRef>
+                  <a:fontRef idx="minor">
+                    <a:schemeClr val="lt1"/>
+                  </a:fontRef>
+                </p:style>
+                <p:txBody>
+                  <a:bodyPr rtlCol="0" anchor="ctr"/>
+                  <a:lstStyle/>
+                  <a:p>
+                    <a:pPr algn="ctr"/>
+                    <a:endParaRPr lang="zh-CN" altLang="en-US"/>
+                  </a:p>
+                </p:txBody>
+              </p:sp>
+            </p:grpSp>
             <p:sp>
               <p:nvSpPr>
-                <p:cNvPr id="20" name="椭圆 19"/>
+                <p:cNvPr id="24" name="矩形 23"/>
+                <p:cNvSpPr/>
+                <p:nvPr/>
+              </p:nvSpPr>
+              <p:spPr>
+                <a:xfrm rot="5400000">
+                  <a:off x="5601875" y="3464786"/>
+                  <a:ext cx="98997" cy="45719"/>
+                </a:xfrm>
+                <a:prstGeom prst="rect">
+                  <a:avLst/>
+                </a:prstGeom>
+                <a:solidFill>
+                  <a:schemeClr val="bg1"/>
+                </a:solidFill>
+                <a:ln w="28575">
+                  <a:solidFill>
+                    <a:schemeClr val="bg1"/>
+                  </a:solidFill>
+                </a:ln>
+              </p:spPr>
+              <p:style>
+                <a:lnRef idx="2">
+                  <a:schemeClr val="accent1">
+                    <a:shade val="50000"/>
+                  </a:schemeClr>
+                </a:lnRef>
+                <a:fillRef idx="1">
+                  <a:schemeClr val="accent1"/>
+                </a:fillRef>
+                <a:effectRef idx="0">
+                  <a:schemeClr val="accent1"/>
+                </a:effectRef>
+                <a:fontRef idx="minor">
+                  <a:schemeClr val="lt1"/>
+                </a:fontRef>
+              </p:style>
+              <p:txBody>
+                <a:bodyPr rtlCol="0" anchor="ctr"/>
+                <a:lstStyle/>
+                <a:p>
+                  <a:pPr algn="ctr"/>
+                  <a:endParaRPr lang="zh-CN" altLang="en-US"/>
+                </a:p>
+              </p:txBody>
+            </p:sp>
+            <p:sp>
+              <p:nvSpPr>
+                <p:cNvPr id="25" name="椭圆 24"/>
                 <p:cNvSpPr/>
                 <p:nvPr/>
               </p:nvSpPr>
               <p:spPr>
                 <a:xfrm>
-                  <a:off x="3406158" y="1634582"/>
+                  <a:off x="4422940" y="1642495"/>
                   <a:ext cx="3721190" cy="3721190"/>
                 </a:xfrm>
                 <a:prstGeom prst="ellipse">
@@ -11241,11 +11746,12 @@
                 <a:noFill/>
                 <a:ln w="28575">
                   <a:solidFill>
-                    <a:schemeClr val="accent5">
+                    <a:schemeClr val="accent6">
                       <a:lumMod val="40000"/>
                       <a:lumOff val="60000"/>
                     </a:schemeClr>
                   </a:solidFill>
+                  <a:prstDash val="sysDash"/>
                 </a:ln>
               </p:spPr>
               <p:style>
@@ -11275,24 +11781,28 @@
             </p:sp>
             <p:cxnSp>
               <p:nvCxnSpPr>
-                <p:cNvPr id="38" name="直接连接符 37"/>
+                <p:cNvPr id="26" name="直接连接符 25"/>
                 <p:cNvCxnSpPr>
-                  <a:stCxn id="4" idx="2"/>
-                  <a:endCxn id="20" idx="0"/>
+                  <a:stCxn id="28" idx="0"/>
                 </p:cNvCxnSpPr>
                 <p:nvPr/>
               </p:nvCxnSpPr>
               <p:spPr>
                 <a:xfrm flipV="1">
-                  <a:off x="5266753" y="1634582"/>
-                  <a:ext cx="0" cy="1818709"/>
+                  <a:off x="6325421" y="3053940"/>
+                  <a:ext cx="1746637" cy="433628"/>
                 </a:xfrm>
                 <a:prstGeom prst="line">
                   <a:avLst/>
                 </a:prstGeom>
                 <a:ln w="28575">
-                  <a:prstDash val="solid"/>
-                  <a:headEnd type="none"/>
+                  <a:solidFill>
+                    <a:schemeClr val="accent6">
+                      <a:lumMod val="40000"/>
+                      <a:lumOff val="60000"/>
+                    </a:schemeClr>
+                  </a:solidFill>
+                  <a:prstDash val="dash"/>
                   <a:tailEnd type="stealth"/>
                 </a:ln>
               </p:spPr>
@@ -11315,27 +11825,27 @@
         </p:grpSp>
         <p:grpSp>
           <p:nvGrpSpPr>
-            <p:cNvPr id="6" name="组合 5"/>
+            <p:cNvPr id="14" name="组合 13"/>
             <p:cNvGrpSpPr/>
             <p:nvPr/>
           </p:nvGrpSpPr>
           <p:grpSpPr>
             <a:xfrm>
-              <a:off x="702856" y="1645260"/>
-              <a:ext cx="3721190" cy="3721190"/>
-              <a:chOff x="4422940" y="1642495"/>
-              <a:chExt cx="3721190" cy="3721190"/>
+              <a:off x="6265395" y="1624262"/>
+              <a:ext cx="4700126" cy="3746815"/>
+              <a:chOff x="5652922" y="1624262"/>
+              <a:chExt cx="4700126" cy="3746815"/>
             </a:xfrm>
           </p:grpSpPr>
           <p:sp>
             <p:nvSpPr>
-              <p:cNvPr id="36" name="椭圆 35"/>
+              <p:cNvPr id="47" name="椭圆 46"/>
               <p:cNvSpPr/>
               <p:nvPr/>
             </p:nvSpPr>
             <p:spPr>
               <a:xfrm>
-                <a:off x="4422940" y="1642495"/>
+                <a:off x="6143608" y="1642550"/>
                 <a:ext cx="3721190" cy="3721190"/>
               </a:xfrm>
               <a:prstGeom prst="ellipse">
@@ -11377,23 +11887,1050 @@
               </a:p>
             </p:txBody>
           </p:sp>
+          <p:sp>
+            <p:nvSpPr>
+              <p:cNvPr id="49" name="矩形 48"/>
+              <p:cNvSpPr/>
+              <p:nvPr/>
+            </p:nvSpPr>
+            <p:spPr>
+              <a:xfrm rot="5400000">
+                <a:off x="7322543" y="3464841"/>
+                <a:ext cx="98997" cy="45719"/>
+              </a:xfrm>
+              <a:prstGeom prst="rect">
+                <a:avLst/>
+              </a:prstGeom>
+              <a:solidFill>
+                <a:schemeClr val="bg1"/>
+              </a:solidFill>
+              <a:ln w="28575">
+                <a:solidFill>
+                  <a:schemeClr val="bg1"/>
+                </a:solidFill>
+              </a:ln>
+            </p:spPr>
+            <p:style>
+              <a:lnRef idx="2">
+                <a:schemeClr val="accent1">
+                  <a:shade val="50000"/>
+                </a:schemeClr>
+              </a:lnRef>
+              <a:fillRef idx="1">
+                <a:schemeClr val="accent1"/>
+              </a:fillRef>
+              <a:effectRef idx="0">
+                <a:schemeClr val="accent1"/>
+              </a:effectRef>
+              <a:fontRef idx="minor">
+                <a:schemeClr val="lt1"/>
+              </a:fontRef>
+            </p:style>
+            <p:txBody>
+              <a:bodyPr rtlCol="0" anchor="ctr"/>
+              <a:lstStyle/>
+              <a:p>
+                <a:pPr algn="ctr"/>
+                <a:endParaRPr lang="zh-CN" altLang="en-US"/>
+              </a:p>
+            </p:txBody>
+          </p:sp>
+          <p:cxnSp>
+            <p:nvCxnSpPr>
+              <p:cNvPr id="50" name="直接连接符 49"/>
+              <p:cNvCxnSpPr>
+                <a:stCxn id="60" idx="1"/>
+              </p:cNvCxnSpPr>
+              <p:nvPr/>
+            </p:nvCxnSpPr>
+            <p:spPr>
+              <a:xfrm flipV="1">
+                <a:off x="7543134" y="1944134"/>
+                <a:ext cx="1462763" cy="1511106"/>
+              </a:xfrm>
+              <a:prstGeom prst="line">
+                <a:avLst/>
+              </a:prstGeom>
+              <a:ln w="28575">
+                <a:solidFill>
+                  <a:schemeClr val="accent2">
+                    <a:lumMod val="40000"/>
+                    <a:lumOff val="60000"/>
+                  </a:schemeClr>
+                </a:solidFill>
+                <a:prstDash val="dash"/>
+                <a:tailEnd type="stealth"/>
+              </a:ln>
+            </p:spPr>
+            <p:style>
+              <a:lnRef idx="1">
+                <a:schemeClr val="accent1"/>
+              </a:lnRef>
+              <a:fillRef idx="0">
+                <a:schemeClr val="accent1"/>
+              </a:fillRef>
+              <a:effectRef idx="0">
+                <a:schemeClr val="accent1"/>
+              </a:effectRef>
+              <a:fontRef idx="minor">
+                <a:schemeClr val="tx1"/>
+              </a:fontRef>
+            </p:style>
+          </p:cxnSp>
           <p:grpSp>
             <p:nvGrpSpPr>
-              <p:cNvPr id="29" name="组合 28"/>
+              <p:cNvPr id="37" name="组合 36"/>
               <p:cNvGrpSpPr/>
               <p:nvPr/>
             </p:nvGrpSpPr>
             <p:grpSpPr>
-              <a:xfrm rot="5400000">
-                <a:off x="5941985" y="3146018"/>
-                <a:ext cx="683100" cy="683100"/>
+              <a:xfrm>
+                <a:off x="6631858" y="1649887"/>
+                <a:ext cx="3721190" cy="3721190"/>
+                <a:chOff x="4422940" y="1642495"/>
+                <a:chExt cx="3721190" cy="3721190"/>
+              </a:xfrm>
+            </p:grpSpPr>
+            <p:sp>
+              <p:nvSpPr>
+                <p:cNvPr id="42" name="矩形 41"/>
+                <p:cNvSpPr/>
+                <p:nvPr/>
+              </p:nvSpPr>
+              <p:spPr>
+                <a:xfrm rot="5400000">
+                  <a:off x="5601875" y="3464786"/>
+                  <a:ext cx="98997" cy="45719"/>
+                </a:xfrm>
+                <a:prstGeom prst="rect">
+                  <a:avLst/>
+                </a:prstGeom>
+                <a:solidFill>
+                  <a:schemeClr val="bg1"/>
+                </a:solidFill>
+                <a:ln w="28575">
+                  <a:solidFill>
+                    <a:schemeClr val="bg1"/>
+                  </a:solidFill>
+                </a:ln>
+              </p:spPr>
+              <p:style>
+                <a:lnRef idx="2">
+                  <a:schemeClr val="accent1">
+                    <a:shade val="50000"/>
+                  </a:schemeClr>
+                </a:lnRef>
+                <a:fillRef idx="1">
+                  <a:schemeClr val="accent1"/>
+                </a:fillRef>
+                <a:effectRef idx="0">
+                  <a:schemeClr val="accent1"/>
+                </a:effectRef>
+                <a:fontRef idx="minor">
+                  <a:schemeClr val="lt1"/>
+                </a:fontRef>
+              </p:style>
+              <p:txBody>
+                <a:bodyPr rtlCol="0" anchor="ctr"/>
+                <a:lstStyle/>
+                <a:p>
+                  <a:pPr algn="ctr"/>
+                  <a:endParaRPr lang="zh-CN" altLang="en-US"/>
+                </a:p>
+              </p:txBody>
+            </p:sp>
+            <p:sp>
+              <p:nvSpPr>
+                <p:cNvPr id="43" name="椭圆 42"/>
+                <p:cNvSpPr/>
+                <p:nvPr/>
+              </p:nvSpPr>
+              <p:spPr>
+                <a:xfrm>
+                  <a:off x="4422940" y="1642495"/>
+                  <a:ext cx="3721190" cy="3721190"/>
+                </a:xfrm>
+                <a:prstGeom prst="ellipse">
+                  <a:avLst/>
+                </a:prstGeom>
+                <a:noFill/>
+                <a:ln w="28575">
+                  <a:solidFill>
+                    <a:schemeClr val="accent6">
+                      <a:lumMod val="40000"/>
+                      <a:lumOff val="60000"/>
+                    </a:schemeClr>
+                  </a:solidFill>
+                  <a:prstDash val="sysDash"/>
+                </a:ln>
+              </p:spPr>
+              <p:style>
+                <a:lnRef idx="2">
+                  <a:schemeClr val="accent1">
+                    <a:shade val="50000"/>
+                  </a:schemeClr>
+                </a:lnRef>
+                <a:fillRef idx="1">
+                  <a:schemeClr val="accent1"/>
+                </a:fillRef>
+                <a:effectRef idx="0">
+                  <a:schemeClr val="accent1"/>
+                </a:effectRef>
+                <a:fontRef idx="minor">
+                  <a:schemeClr val="lt1"/>
+                </a:fontRef>
+              </p:style>
+              <p:txBody>
+                <a:bodyPr rtlCol="0" anchor="ctr"/>
+                <a:lstStyle/>
+                <a:p>
+                  <a:pPr algn="ctr"/>
+                  <a:endParaRPr lang="zh-CN" altLang="en-US"/>
+                </a:p>
+              </p:txBody>
+            </p:sp>
+            <p:cxnSp>
+              <p:nvCxnSpPr>
+                <p:cNvPr id="44" name="直接连接符 43"/>
+                <p:cNvCxnSpPr>
+                  <a:stCxn id="60" idx="0"/>
+                </p:cNvCxnSpPr>
+                <p:nvPr/>
+              </p:nvCxnSpPr>
+              <p:spPr>
+                <a:xfrm flipV="1">
+                  <a:off x="5346484" y="3056650"/>
+                  <a:ext cx="2750648" cy="420816"/>
+                </a:xfrm>
+                <a:prstGeom prst="line">
+                  <a:avLst/>
+                </a:prstGeom>
+                <a:ln w="28575">
+                  <a:solidFill>
+                    <a:schemeClr val="accent6">
+                      <a:lumMod val="40000"/>
+                      <a:lumOff val="60000"/>
+                    </a:schemeClr>
+                  </a:solidFill>
+                  <a:prstDash val="dash"/>
+                  <a:tailEnd type="stealth"/>
+                </a:ln>
+              </p:spPr>
+              <p:style>
+                <a:lnRef idx="1">
+                  <a:schemeClr val="accent1"/>
+                </a:lnRef>
+                <a:fillRef idx="0">
+                  <a:schemeClr val="accent1"/>
+                </a:fillRef>
+                <a:effectRef idx="0">
+                  <a:schemeClr val="accent1"/>
+                </a:effectRef>
+                <a:fontRef idx="minor">
+                  <a:schemeClr val="tx1"/>
+                </a:fontRef>
+              </p:style>
+            </p:cxnSp>
+          </p:grpSp>
+          <p:grpSp>
+            <p:nvGrpSpPr>
+              <p:cNvPr id="34" name="组合 33"/>
+              <p:cNvGrpSpPr/>
+              <p:nvPr/>
+            </p:nvGrpSpPr>
+            <p:grpSpPr>
+              <a:xfrm>
+                <a:off x="5652922" y="1624262"/>
+                <a:ext cx="3721190" cy="3721190"/>
+                <a:chOff x="3406158" y="1634582"/>
+                <a:chExt cx="3721190" cy="3721190"/>
+              </a:xfrm>
+            </p:grpSpPr>
+            <p:grpSp>
+              <p:nvGrpSpPr>
+                <p:cNvPr id="53" name="组合 52"/>
+                <p:cNvGrpSpPr/>
+                <p:nvPr/>
+              </p:nvGrpSpPr>
+              <p:grpSpPr>
+                <a:xfrm rot="5400000">
+                  <a:off x="4677512" y="2905937"/>
+                  <a:ext cx="683100" cy="1178481"/>
+                  <a:chOff x="7343998" y="4088677"/>
+                  <a:chExt cx="990293" cy="1708449"/>
+                </a:xfrm>
+              </p:grpSpPr>
+              <p:grpSp>
+                <p:nvGrpSpPr>
+                  <p:cNvPr id="57" name="组合 56"/>
+                  <p:cNvGrpSpPr/>
+                  <p:nvPr/>
+                </p:nvGrpSpPr>
+                <p:grpSpPr>
+                  <a:xfrm>
+                    <a:off x="7343998" y="4088677"/>
+                    <a:ext cx="990293" cy="1701643"/>
+                    <a:chOff x="7343998" y="4088677"/>
+                    <a:chExt cx="990293" cy="1701643"/>
+                  </a:xfrm>
+                </p:grpSpPr>
+                <p:sp>
+                  <p:nvSpPr>
+                    <p:cNvPr id="59" name="椭圆 58"/>
+                    <p:cNvSpPr/>
+                    <p:nvPr/>
+                  </p:nvSpPr>
+                  <p:spPr>
+                    <a:xfrm>
+                      <a:off x="7343998" y="4088677"/>
+                      <a:ext cx="990293" cy="990293"/>
+                    </a:xfrm>
+                    <a:prstGeom prst="ellipse">
+                      <a:avLst/>
+                    </a:prstGeom>
+                    <a:noFill/>
+                    <a:ln w="28575">
+                      <a:solidFill>
+                        <a:schemeClr val="tx1">
+                          <a:lumMod val="65000"/>
+                          <a:lumOff val="35000"/>
+                        </a:schemeClr>
+                      </a:solidFill>
+                    </a:ln>
+                  </p:spPr>
+                  <p:style>
+                    <a:lnRef idx="2">
+                      <a:schemeClr val="accent1">
+                        <a:shade val="50000"/>
+                      </a:schemeClr>
+                    </a:lnRef>
+                    <a:fillRef idx="1">
+                      <a:schemeClr val="accent1"/>
+                    </a:fillRef>
+                    <a:effectRef idx="0">
+                      <a:schemeClr val="accent1"/>
+                    </a:effectRef>
+                    <a:fontRef idx="minor">
+                      <a:schemeClr val="lt1"/>
+                    </a:fontRef>
+                  </p:style>
+                  <p:txBody>
+                    <a:bodyPr rtlCol="0" anchor="ctr"/>
+                    <a:lstStyle/>
+                    <a:p>
+                      <a:pPr algn="ctr"/>
+                      <a:endParaRPr lang="zh-CN" altLang="en-US"/>
+                    </a:p>
+                  </p:txBody>
+                </p:sp>
+                <p:sp>
+                  <p:nvSpPr>
+                    <p:cNvPr id="60" name="椭圆 59"/>
+                    <p:cNvSpPr/>
+                    <p:nvPr/>
+                  </p:nvSpPr>
+                  <p:spPr>
+                    <a:xfrm>
+                      <a:off x="7778423" y="4523102"/>
+                      <a:ext cx="121444" cy="121444"/>
+                    </a:xfrm>
+                    <a:prstGeom prst="ellipse">
+                      <a:avLst/>
+                    </a:prstGeom>
+                    <a:noFill/>
+                    <a:ln w="28575">
+                      <a:solidFill>
+                        <a:schemeClr val="tx1">
+                          <a:lumMod val="50000"/>
+                          <a:lumOff val="50000"/>
+                        </a:schemeClr>
+                      </a:solidFill>
+                    </a:ln>
+                  </p:spPr>
+                  <p:style>
+                    <a:lnRef idx="2">
+                      <a:schemeClr val="accent1">
+                        <a:shade val="50000"/>
+                      </a:schemeClr>
+                    </a:lnRef>
+                    <a:fillRef idx="1">
+                      <a:schemeClr val="accent1"/>
+                    </a:fillRef>
+                    <a:effectRef idx="0">
+                      <a:schemeClr val="accent1"/>
+                    </a:effectRef>
+                    <a:fontRef idx="minor">
+                      <a:schemeClr val="lt1"/>
+                    </a:fontRef>
+                  </p:style>
+                  <p:txBody>
+                    <a:bodyPr rtlCol="0" anchor="ctr"/>
+                    <a:lstStyle/>
+                    <a:p>
+                      <a:pPr algn="ctr"/>
+                      <a:endParaRPr lang="zh-CN" altLang="en-US"/>
+                    </a:p>
+                  </p:txBody>
+                </p:sp>
+                <p:sp>
+                  <p:nvSpPr>
+                    <p:cNvPr id="61" name="矩形 60"/>
+                    <p:cNvSpPr/>
+                    <p:nvPr/>
+                  </p:nvSpPr>
+                  <p:spPr>
+                    <a:xfrm rot="5400000">
+                      <a:off x="7482940" y="5389103"/>
+                      <a:ext cx="711348" cy="91086"/>
+                    </a:xfrm>
+                    <a:prstGeom prst="rect">
+                      <a:avLst/>
+                    </a:prstGeom>
+                    <a:noFill/>
+                    <a:ln w="28575">
+                      <a:solidFill>
+                        <a:schemeClr val="bg1">
+                          <a:lumMod val="50000"/>
+                        </a:schemeClr>
+                      </a:solidFill>
+                    </a:ln>
+                  </p:spPr>
+                  <p:style>
+                    <a:lnRef idx="2">
+                      <a:schemeClr val="accent1">
+                        <a:shade val="50000"/>
+                      </a:schemeClr>
+                    </a:lnRef>
+                    <a:fillRef idx="1">
+                      <a:schemeClr val="accent1"/>
+                    </a:fillRef>
+                    <a:effectRef idx="0">
+                      <a:schemeClr val="accent1"/>
+                    </a:effectRef>
+                    <a:fontRef idx="minor">
+                      <a:schemeClr val="lt1"/>
+                    </a:fontRef>
+                  </p:style>
+                  <p:txBody>
+                    <a:bodyPr rtlCol="0" anchor="ctr"/>
+                    <a:lstStyle/>
+                    <a:p>
+                      <a:pPr algn="ctr"/>
+                      <a:endParaRPr lang="zh-CN" altLang="en-US"/>
+                    </a:p>
+                  </p:txBody>
+                </p:sp>
+                <p:sp>
+                  <p:nvSpPr>
+                    <p:cNvPr id="62" name="圆角矩形 61"/>
+                    <p:cNvSpPr/>
+                    <p:nvPr/>
+                  </p:nvSpPr>
+                  <p:spPr>
+                    <a:xfrm>
+                      <a:off x="7778423" y="5117626"/>
+                      <a:ext cx="133995" cy="57287"/>
+                    </a:xfrm>
+                    <a:prstGeom prst="roundRect">
+                      <a:avLst/>
+                    </a:prstGeom>
+                    <a:solidFill>
+                      <a:schemeClr val="bg1"/>
+                    </a:solidFill>
+                    <a:ln w="28575">
+                      <a:solidFill>
+                        <a:schemeClr val="tx1">
+                          <a:lumMod val="65000"/>
+                          <a:lumOff val="35000"/>
+                        </a:schemeClr>
+                      </a:solidFill>
+                    </a:ln>
+                  </p:spPr>
+                  <p:style>
+                    <a:lnRef idx="2">
+                      <a:schemeClr val="accent1">
+                        <a:shade val="50000"/>
+                      </a:schemeClr>
+                    </a:lnRef>
+                    <a:fillRef idx="1">
+                      <a:schemeClr val="accent1"/>
+                    </a:fillRef>
+                    <a:effectRef idx="0">
+                      <a:schemeClr val="accent1"/>
+                    </a:effectRef>
+                    <a:fontRef idx="minor">
+                      <a:schemeClr val="lt1"/>
+                    </a:fontRef>
+                  </p:style>
+                  <p:txBody>
+                    <a:bodyPr rtlCol="0" anchor="ctr"/>
+                    <a:lstStyle/>
+                    <a:p>
+                      <a:pPr algn="ctr"/>
+                      <a:endParaRPr lang="zh-CN" altLang="en-US"/>
+                    </a:p>
+                  </p:txBody>
+                </p:sp>
+              </p:grpSp>
+              <p:sp>
+                <p:nvSpPr>
+                  <p:cNvPr id="58" name="矩形 57"/>
+                  <p:cNvSpPr/>
+                  <p:nvPr/>
+                </p:nvSpPr>
+                <p:spPr>
+                  <a:xfrm>
+                    <a:off x="7659584" y="5620306"/>
+                    <a:ext cx="358060" cy="176820"/>
+                  </a:xfrm>
+                  <a:prstGeom prst="rect">
+                    <a:avLst/>
+                  </a:prstGeom>
+                  <a:solidFill>
+                    <a:schemeClr val="bg1"/>
+                  </a:solidFill>
+                  <a:ln w="28575">
+                    <a:solidFill>
+                      <a:schemeClr val="bg1"/>
+                    </a:solidFill>
+                  </a:ln>
+                </p:spPr>
+                <p:style>
+                  <a:lnRef idx="2">
+                    <a:schemeClr val="accent1">
+                      <a:shade val="50000"/>
+                    </a:schemeClr>
+                  </a:lnRef>
+                  <a:fillRef idx="1">
+                    <a:schemeClr val="accent1"/>
+                  </a:fillRef>
+                  <a:effectRef idx="0">
+                    <a:schemeClr val="accent1"/>
+                  </a:effectRef>
+                  <a:fontRef idx="minor">
+                    <a:schemeClr val="lt1"/>
+                  </a:fontRef>
+                </p:style>
+                <p:txBody>
+                  <a:bodyPr rtlCol="0" anchor="ctr"/>
+                  <a:lstStyle/>
+                  <a:p>
+                    <a:pPr algn="ctr"/>
+                    <a:endParaRPr lang="zh-CN" altLang="en-US"/>
+                  </a:p>
+                </p:txBody>
+              </p:sp>
+            </p:grpSp>
+            <p:grpSp>
+              <p:nvGrpSpPr>
+                <p:cNvPr id="54" name="组合 53"/>
+                <p:cNvGrpSpPr/>
+                <p:nvPr/>
+              </p:nvGrpSpPr>
+              <p:grpSpPr>
+                <a:xfrm>
+                  <a:off x="3406158" y="1634582"/>
+                  <a:ext cx="3721190" cy="3721190"/>
+                  <a:chOff x="3406158" y="1634582"/>
+                  <a:chExt cx="3721190" cy="3721190"/>
+                </a:xfrm>
+              </p:grpSpPr>
+              <p:sp>
+                <p:nvSpPr>
+                  <p:cNvPr id="55" name="椭圆 54"/>
+                  <p:cNvSpPr/>
+                  <p:nvPr/>
+                </p:nvSpPr>
+                <p:spPr>
+                  <a:xfrm>
+                    <a:off x="3406158" y="1634582"/>
+                    <a:ext cx="3721190" cy="3721190"/>
+                  </a:xfrm>
+                  <a:prstGeom prst="ellipse">
+                    <a:avLst/>
+                  </a:prstGeom>
+                  <a:noFill/>
+                  <a:ln w="28575">
+                    <a:solidFill>
+                      <a:schemeClr val="accent5">
+                        <a:lumMod val="40000"/>
+                        <a:lumOff val="60000"/>
+                      </a:schemeClr>
+                    </a:solidFill>
+                  </a:ln>
+                </p:spPr>
+                <p:style>
+                  <a:lnRef idx="2">
+                    <a:schemeClr val="accent1">
+                      <a:shade val="50000"/>
+                    </a:schemeClr>
+                  </a:lnRef>
+                  <a:fillRef idx="1">
+                    <a:schemeClr val="accent1"/>
+                  </a:fillRef>
+                  <a:effectRef idx="0">
+                    <a:schemeClr val="accent1"/>
+                  </a:effectRef>
+                  <a:fontRef idx="minor">
+                    <a:schemeClr val="lt1"/>
+                  </a:fontRef>
+                </p:style>
+                <p:txBody>
+                  <a:bodyPr rtlCol="0" anchor="ctr"/>
+                  <a:lstStyle/>
+                  <a:p>
+                    <a:pPr algn="ctr"/>
+                    <a:endParaRPr lang="zh-CN" altLang="en-US"/>
+                  </a:p>
+                </p:txBody>
+              </p:sp>
+              <p:cxnSp>
+                <p:nvCxnSpPr>
+                  <p:cNvPr id="56" name="直接连接符 55"/>
+                  <p:cNvCxnSpPr>
+                    <a:stCxn id="60" idx="2"/>
+                    <a:endCxn id="55" idx="0"/>
+                  </p:cNvCxnSpPr>
+                  <p:nvPr/>
+                </p:nvCxnSpPr>
+                <p:spPr>
+                  <a:xfrm flipV="1">
+                    <a:off x="5266753" y="1634582"/>
+                    <a:ext cx="0" cy="1818709"/>
+                  </a:xfrm>
+                  <a:prstGeom prst="line">
+                    <a:avLst/>
+                  </a:prstGeom>
+                  <a:ln w="28575">
+                    <a:prstDash val="solid"/>
+                    <a:headEnd type="none"/>
+                    <a:tailEnd type="stealth"/>
+                  </a:ln>
+                </p:spPr>
+                <p:style>
+                  <a:lnRef idx="1">
+                    <a:schemeClr val="accent1"/>
+                  </a:lnRef>
+                  <a:fillRef idx="0">
+                    <a:schemeClr val="accent1"/>
+                  </a:fillRef>
+                  <a:effectRef idx="0">
+                    <a:schemeClr val="accent1"/>
+                  </a:effectRef>
+                  <a:fontRef idx="minor">
+                    <a:schemeClr val="tx1"/>
+                  </a:fontRef>
+                </p:style>
+              </p:cxnSp>
+            </p:grpSp>
+          </p:grpSp>
+        </p:grpSp>
+        <p:sp>
+          <p:nvSpPr>
+            <p:cNvPr id="16" name="右箭头 15"/>
+            <p:cNvSpPr/>
+            <p:nvPr/>
+          </p:nvSpPr>
+          <p:spPr>
+            <a:xfrm>
+              <a:off x="5219526" y="3440912"/>
+              <a:ext cx="574429" cy="169784"/>
+            </a:xfrm>
+            <a:prstGeom prst="rightArrow">
+              <a:avLst/>
+            </a:prstGeom>
+          </p:spPr>
+          <p:style>
+            <a:lnRef idx="2">
+              <a:schemeClr val="accent3">
+                <a:shade val="50000"/>
+              </a:schemeClr>
+            </a:lnRef>
+            <a:fillRef idx="1">
+              <a:schemeClr val="accent3"/>
+            </a:fillRef>
+            <a:effectRef idx="0">
+              <a:schemeClr val="accent3"/>
+            </a:effectRef>
+            <a:fontRef idx="minor">
+              <a:schemeClr val="lt1"/>
+            </a:fontRef>
+          </p:style>
+          <p:txBody>
+            <a:bodyPr rtlCol="0" anchor="ctr"/>
+            <a:lstStyle/>
+            <a:p>
+              <a:pPr algn="ctr"/>
+              <a:endParaRPr lang="zh-CN" altLang="en-US"/>
+            </a:p>
+          </p:txBody>
+        </p:sp>
+      </p:grpSp>
+    </p:spTree>
+    <p:extLst>
+      <p:ext uri="{BB962C8B-B14F-4D97-AF65-F5344CB8AC3E}">
+        <p14:creationId xmlns:p14="http://schemas.microsoft.com/office/powerpoint/2010/main" val="2857857669"/>
+      </p:ext>
+    </p:extLst>
+  </p:cSld>
+  <p:clrMapOvr>
+    <a:masterClrMapping/>
+  </p:clrMapOvr>
+</p:sld>
+</file>
+
+<file path=ppt/slides/slide7.xml><?xml version="1.0" encoding="utf-8"?>
+<p:sld xmlns:a="http://schemas.openxmlformats.org/drawingml/2006/main" xmlns:r="http://schemas.openxmlformats.org/officeDocument/2006/relationships" xmlns:p="http://schemas.openxmlformats.org/presentationml/2006/main">
+  <p:cSld>
+    <p:spTree>
+      <p:nvGrpSpPr>
+        <p:cNvPr id="1" name=""/>
+        <p:cNvGrpSpPr/>
+        <p:nvPr/>
+      </p:nvGrpSpPr>
+      <p:grpSpPr>
+        <a:xfrm>
+          <a:off x="0" y="0"/>
+          <a:ext cx="0" cy="0"/>
+          <a:chOff x="0" y="0"/>
+          <a:chExt cx="0" cy="0"/>
+        </a:xfrm>
+      </p:grpSpPr>
+      <p:sp>
+        <p:nvSpPr>
+          <p:cNvPr id="98" name="矩形 97"/>
+          <p:cNvSpPr/>
+          <p:nvPr/>
+        </p:nvSpPr>
+        <p:spPr>
+          <a:xfrm rot="10800000">
+            <a:off x="8379381" y="3453697"/>
+            <a:ext cx="299665" cy="45719"/>
+          </a:xfrm>
+          <a:prstGeom prst="rect">
+            <a:avLst/>
+          </a:prstGeom>
+          <a:noFill/>
+          <a:ln w="19050">
+            <a:solidFill>
+              <a:schemeClr val="bg1">
+                <a:lumMod val="50000"/>
+              </a:schemeClr>
+            </a:solidFill>
+            <a:prstDash val="solid"/>
+          </a:ln>
+        </p:spPr>
+        <p:style>
+          <a:lnRef idx="2">
+            <a:schemeClr val="accent1">
+              <a:shade val="50000"/>
+            </a:schemeClr>
+          </a:lnRef>
+          <a:fillRef idx="1">
+            <a:schemeClr val="accent1"/>
+          </a:fillRef>
+          <a:effectRef idx="0">
+            <a:schemeClr val="accent1"/>
+          </a:effectRef>
+          <a:fontRef idx="minor">
+            <a:schemeClr val="lt1"/>
+          </a:fontRef>
+        </p:style>
+        <p:txBody>
+          <a:bodyPr rtlCol="0" anchor="ctr"/>
+          <a:lstStyle/>
+          <a:p>
+            <a:pPr algn="ctr"/>
+            <a:endParaRPr lang="zh-CN" altLang="en-US"/>
+          </a:p>
+        </p:txBody>
+      </p:sp>
+      <p:sp>
+        <p:nvSpPr>
+          <p:cNvPr id="99" name="圆角矩形 98"/>
+          <p:cNvSpPr/>
+          <p:nvPr/>
+        </p:nvSpPr>
+        <p:spPr>
+          <a:xfrm rot="5400000">
+            <a:off x="8586409" y="3452939"/>
+            <a:ext cx="92429" cy="39516"/>
+          </a:xfrm>
+          <a:prstGeom prst="roundRect">
+            <a:avLst/>
+          </a:prstGeom>
+          <a:solidFill>
+            <a:schemeClr val="bg1"/>
+          </a:solidFill>
+          <a:ln w="19050">
+            <a:solidFill>
+              <a:schemeClr val="tx1">
+                <a:lumMod val="65000"/>
+                <a:lumOff val="35000"/>
+              </a:schemeClr>
+            </a:solidFill>
+            <a:prstDash val="solid"/>
+          </a:ln>
+        </p:spPr>
+        <p:style>
+          <a:lnRef idx="2">
+            <a:schemeClr val="accent1">
+              <a:shade val="50000"/>
+            </a:schemeClr>
+          </a:lnRef>
+          <a:fillRef idx="1">
+            <a:schemeClr val="accent1"/>
+          </a:fillRef>
+          <a:effectRef idx="0">
+            <a:schemeClr val="accent1"/>
+          </a:effectRef>
+          <a:fontRef idx="minor">
+            <a:schemeClr val="lt1"/>
+          </a:fontRef>
+        </p:style>
+        <p:txBody>
+          <a:bodyPr rtlCol="0" anchor="ctr"/>
+          <a:lstStyle/>
+          <a:p>
+            <a:pPr algn="ctr"/>
+            <a:endParaRPr lang="zh-CN" altLang="en-US"/>
+          </a:p>
+        </p:txBody>
+      </p:sp>
+      <p:sp>
+        <p:nvSpPr>
+          <p:cNvPr id="102" name="矩形 101"/>
+          <p:cNvSpPr/>
+          <p:nvPr/>
+        </p:nvSpPr>
+        <p:spPr>
+          <a:xfrm rot="10800000">
+            <a:off x="7470969" y="3454777"/>
+            <a:ext cx="299665" cy="45719"/>
+          </a:xfrm>
+          <a:prstGeom prst="rect">
+            <a:avLst/>
+          </a:prstGeom>
+          <a:noFill/>
+          <a:ln w="19050">
+            <a:solidFill>
+              <a:schemeClr val="bg1">
+                <a:lumMod val="50000"/>
+              </a:schemeClr>
+            </a:solidFill>
+            <a:prstDash val="sysDash"/>
+          </a:ln>
+        </p:spPr>
+        <p:style>
+          <a:lnRef idx="2">
+            <a:schemeClr val="accent1">
+              <a:shade val="50000"/>
+            </a:schemeClr>
+          </a:lnRef>
+          <a:fillRef idx="1">
+            <a:schemeClr val="accent1"/>
+          </a:fillRef>
+          <a:effectRef idx="0">
+            <a:schemeClr val="accent1"/>
+          </a:effectRef>
+          <a:fontRef idx="minor">
+            <a:schemeClr val="lt1"/>
+          </a:fontRef>
+        </p:style>
+        <p:txBody>
+          <a:bodyPr rtlCol="0" anchor="ctr"/>
+          <a:lstStyle/>
+          <a:p>
+            <a:pPr algn="ctr"/>
+            <a:endParaRPr lang="zh-CN" altLang="en-US"/>
+          </a:p>
+        </p:txBody>
+      </p:sp>
+      <p:sp>
+        <p:nvSpPr>
+          <p:cNvPr id="103" name="圆角矩形 102"/>
+          <p:cNvSpPr/>
+          <p:nvPr/>
+        </p:nvSpPr>
+        <p:spPr>
+          <a:xfrm rot="5400000">
+            <a:off x="7677997" y="3454019"/>
+            <a:ext cx="92429" cy="39516"/>
+          </a:xfrm>
+          <a:prstGeom prst="roundRect">
+            <a:avLst/>
+          </a:prstGeom>
+          <a:solidFill>
+            <a:schemeClr val="bg1"/>
+          </a:solidFill>
+          <a:ln w="19050">
+            <a:solidFill>
+              <a:schemeClr val="tx1">
+                <a:lumMod val="65000"/>
+                <a:lumOff val="35000"/>
+              </a:schemeClr>
+            </a:solidFill>
+            <a:prstDash val="sysDash"/>
+          </a:ln>
+        </p:spPr>
+        <p:style>
+          <a:lnRef idx="2">
+            <a:schemeClr val="accent1">
+              <a:shade val="50000"/>
+            </a:schemeClr>
+          </a:lnRef>
+          <a:fillRef idx="1">
+            <a:schemeClr val="accent1"/>
+          </a:fillRef>
+          <a:effectRef idx="0">
+            <a:schemeClr val="accent1"/>
+          </a:effectRef>
+          <a:fontRef idx="minor">
+            <a:schemeClr val="lt1"/>
+          </a:fontRef>
+        </p:style>
+        <p:txBody>
+          <a:bodyPr rtlCol="0" anchor="ctr"/>
+          <a:lstStyle/>
+          <a:p>
+            <a:pPr algn="ctr"/>
+            <a:endParaRPr lang="zh-CN" altLang="en-US"/>
+          </a:p>
+        </p:txBody>
+      </p:sp>
+      <p:sp>
+        <p:nvSpPr>
+          <p:cNvPr id="7" name="五角星 6"/>
+          <p:cNvSpPr/>
+          <p:nvPr/>
+        </p:nvSpPr>
+        <p:spPr>
+          <a:xfrm>
+            <a:off x="9112431" y="2064784"/>
+            <a:ext cx="261176" cy="238349"/>
+          </a:xfrm>
+          <a:prstGeom prst="star5">
+            <a:avLst/>
+          </a:prstGeom>
+        </p:spPr>
+        <p:style>
+          <a:lnRef idx="2">
+            <a:schemeClr val="accent4">
+              <a:shade val="50000"/>
+            </a:schemeClr>
+          </a:lnRef>
+          <a:fillRef idx="1">
+            <a:schemeClr val="accent4"/>
+          </a:fillRef>
+          <a:effectRef idx="0">
+            <a:schemeClr val="accent4"/>
+          </a:effectRef>
+          <a:fontRef idx="minor">
+            <a:schemeClr val="lt1"/>
+          </a:fontRef>
+        </p:style>
+        <p:txBody>
+          <a:bodyPr rtlCol="0" anchor="ctr"/>
+          <a:lstStyle/>
+          <a:p>
+            <a:pPr algn="ctr"/>
+            <a:endParaRPr lang="zh-CN" altLang="en-US"/>
+          </a:p>
+        </p:txBody>
+      </p:sp>
+      <p:sp>
+        <p:nvSpPr>
+          <p:cNvPr id="49" name="矩形 48"/>
+          <p:cNvSpPr/>
+          <p:nvPr/>
+        </p:nvSpPr>
+        <p:spPr>
+          <a:xfrm rot="5400000">
+            <a:off x="7935016" y="3464841"/>
+            <a:ext cx="98997" cy="45719"/>
+          </a:xfrm>
+          <a:prstGeom prst="rect">
+            <a:avLst/>
+          </a:prstGeom>
+          <a:solidFill>
+            <a:schemeClr val="bg1"/>
+          </a:solidFill>
+          <a:ln w="28575">
+            <a:solidFill>
+              <a:schemeClr val="bg1"/>
+            </a:solidFill>
+          </a:ln>
+        </p:spPr>
+        <p:style>
+          <a:lnRef idx="2">
+            <a:schemeClr val="accent1">
+              <a:shade val="50000"/>
+            </a:schemeClr>
+          </a:lnRef>
+          <a:fillRef idx="1">
+            <a:schemeClr val="accent1"/>
+          </a:fillRef>
+          <a:effectRef idx="0">
+            <a:schemeClr val="accent1"/>
+          </a:effectRef>
+          <a:fontRef idx="minor">
+            <a:schemeClr val="lt1"/>
+          </a:fontRef>
+        </p:style>
+        <p:txBody>
+          <a:bodyPr rtlCol="0" anchor="ctr"/>
+          <a:lstStyle/>
+          <a:p>
+            <a:pPr algn="ctr"/>
+            <a:endParaRPr lang="zh-CN" altLang="en-US"/>
+          </a:p>
+        </p:txBody>
+      </p:sp>
+      <p:grpSp>
+        <p:nvGrpSpPr>
+          <p:cNvPr id="34" name="组合 33"/>
+          <p:cNvGrpSpPr/>
+          <p:nvPr/>
+        </p:nvGrpSpPr>
+        <p:grpSpPr>
+          <a:xfrm>
+            <a:off x="6265395" y="1624262"/>
+            <a:ext cx="3721190" cy="3721190"/>
+            <a:chOff x="3406158" y="1634582"/>
+            <a:chExt cx="3721190" cy="3721190"/>
+          </a:xfrm>
+        </p:grpSpPr>
+        <p:grpSp>
+          <p:nvGrpSpPr>
+            <p:cNvPr id="53" name="组合 52"/>
+            <p:cNvGrpSpPr/>
+            <p:nvPr/>
+          </p:nvGrpSpPr>
+          <p:grpSpPr>
+            <a:xfrm rot="5400000">
+              <a:off x="4677512" y="2905937"/>
+              <a:ext cx="683100" cy="1178481"/>
+              <a:chOff x="7343998" y="4088677"/>
+              <a:chExt cx="990293" cy="1708449"/>
+            </a:xfrm>
+          </p:grpSpPr>
+          <p:grpSp>
+            <p:nvGrpSpPr>
+              <p:cNvPr id="57" name="组合 56"/>
+              <p:cNvGrpSpPr/>
+              <p:nvPr/>
+            </p:nvGrpSpPr>
+            <p:grpSpPr>
+              <a:xfrm>
+                <a:off x="7343998" y="4088677"/>
+                <a:ext cx="990293" cy="990293"/>
                 <a:chOff x="7343998" y="4088677"/>
                 <a:chExt cx="990293" cy="990293"/>
               </a:xfrm>
             </p:grpSpPr>
             <p:sp>
               <p:nvSpPr>
-                <p:cNvPr id="31" name="椭圆 30"/>
+                <p:cNvPr id="59" name="椭圆 58"/>
                 <p:cNvSpPr/>
                 <p:nvPr/>
               </p:nvSpPr>
@@ -11445,7 +12982,7 @@
             </p:sp>
             <p:sp>
               <p:nvSpPr>
-                <p:cNvPr id="32" name="椭圆 31"/>
+                <p:cNvPr id="60" name="椭圆 59"/>
                 <p:cNvSpPr/>
                 <p:nvPr/>
               </p:nvSpPr>
@@ -11496,14 +13033,14 @@
           </p:grpSp>
           <p:sp>
             <p:nvSpPr>
-              <p:cNvPr id="30" name="矩形 29"/>
+              <p:cNvPr id="58" name="矩形 57"/>
               <p:cNvSpPr/>
               <p:nvPr/>
             </p:nvSpPr>
             <p:spPr>
-              <a:xfrm rot="5400000">
-                <a:off x="5601875" y="3464786"/>
-                <a:ext cx="98997" cy="45719"/>
+              <a:xfrm>
+                <a:off x="7659584" y="5620306"/>
+                <a:ext cx="358060" cy="176820"/>
               </a:xfrm>
               <a:prstGeom prst="rect">
                 <a:avLst/>
@@ -11515,6 +13052,7 @@
                 <a:solidFill>
                   <a:schemeClr val="bg1"/>
                 </a:solidFill>
+                <a:prstDash val="sysDash"/>
               </a:ln>
             </p:spPr>
             <p:style>
@@ -11542,235 +13080,30 @@
               </a:p>
             </p:txBody>
           </p:sp>
-          <p:cxnSp>
-            <p:nvCxnSpPr>
-              <p:cNvPr id="40" name="直接连接符 39"/>
-              <p:cNvCxnSpPr>
-                <a:stCxn id="32" idx="1"/>
-              </p:cNvCxnSpPr>
-              <p:nvPr/>
-            </p:nvCxnSpPr>
-            <p:spPr>
-              <a:xfrm flipV="1">
-                <a:off x="6313153" y="1944079"/>
-                <a:ext cx="972076" cy="1513872"/>
-              </a:xfrm>
-              <a:prstGeom prst="line">
-                <a:avLst/>
-              </a:prstGeom>
-              <a:ln w="28575">
-                <a:solidFill>
-                  <a:schemeClr val="accent2">
-                    <a:lumMod val="40000"/>
-                    <a:lumOff val="60000"/>
-                  </a:schemeClr>
-                </a:solidFill>
-                <a:prstDash val="dash"/>
-                <a:tailEnd type="stealth"/>
-              </a:ln>
-            </p:spPr>
-            <p:style>
-              <a:lnRef idx="1">
-                <a:schemeClr val="accent1"/>
-              </a:lnRef>
-              <a:fillRef idx="0">
-                <a:schemeClr val="accent1"/>
-              </a:fillRef>
-              <a:effectRef idx="0">
-                <a:schemeClr val="accent1"/>
-              </a:effectRef>
-              <a:fontRef idx="minor">
-                <a:schemeClr val="tx1"/>
-              </a:fontRef>
-            </p:style>
-          </p:cxnSp>
         </p:grpSp>
         <p:grpSp>
           <p:nvGrpSpPr>
-            <p:cNvPr id="22" name="组合 21"/>
+            <p:cNvPr id="54" name="组合 53"/>
             <p:cNvGrpSpPr/>
             <p:nvPr/>
           </p:nvGrpSpPr>
           <p:grpSpPr>
             <a:xfrm>
-              <a:off x="1191106" y="1652597"/>
+              <a:off x="3406158" y="1634582"/>
               <a:ext cx="3721190" cy="3721190"/>
-              <a:chOff x="4422940" y="1642495"/>
+              <a:chOff x="3406158" y="1634582"/>
               <a:chExt cx="3721190" cy="3721190"/>
             </a:xfrm>
           </p:grpSpPr>
-          <p:grpSp>
-            <p:nvGrpSpPr>
-              <p:cNvPr id="23" name="组合 22"/>
-              <p:cNvGrpSpPr/>
-              <p:nvPr/>
-            </p:nvGrpSpPr>
-            <p:grpSpPr>
-              <a:xfrm rot="5400000">
-                <a:off x="5941985" y="3146018"/>
-                <a:ext cx="683100" cy="683100"/>
-                <a:chOff x="7343998" y="4088677"/>
-                <a:chExt cx="990293" cy="990293"/>
-              </a:xfrm>
-            </p:grpSpPr>
-            <p:sp>
-              <p:nvSpPr>
-                <p:cNvPr id="27" name="椭圆 26"/>
-                <p:cNvSpPr/>
-                <p:nvPr/>
-              </p:nvSpPr>
-              <p:spPr>
-                <a:xfrm>
-                  <a:off x="7343998" y="4088677"/>
-                  <a:ext cx="990293" cy="990293"/>
-                </a:xfrm>
-                <a:prstGeom prst="ellipse">
-                  <a:avLst/>
-                </a:prstGeom>
-                <a:noFill/>
-                <a:ln w="28575">
-                  <a:solidFill>
-                    <a:schemeClr val="tx1">
-                      <a:lumMod val="65000"/>
-                      <a:lumOff val="35000"/>
-                    </a:schemeClr>
-                  </a:solidFill>
-                  <a:prstDash val="sysDash"/>
-                </a:ln>
-              </p:spPr>
-              <p:style>
-                <a:lnRef idx="2">
-                  <a:schemeClr val="accent1">
-                    <a:shade val="50000"/>
-                  </a:schemeClr>
-                </a:lnRef>
-                <a:fillRef idx="1">
-                  <a:schemeClr val="accent1"/>
-                </a:fillRef>
-                <a:effectRef idx="0">
-                  <a:schemeClr val="accent1"/>
-                </a:effectRef>
-                <a:fontRef idx="minor">
-                  <a:schemeClr val="lt1"/>
-                </a:fontRef>
-              </p:style>
-              <p:txBody>
-                <a:bodyPr rtlCol="0" anchor="ctr"/>
-                <a:lstStyle/>
-                <a:p>
-                  <a:pPr algn="ctr"/>
-                  <a:endParaRPr lang="zh-CN" altLang="en-US"/>
-                </a:p>
-              </p:txBody>
-            </p:sp>
-            <p:sp>
-              <p:nvSpPr>
-                <p:cNvPr id="28" name="椭圆 27"/>
-                <p:cNvSpPr/>
-                <p:nvPr/>
-              </p:nvSpPr>
-              <p:spPr>
-                <a:xfrm>
-                  <a:off x="7778423" y="4523102"/>
-                  <a:ext cx="121444" cy="121444"/>
-                </a:xfrm>
-                <a:prstGeom prst="ellipse">
-                  <a:avLst/>
-                </a:prstGeom>
-                <a:noFill/>
-                <a:ln w="28575">
-                  <a:solidFill>
-                    <a:schemeClr val="tx1">
-                      <a:lumMod val="50000"/>
-                      <a:lumOff val="50000"/>
-                    </a:schemeClr>
-                  </a:solidFill>
-                  <a:prstDash val="sysDash"/>
-                </a:ln>
-              </p:spPr>
-              <p:style>
-                <a:lnRef idx="2">
-                  <a:schemeClr val="accent1">
-                    <a:shade val="50000"/>
-                  </a:schemeClr>
-                </a:lnRef>
-                <a:fillRef idx="1">
-                  <a:schemeClr val="accent1"/>
-                </a:fillRef>
-                <a:effectRef idx="0">
-                  <a:schemeClr val="accent1"/>
-                </a:effectRef>
-                <a:fontRef idx="minor">
-                  <a:schemeClr val="lt1"/>
-                </a:fontRef>
-              </p:style>
-              <p:txBody>
-                <a:bodyPr rtlCol="0" anchor="ctr"/>
-                <a:lstStyle/>
-                <a:p>
-                  <a:pPr algn="ctr"/>
-                  <a:endParaRPr lang="zh-CN" altLang="en-US"/>
-                </a:p>
-              </p:txBody>
-            </p:sp>
-          </p:grpSp>
           <p:sp>
             <p:nvSpPr>
-              <p:cNvPr id="24" name="矩形 23"/>
-              <p:cNvSpPr/>
-              <p:nvPr/>
-            </p:nvSpPr>
-            <p:spPr>
-              <a:xfrm rot="5400000">
-                <a:off x="5601875" y="3464786"/>
-                <a:ext cx="98997" cy="45719"/>
-              </a:xfrm>
-              <a:prstGeom prst="rect">
-                <a:avLst/>
-              </a:prstGeom>
-              <a:solidFill>
-                <a:schemeClr val="bg1"/>
-              </a:solidFill>
-              <a:ln w="28575">
-                <a:solidFill>
-                  <a:schemeClr val="bg1"/>
-                </a:solidFill>
-              </a:ln>
-            </p:spPr>
-            <p:style>
-              <a:lnRef idx="2">
-                <a:schemeClr val="accent1">
-                  <a:shade val="50000"/>
-                </a:schemeClr>
-              </a:lnRef>
-              <a:fillRef idx="1">
-                <a:schemeClr val="accent1"/>
-              </a:fillRef>
-              <a:effectRef idx="0">
-                <a:schemeClr val="accent1"/>
-              </a:effectRef>
-              <a:fontRef idx="minor">
-                <a:schemeClr val="lt1"/>
-              </a:fontRef>
-            </p:style>
-            <p:txBody>
-              <a:bodyPr rtlCol="0" anchor="ctr"/>
-              <a:lstStyle/>
-              <a:p>
-                <a:pPr algn="ctr"/>
-                <a:endParaRPr lang="zh-CN" altLang="en-US"/>
-              </a:p>
-            </p:txBody>
-          </p:sp>
-          <p:sp>
-            <p:nvSpPr>
-              <p:cNvPr id="25" name="椭圆 24"/>
+              <p:cNvPr id="55" name="椭圆 54"/>
               <p:cNvSpPr/>
               <p:nvPr/>
             </p:nvSpPr>
             <p:spPr>
               <a:xfrm>
-                <a:off x="4422940" y="1642495"/>
+                <a:off x="3406158" y="1634582"/>
                 <a:ext cx="3721190" cy="3721190"/>
               </a:xfrm>
               <a:prstGeom prst="ellipse">
@@ -11779,7 +13112,7 @@
               <a:noFill/>
               <a:ln w="28575">
                 <a:solidFill>
-                  <a:schemeClr val="accent6">
+                  <a:schemeClr val="accent5">
                     <a:lumMod val="40000"/>
                     <a:lumOff val="60000"/>
                   </a:schemeClr>
@@ -11814,28 +13147,23 @@
           </p:sp>
           <p:cxnSp>
             <p:nvCxnSpPr>
-              <p:cNvPr id="26" name="直接连接符 25"/>
+              <p:cNvPr id="56" name="直接连接符 55"/>
               <p:cNvCxnSpPr>
-                <a:stCxn id="28" idx="0"/>
+                <a:stCxn id="60" idx="2"/>
               </p:cNvCxnSpPr>
               <p:nvPr/>
             </p:nvCxnSpPr>
             <p:spPr>
               <a:xfrm flipV="1">
-                <a:off x="6325421" y="3053940"/>
-                <a:ext cx="1746637" cy="433628"/>
+                <a:off x="5266752" y="2194278"/>
+                <a:ext cx="1117030" cy="1259014"/>
               </a:xfrm>
               <a:prstGeom prst="line">
                 <a:avLst/>
               </a:prstGeom>
               <a:ln w="28575">
-                <a:solidFill>
-                  <a:schemeClr val="accent6">
-                    <a:lumMod val="40000"/>
-                    <a:lumOff val="60000"/>
-                  </a:schemeClr>
-                </a:solidFill>
-                <a:prstDash val="dash"/>
+                <a:prstDash val="sysDash"/>
+                <a:headEnd type="none"/>
                 <a:tailEnd type="stealth"/>
               </a:ln>
             </p:spPr>
@@ -11856,10 +13184,763 @@
           </p:cxnSp>
         </p:grpSp>
       </p:grpSp>
+      <p:sp>
+        <p:nvSpPr>
+          <p:cNvPr id="81" name="椭圆 80"/>
+          <p:cNvSpPr/>
+          <p:nvPr/>
+        </p:nvSpPr>
+        <p:spPr>
+          <a:xfrm>
+            <a:off x="7163201" y="1624262"/>
+            <a:ext cx="3721190" cy="3721190"/>
+          </a:xfrm>
+          <a:prstGeom prst="ellipse">
+            <a:avLst/>
+          </a:prstGeom>
+          <a:noFill/>
+          <a:ln w="28575">
+            <a:solidFill>
+              <a:schemeClr val="accent2">
+                <a:lumMod val="40000"/>
+                <a:lumOff val="60000"/>
+              </a:schemeClr>
+            </a:solidFill>
+            <a:prstDash val="solid"/>
+          </a:ln>
+        </p:spPr>
+        <p:style>
+          <a:lnRef idx="2">
+            <a:schemeClr val="accent1">
+              <a:shade val="50000"/>
+            </a:schemeClr>
+          </a:lnRef>
+          <a:fillRef idx="1">
+            <a:schemeClr val="accent1"/>
+          </a:fillRef>
+          <a:effectRef idx="0">
+            <a:schemeClr val="accent1"/>
+          </a:effectRef>
+          <a:fontRef idx="minor">
+            <a:schemeClr val="lt1"/>
+          </a:fontRef>
+        </p:style>
+        <p:txBody>
+          <a:bodyPr rtlCol="0" anchor="ctr"/>
+          <a:lstStyle/>
+          <a:p>
+            <a:pPr algn="ctr"/>
+            <a:endParaRPr lang="zh-CN" altLang="en-US"/>
+          </a:p>
+        </p:txBody>
+      </p:sp>
+      <p:grpSp>
+        <p:nvGrpSpPr>
+          <p:cNvPr id="82" name="组合 81"/>
+          <p:cNvGrpSpPr/>
+          <p:nvPr/>
+        </p:nvGrpSpPr>
+        <p:grpSpPr>
+          <a:xfrm rot="5400000">
+            <a:off x="8682246" y="3127785"/>
+            <a:ext cx="683100" cy="683100"/>
+            <a:chOff x="7343998" y="4088677"/>
+            <a:chExt cx="990293" cy="990293"/>
+          </a:xfrm>
+        </p:grpSpPr>
+        <p:sp>
+          <p:nvSpPr>
+            <p:cNvPr id="85" name="椭圆 84"/>
+            <p:cNvSpPr/>
+            <p:nvPr/>
+          </p:nvSpPr>
+          <p:spPr>
+            <a:xfrm>
+              <a:off x="7343998" y="4088677"/>
+              <a:ext cx="990293" cy="990293"/>
+            </a:xfrm>
+            <a:prstGeom prst="ellipse">
+              <a:avLst/>
+            </a:prstGeom>
+            <a:solidFill>
+              <a:schemeClr val="bg1"/>
+            </a:solidFill>
+            <a:ln w="28575">
+              <a:solidFill>
+                <a:schemeClr val="tx1">
+                  <a:lumMod val="65000"/>
+                  <a:lumOff val="35000"/>
+                </a:schemeClr>
+              </a:solidFill>
+              <a:prstDash val="solid"/>
+            </a:ln>
+          </p:spPr>
+          <p:style>
+            <a:lnRef idx="2">
+              <a:schemeClr val="accent1">
+                <a:shade val="50000"/>
+              </a:schemeClr>
+            </a:lnRef>
+            <a:fillRef idx="1">
+              <a:schemeClr val="accent1"/>
+            </a:fillRef>
+            <a:effectRef idx="0">
+              <a:schemeClr val="accent1"/>
+            </a:effectRef>
+            <a:fontRef idx="minor">
+              <a:schemeClr val="lt1"/>
+            </a:fontRef>
+          </p:style>
+          <p:txBody>
+            <a:bodyPr rtlCol="0" anchor="ctr"/>
+            <a:lstStyle/>
+            <a:p>
+              <a:pPr algn="ctr"/>
+              <a:endParaRPr lang="zh-CN" altLang="en-US"/>
+            </a:p>
+          </p:txBody>
+        </p:sp>
+        <p:sp>
+          <p:nvSpPr>
+            <p:cNvPr id="86" name="椭圆 85"/>
+            <p:cNvSpPr/>
+            <p:nvPr/>
+          </p:nvSpPr>
+          <p:spPr>
+            <a:xfrm>
+              <a:off x="7778423" y="4523102"/>
+              <a:ext cx="121444" cy="121444"/>
+            </a:xfrm>
+            <a:prstGeom prst="ellipse">
+              <a:avLst/>
+            </a:prstGeom>
+            <a:noFill/>
+            <a:ln w="28575">
+              <a:solidFill>
+                <a:schemeClr val="tx1">
+                  <a:lumMod val="50000"/>
+                  <a:lumOff val="50000"/>
+                </a:schemeClr>
+              </a:solidFill>
+              <a:prstDash val="solid"/>
+            </a:ln>
+          </p:spPr>
+          <p:style>
+            <a:lnRef idx="2">
+              <a:schemeClr val="accent1">
+                <a:shade val="50000"/>
+              </a:schemeClr>
+            </a:lnRef>
+            <a:fillRef idx="1">
+              <a:schemeClr val="accent1"/>
+            </a:fillRef>
+            <a:effectRef idx="0">
+              <a:schemeClr val="accent1"/>
+            </a:effectRef>
+            <a:fontRef idx="minor">
+              <a:schemeClr val="lt1"/>
+            </a:fontRef>
+          </p:style>
+          <p:txBody>
+            <a:bodyPr rtlCol="0" anchor="ctr"/>
+            <a:lstStyle/>
+            <a:p>
+              <a:pPr algn="ctr"/>
+              <a:endParaRPr lang="zh-CN" altLang="en-US"/>
+            </a:p>
+          </p:txBody>
+        </p:sp>
+      </p:grpSp>
+      <p:sp>
+        <p:nvSpPr>
+          <p:cNvPr id="83" name="矩形 82"/>
+          <p:cNvSpPr/>
+          <p:nvPr/>
+        </p:nvSpPr>
+        <p:spPr>
+          <a:xfrm rot="5400000">
+            <a:off x="8342136" y="3446553"/>
+            <a:ext cx="98997" cy="45719"/>
+          </a:xfrm>
+          <a:prstGeom prst="rect">
+            <a:avLst/>
+          </a:prstGeom>
+          <a:solidFill>
+            <a:schemeClr val="bg1"/>
+          </a:solidFill>
+          <a:ln w="28575">
+            <a:solidFill>
+              <a:schemeClr val="bg1"/>
+            </a:solidFill>
+          </a:ln>
+        </p:spPr>
+        <p:style>
+          <a:lnRef idx="2">
+            <a:schemeClr val="accent1">
+              <a:shade val="50000"/>
+            </a:schemeClr>
+          </a:lnRef>
+          <a:fillRef idx="1">
+            <a:schemeClr val="accent1"/>
+          </a:fillRef>
+          <a:effectRef idx="0">
+            <a:schemeClr val="accent1"/>
+          </a:effectRef>
+          <a:fontRef idx="minor">
+            <a:schemeClr val="lt1"/>
+          </a:fontRef>
+        </p:style>
+        <p:txBody>
+          <a:bodyPr rtlCol="0" anchor="ctr"/>
+          <a:lstStyle/>
+          <a:p>
+            <a:pPr algn="ctr"/>
+            <a:endParaRPr lang="zh-CN" altLang="en-US"/>
+          </a:p>
+        </p:txBody>
+      </p:sp>
+      <p:cxnSp>
+        <p:nvCxnSpPr>
+          <p:cNvPr id="84" name="直接连接符 83"/>
+          <p:cNvCxnSpPr>
+            <a:stCxn id="86" idx="2"/>
+          </p:cNvCxnSpPr>
+          <p:nvPr/>
+        </p:nvCxnSpPr>
+        <p:spPr>
+          <a:xfrm flipV="1">
+            <a:off x="9023796" y="2183958"/>
+            <a:ext cx="219223" cy="1243492"/>
+          </a:xfrm>
+          <a:prstGeom prst="line">
+            <a:avLst/>
+          </a:prstGeom>
+          <a:ln w="28575">
+            <a:solidFill>
+              <a:schemeClr val="accent2">
+                <a:lumMod val="40000"/>
+                <a:lumOff val="60000"/>
+              </a:schemeClr>
+            </a:solidFill>
+            <a:prstDash val="solid"/>
+            <a:tailEnd type="stealth"/>
+          </a:ln>
+        </p:spPr>
+        <p:style>
+          <a:lnRef idx="1">
+            <a:schemeClr val="accent1"/>
+          </a:lnRef>
+          <a:fillRef idx="0">
+            <a:schemeClr val="accent1"/>
+          </a:fillRef>
+          <a:effectRef idx="0">
+            <a:schemeClr val="accent1"/>
+          </a:effectRef>
+          <a:fontRef idx="minor">
+            <a:schemeClr val="tx1"/>
+          </a:fontRef>
+        </p:style>
+      </p:cxnSp>
+      <p:grpSp>
+        <p:nvGrpSpPr>
+          <p:cNvPr id="88" name="组合 87"/>
+          <p:cNvGrpSpPr/>
+          <p:nvPr/>
+        </p:nvGrpSpPr>
+        <p:grpSpPr>
+          <a:xfrm>
+            <a:off x="5075136" y="1624262"/>
+            <a:ext cx="4167883" cy="3721190"/>
+            <a:chOff x="4422940" y="1642495"/>
+            <a:chExt cx="4167883" cy="3721190"/>
+          </a:xfrm>
+        </p:grpSpPr>
+        <p:grpSp>
+          <p:nvGrpSpPr>
+            <p:cNvPr id="89" name="组合 88"/>
+            <p:cNvGrpSpPr/>
+            <p:nvPr/>
+          </p:nvGrpSpPr>
+          <p:grpSpPr>
+            <a:xfrm rot="5400000">
+              <a:off x="5941985" y="3146018"/>
+              <a:ext cx="683100" cy="683100"/>
+              <a:chOff x="7343998" y="4088677"/>
+              <a:chExt cx="990293" cy="990293"/>
+            </a:xfrm>
+          </p:grpSpPr>
+          <p:sp>
+            <p:nvSpPr>
+              <p:cNvPr id="92" name="椭圆 91"/>
+              <p:cNvSpPr/>
+              <p:nvPr/>
+            </p:nvSpPr>
+            <p:spPr>
+              <a:xfrm>
+                <a:off x="7343998" y="4088677"/>
+                <a:ext cx="990293" cy="990293"/>
+              </a:xfrm>
+              <a:prstGeom prst="ellipse">
+                <a:avLst/>
+              </a:prstGeom>
+              <a:solidFill>
+                <a:schemeClr val="bg1"/>
+              </a:solidFill>
+              <a:ln w="28575">
+                <a:solidFill>
+                  <a:schemeClr val="tx1">
+                    <a:lumMod val="65000"/>
+                    <a:lumOff val="35000"/>
+                  </a:schemeClr>
+                </a:solidFill>
+                <a:prstDash val="sysDash"/>
+              </a:ln>
+            </p:spPr>
+            <p:style>
+              <a:lnRef idx="2">
+                <a:schemeClr val="accent1">
+                  <a:shade val="50000"/>
+                </a:schemeClr>
+              </a:lnRef>
+              <a:fillRef idx="1">
+                <a:schemeClr val="accent1"/>
+              </a:fillRef>
+              <a:effectRef idx="0">
+                <a:schemeClr val="accent1"/>
+              </a:effectRef>
+              <a:fontRef idx="minor">
+                <a:schemeClr val="lt1"/>
+              </a:fontRef>
+            </p:style>
+            <p:txBody>
+              <a:bodyPr rtlCol="0" anchor="ctr"/>
+              <a:lstStyle/>
+              <a:p>
+                <a:pPr algn="ctr"/>
+                <a:endParaRPr lang="zh-CN" altLang="en-US"/>
+              </a:p>
+            </p:txBody>
+          </p:sp>
+          <p:sp>
+            <p:nvSpPr>
+              <p:cNvPr id="93" name="椭圆 92"/>
+              <p:cNvSpPr/>
+              <p:nvPr/>
+            </p:nvSpPr>
+            <p:spPr>
+              <a:xfrm>
+                <a:off x="7778423" y="4523102"/>
+                <a:ext cx="121444" cy="121444"/>
+              </a:xfrm>
+              <a:prstGeom prst="ellipse">
+                <a:avLst/>
+              </a:prstGeom>
+              <a:noFill/>
+              <a:ln w="28575">
+                <a:solidFill>
+                  <a:schemeClr val="tx1">
+                    <a:lumMod val="50000"/>
+                    <a:lumOff val="50000"/>
+                  </a:schemeClr>
+                </a:solidFill>
+                <a:prstDash val="sysDash"/>
+              </a:ln>
+            </p:spPr>
+            <p:style>
+              <a:lnRef idx="2">
+                <a:schemeClr val="accent1">
+                  <a:shade val="50000"/>
+                </a:schemeClr>
+              </a:lnRef>
+              <a:fillRef idx="1">
+                <a:schemeClr val="accent1"/>
+              </a:fillRef>
+              <a:effectRef idx="0">
+                <a:schemeClr val="accent1"/>
+              </a:effectRef>
+              <a:fontRef idx="minor">
+                <a:schemeClr val="lt1"/>
+              </a:fontRef>
+            </p:style>
+            <p:txBody>
+              <a:bodyPr rtlCol="0" anchor="ctr"/>
+              <a:lstStyle/>
+              <a:p>
+                <a:pPr algn="ctr"/>
+                <a:endParaRPr lang="zh-CN" altLang="en-US"/>
+              </a:p>
+            </p:txBody>
+          </p:sp>
+        </p:grpSp>
+        <p:sp>
+          <p:nvSpPr>
+            <p:cNvPr id="90" name="椭圆 89"/>
+            <p:cNvSpPr/>
+            <p:nvPr/>
+          </p:nvSpPr>
+          <p:spPr>
+            <a:xfrm>
+              <a:off x="4422940" y="1642495"/>
+              <a:ext cx="3721190" cy="3721190"/>
+            </a:xfrm>
+            <a:prstGeom prst="ellipse">
+              <a:avLst/>
+            </a:prstGeom>
+            <a:noFill/>
+            <a:ln w="28575">
+              <a:solidFill>
+                <a:schemeClr val="accent6">
+                  <a:lumMod val="40000"/>
+                  <a:lumOff val="60000"/>
+                </a:schemeClr>
+              </a:solidFill>
+              <a:prstDash val="sysDash"/>
+            </a:ln>
+          </p:spPr>
+          <p:style>
+            <a:lnRef idx="2">
+              <a:schemeClr val="accent1">
+                <a:shade val="50000"/>
+              </a:schemeClr>
+            </a:lnRef>
+            <a:fillRef idx="1">
+              <a:schemeClr val="accent1"/>
+            </a:fillRef>
+            <a:effectRef idx="0">
+              <a:schemeClr val="accent1"/>
+            </a:effectRef>
+            <a:fontRef idx="minor">
+              <a:schemeClr val="lt1"/>
+            </a:fontRef>
+          </p:style>
+          <p:txBody>
+            <a:bodyPr rtlCol="0" anchor="ctr"/>
+            <a:lstStyle/>
+            <a:p>
+              <a:pPr algn="ctr"/>
+              <a:endParaRPr lang="zh-CN" altLang="en-US"/>
+            </a:p>
+          </p:txBody>
+        </p:sp>
+        <p:cxnSp>
+          <p:nvCxnSpPr>
+            <p:cNvPr id="91" name="直接连接符 90"/>
+            <p:cNvCxnSpPr>
+              <a:stCxn id="93" idx="1"/>
+            </p:cNvCxnSpPr>
+            <p:nvPr/>
+          </p:nvCxnSpPr>
+          <p:spPr>
+            <a:xfrm flipV="1">
+              <a:off x="6313153" y="2198937"/>
+              <a:ext cx="2277670" cy="1259014"/>
+            </a:xfrm>
+            <a:prstGeom prst="line">
+              <a:avLst/>
+            </a:prstGeom>
+            <a:ln w="28575">
+              <a:solidFill>
+                <a:schemeClr val="accent6">
+                  <a:lumMod val="40000"/>
+                  <a:lumOff val="60000"/>
+                </a:schemeClr>
+              </a:solidFill>
+              <a:prstDash val="dash"/>
+              <a:tailEnd type="stealth"/>
+            </a:ln>
+          </p:spPr>
+          <p:style>
+            <a:lnRef idx="1">
+              <a:schemeClr val="accent1"/>
+            </a:lnRef>
+            <a:fillRef idx="0">
+              <a:schemeClr val="accent1"/>
+            </a:fillRef>
+            <a:effectRef idx="0">
+              <a:schemeClr val="accent1"/>
+            </a:effectRef>
+            <a:fontRef idx="minor">
+              <a:schemeClr val="tx1"/>
+            </a:fontRef>
+          </p:style>
+        </p:cxnSp>
+      </p:grpSp>
+      <p:graphicFrame>
+        <p:nvGraphicFramePr>
+          <p:cNvPr id="48" name="对象 47"/>
+          <p:cNvGraphicFramePr>
+            <a:graphicFrameLocks noChangeAspect="1"/>
+          </p:cNvGraphicFramePr>
+          <p:nvPr>
+            <p:extLst>
+              <p:ext uri="{D42A27DB-BD31-4B8C-83A1-F6EECF244321}">
+                <p14:modId xmlns:p14="http://schemas.microsoft.com/office/powerpoint/2010/main" val="1204416910"/>
+              </p:ext>
+            </p:extLst>
+          </p:nvPr>
+        </p:nvGraphicFramePr>
+        <p:xfrm>
+          <a:off x="6795322" y="3783902"/>
+          <a:ext cx="356102" cy="353630"/>
+        </p:xfrm>
+        <a:graphic>
+          <a:graphicData uri="http://schemas.openxmlformats.org/presentationml/2006/ole">
+            <mc:AlternateContent xmlns:mc="http://schemas.openxmlformats.org/markup-compatibility/2006">
+              <mc:Choice xmlns:v="urn:schemas-microsoft-com:vml" Requires="v">
+                <p:oleObj spid="_x0000_s4098" name="Equation" r:id="rId3" imgW="228600" imgH="228600" progId="Equation.DSMT4">
+                  <p:embed/>
+                </p:oleObj>
+              </mc:Choice>
+              <mc:Fallback>
+                <p:oleObj name="Equation" r:id="rId3" imgW="228600" imgH="228600" progId="Equation.DSMT4">
+                  <p:embed/>
+                  <p:pic>
+                    <p:nvPicPr>
+                      <p:cNvPr id="0" name=""/>
+                      <p:cNvPicPr/>
+                      <p:nvPr/>
+                    </p:nvPicPr>
+                    <p:blipFill>
+                      <a:blip r:embed="rId4"/>
+                      <a:stretch>
+                        <a:fillRect/>
+                      </a:stretch>
+                    </p:blipFill>
+                    <p:spPr>
+                      <a:xfrm>
+                        <a:off x="6795322" y="3783902"/>
+                        <a:ext cx="356102" cy="353630"/>
+                      </a:xfrm>
+                      <a:prstGeom prst="rect">
+                        <a:avLst/>
+                      </a:prstGeom>
+                    </p:spPr>
+                  </p:pic>
+                </p:oleObj>
+              </mc:Fallback>
+            </mc:AlternateContent>
+          </a:graphicData>
+        </a:graphic>
+      </p:graphicFrame>
+      <p:graphicFrame>
+        <p:nvGraphicFramePr>
+          <p:cNvPr id="94" name="对象 93"/>
+          <p:cNvGraphicFramePr>
+            <a:graphicFrameLocks noChangeAspect="1"/>
+          </p:cNvGraphicFramePr>
+          <p:nvPr>
+            <p:extLst>
+              <p:ext uri="{D42A27DB-BD31-4B8C-83A1-F6EECF244321}">
+                <p14:modId xmlns:p14="http://schemas.microsoft.com/office/powerpoint/2010/main" val="479226562"/>
+              </p:ext>
+            </p:extLst>
+          </p:nvPr>
+        </p:nvGraphicFramePr>
+        <p:xfrm>
+          <a:off x="8016875" y="3811588"/>
+          <a:ext cx="217488" cy="352425"/>
+        </p:xfrm>
+        <a:graphic>
+          <a:graphicData uri="http://schemas.openxmlformats.org/presentationml/2006/ole">
+            <mc:AlternateContent xmlns:mc="http://schemas.openxmlformats.org/markup-compatibility/2006">
+              <mc:Choice xmlns:v="urn:schemas-microsoft-com:vml" Requires="v">
+                <p:oleObj spid="_x0000_s4099" name="Equation" r:id="rId5" imgW="139680" imgH="228600" progId="Equation.DSMT4">
+                  <p:embed/>
+                </p:oleObj>
+              </mc:Choice>
+              <mc:Fallback>
+                <p:oleObj name="Equation" r:id="rId5" imgW="139680" imgH="228600" progId="Equation.DSMT4">
+                  <p:embed/>
+                  <p:pic>
+                    <p:nvPicPr>
+                      <p:cNvPr id="0" name=""/>
+                      <p:cNvPicPr/>
+                      <p:nvPr/>
+                    </p:nvPicPr>
+                    <p:blipFill>
+                      <a:blip r:embed="rId6"/>
+                      <a:stretch>
+                        <a:fillRect/>
+                      </a:stretch>
+                    </p:blipFill>
+                    <p:spPr>
+                      <a:xfrm>
+                        <a:off x="8016875" y="3811588"/>
+                        <a:ext cx="217488" cy="352425"/>
+                      </a:xfrm>
+                      <a:prstGeom prst="rect">
+                        <a:avLst/>
+                      </a:prstGeom>
+                    </p:spPr>
+                  </p:pic>
+                </p:oleObj>
+              </mc:Fallback>
+            </mc:AlternateContent>
+          </a:graphicData>
+        </a:graphic>
+      </p:graphicFrame>
+      <p:graphicFrame>
+        <p:nvGraphicFramePr>
+          <p:cNvPr id="95" name="对象 94"/>
+          <p:cNvGraphicFramePr>
+            <a:graphicFrameLocks noChangeAspect="1"/>
+          </p:cNvGraphicFramePr>
+          <p:nvPr>
+            <p:extLst>
+              <p:ext uri="{D42A27DB-BD31-4B8C-83A1-F6EECF244321}">
+                <p14:modId xmlns:p14="http://schemas.microsoft.com/office/powerpoint/2010/main" val="1021156410"/>
+              </p:ext>
+            </p:extLst>
+          </p:nvPr>
+        </p:nvGraphicFramePr>
+        <p:xfrm>
+          <a:off x="9018588" y="3843338"/>
+          <a:ext cx="138112" cy="234950"/>
+        </p:xfrm>
+        <a:graphic>
+          <a:graphicData uri="http://schemas.openxmlformats.org/presentationml/2006/ole">
+            <mc:AlternateContent xmlns:mc="http://schemas.openxmlformats.org/markup-compatibility/2006">
+              <mc:Choice xmlns:v="urn:schemas-microsoft-com:vml" Requires="v">
+                <p:oleObj spid="_x0000_s4100" name="Equation" r:id="rId7" imgW="88560" imgH="152280" progId="Equation.DSMT4">
+                  <p:embed/>
+                </p:oleObj>
+              </mc:Choice>
+              <mc:Fallback>
+                <p:oleObj name="Equation" r:id="rId7" imgW="88560" imgH="152280" progId="Equation.DSMT4">
+                  <p:embed/>
+                  <p:pic>
+                    <p:nvPicPr>
+                      <p:cNvPr id="0" name=""/>
+                      <p:cNvPicPr/>
+                      <p:nvPr/>
+                    </p:nvPicPr>
+                    <p:blipFill>
+                      <a:blip r:embed="rId8"/>
+                      <a:stretch>
+                        <a:fillRect/>
+                      </a:stretch>
+                    </p:blipFill>
+                    <p:spPr>
+                      <a:xfrm>
+                        <a:off x="9018588" y="3843338"/>
+                        <a:ext cx="138112" cy="234950"/>
+                      </a:xfrm>
+                      <a:prstGeom prst="rect">
+                        <a:avLst/>
+                      </a:prstGeom>
+                    </p:spPr>
+                  </p:pic>
+                </p:oleObj>
+              </mc:Fallback>
+            </mc:AlternateContent>
+          </a:graphicData>
+        </a:graphic>
+      </p:graphicFrame>
+      <p:sp>
+        <p:nvSpPr>
+          <p:cNvPr id="100" name="矩形 99"/>
+          <p:cNvSpPr/>
+          <p:nvPr/>
+        </p:nvSpPr>
+        <p:spPr>
+          <a:xfrm rot="10800000">
+            <a:off x="6286951" y="3451399"/>
+            <a:ext cx="299665" cy="45719"/>
+          </a:xfrm>
+          <a:prstGeom prst="rect">
+            <a:avLst/>
+          </a:prstGeom>
+          <a:noFill/>
+          <a:ln w="19050">
+            <a:solidFill>
+              <a:schemeClr val="bg1">
+                <a:lumMod val="50000"/>
+              </a:schemeClr>
+            </a:solidFill>
+            <a:prstDash val="sysDash"/>
+          </a:ln>
+        </p:spPr>
+        <p:style>
+          <a:lnRef idx="2">
+            <a:schemeClr val="accent1">
+              <a:shade val="50000"/>
+            </a:schemeClr>
+          </a:lnRef>
+          <a:fillRef idx="1">
+            <a:schemeClr val="accent1"/>
+          </a:fillRef>
+          <a:effectRef idx="0">
+            <a:schemeClr val="accent1"/>
+          </a:effectRef>
+          <a:fontRef idx="minor">
+            <a:schemeClr val="lt1"/>
+          </a:fontRef>
+        </p:style>
+        <p:txBody>
+          <a:bodyPr rtlCol="0" anchor="ctr"/>
+          <a:lstStyle/>
+          <a:p>
+            <a:pPr algn="ctr"/>
+            <a:endParaRPr lang="zh-CN" altLang="en-US"/>
+          </a:p>
+        </p:txBody>
+      </p:sp>
+      <p:sp>
+        <p:nvSpPr>
+          <p:cNvPr id="101" name="圆角矩形 100"/>
+          <p:cNvSpPr/>
+          <p:nvPr/>
+        </p:nvSpPr>
+        <p:spPr>
+          <a:xfrm rot="5400000">
+            <a:off x="6493979" y="3450641"/>
+            <a:ext cx="92429" cy="39516"/>
+          </a:xfrm>
+          <a:prstGeom prst="roundRect">
+            <a:avLst/>
+          </a:prstGeom>
+          <a:solidFill>
+            <a:schemeClr val="bg1"/>
+          </a:solidFill>
+          <a:ln w="19050">
+            <a:solidFill>
+              <a:schemeClr val="tx1">
+                <a:lumMod val="65000"/>
+                <a:lumOff val="35000"/>
+              </a:schemeClr>
+            </a:solidFill>
+            <a:prstDash val="sysDash"/>
+          </a:ln>
+        </p:spPr>
+        <p:style>
+          <a:lnRef idx="2">
+            <a:schemeClr val="accent1">
+              <a:shade val="50000"/>
+            </a:schemeClr>
+          </a:lnRef>
+          <a:fillRef idx="1">
+            <a:schemeClr val="accent1"/>
+          </a:fillRef>
+          <a:effectRef idx="0">
+            <a:schemeClr val="accent1"/>
+          </a:effectRef>
+          <a:fontRef idx="minor">
+            <a:schemeClr val="lt1"/>
+          </a:fontRef>
+        </p:style>
+        <p:txBody>
+          <a:bodyPr rtlCol="0" anchor="ctr"/>
+          <a:lstStyle/>
+          <a:p>
+            <a:pPr algn="ctr"/>
+            <a:endParaRPr lang="zh-CN" altLang="en-US"/>
+          </a:p>
+        </p:txBody>
+      </p:sp>
     </p:spTree>
     <p:extLst>
       <p:ext uri="{BB962C8B-B14F-4D97-AF65-F5344CB8AC3E}">
-        <p14:creationId xmlns:p14="http://schemas.microsoft.com/office/powerpoint/2010/main" val="2857857669"/>
+        <p14:creationId xmlns:p14="http://schemas.microsoft.com/office/powerpoint/2010/main" val="356368940"/>
       </p:ext>
     </p:extLst>
   </p:cSld>
